--- a/p2.pptx
+++ b/p2.pptx
@@ -142,6 +142,2965 @@
 </p:presentation>
 </file>
 
+<file path=ppt/diagrams/colors1.xml><?xml version="1.0" encoding="utf-8"?>
+<dgm:colorsDef xmlns:dgm="http://schemas.openxmlformats.org/drawingml/2006/diagram" xmlns:a="http://schemas.openxmlformats.org/drawingml/2006/main" uniqueId="urn:microsoft.com/office/officeart/2005/8/colors/accent1_2">
+  <dgm:title val=""/>
+  <dgm:desc val=""/>
+  <dgm:catLst>
+    <dgm:cat type="accent1" pri="11200"/>
+  </dgm:catLst>
+  <dgm:styleLbl name="node0">
+    <dgm:fillClrLst meth="repeat">
+      <a:schemeClr val="accent1"/>
+    </dgm:fillClrLst>
+    <dgm:linClrLst meth="repeat">
+      <a:schemeClr val="lt1"/>
+    </dgm:linClrLst>
+    <dgm:effectClrLst/>
+    <dgm:txLinClrLst/>
+    <dgm:txFillClrLst/>
+    <dgm:txEffectClrLst/>
+  </dgm:styleLbl>
+  <dgm:styleLbl name="alignNode1">
+    <dgm:fillClrLst meth="repeat">
+      <a:schemeClr val="accent1"/>
+    </dgm:fillClrLst>
+    <dgm:linClrLst meth="repeat">
+      <a:schemeClr val="accent1"/>
+    </dgm:linClrLst>
+    <dgm:effectClrLst/>
+    <dgm:txLinClrLst/>
+    <dgm:txFillClrLst/>
+    <dgm:txEffectClrLst/>
+  </dgm:styleLbl>
+  <dgm:styleLbl name="node1">
+    <dgm:fillClrLst meth="repeat">
+      <a:schemeClr val="accent1"/>
+    </dgm:fillClrLst>
+    <dgm:linClrLst meth="repeat">
+      <a:schemeClr val="lt1"/>
+    </dgm:linClrLst>
+    <dgm:effectClrLst/>
+    <dgm:txLinClrLst/>
+    <dgm:txFillClrLst/>
+    <dgm:txEffectClrLst/>
+  </dgm:styleLbl>
+  <dgm:styleLbl name="lnNode1">
+    <dgm:fillClrLst meth="repeat">
+      <a:schemeClr val="accent1"/>
+    </dgm:fillClrLst>
+    <dgm:linClrLst meth="repeat">
+      <a:schemeClr val="lt1"/>
+    </dgm:linClrLst>
+    <dgm:effectClrLst/>
+    <dgm:txLinClrLst/>
+    <dgm:txFillClrLst/>
+    <dgm:txEffectClrLst/>
+  </dgm:styleLbl>
+  <dgm:styleLbl name="vennNode1">
+    <dgm:fillClrLst meth="repeat">
+      <a:schemeClr val="accent1">
+        <a:alpha val="50000"/>
+      </a:schemeClr>
+    </dgm:fillClrLst>
+    <dgm:linClrLst meth="repeat">
+      <a:schemeClr val="lt1"/>
+    </dgm:linClrLst>
+    <dgm:effectClrLst/>
+    <dgm:txLinClrLst/>
+    <dgm:txFillClrLst/>
+    <dgm:txEffectClrLst/>
+  </dgm:styleLbl>
+  <dgm:styleLbl name="node2">
+    <dgm:fillClrLst meth="repeat">
+      <a:schemeClr val="accent1"/>
+    </dgm:fillClrLst>
+    <dgm:linClrLst meth="repeat">
+      <a:schemeClr val="lt1"/>
+    </dgm:linClrLst>
+    <dgm:effectClrLst/>
+    <dgm:txLinClrLst/>
+    <dgm:txFillClrLst/>
+    <dgm:txEffectClrLst/>
+  </dgm:styleLbl>
+  <dgm:styleLbl name="node3">
+    <dgm:fillClrLst meth="repeat">
+      <a:schemeClr val="accent1"/>
+    </dgm:fillClrLst>
+    <dgm:linClrLst meth="repeat">
+      <a:schemeClr val="lt1"/>
+    </dgm:linClrLst>
+    <dgm:effectClrLst/>
+    <dgm:txLinClrLst/>
+    <dgm:txFillClrLst/>
+    <dgm:txEffectClrLst/>
+  </dgm:styleLbl>
+  <dgm:styleLbl name="node4">
+    <dgm:fillClrLst meth="repeat">
+      <a:schemeClr val="accent1"/>
+    </dgm:fillClrLst>
+    <dgm:linClrLst meth="repeat">
+      <a:schemeClr val="lt1"/>
+    </dgm:linClrLst>
+    <dgm:effectClrLst/>
+    <dgm:txLinClrLst/>
+    <dgm:txFillClrLst/>
+    <dgm:txEffectClrLst/>
+  </dgm:styleLbl>
+  <dgm:styleLbl name="fgImgPlace1">
+    <dgm:fillClrLst meth="repeat">
+      <a:schemeClr val="accent1">
+        <a:tint val="50000"/>
+      </a:schemeClr>
+    </dgm:fillClrLst>
+    <dgm:linClrLst meth="repeat">
+      <a:schemeClr val="lt1"/>
+    </dgm:linClrLst>
+    <dgm:effectClrLst/>
+    <dgm:txLinClrLst/>
+    <dgm:txFillClrLst meth="repeat">
+      <a:schemeClr val="lt1"/>
+    </dgm:txFillClrLst>
+    <dgm:txEffectClrLst/>
+  </dgm:styleLbl>
+  <dgm:styleLbl name="alignImgPlace1">
+    <dgm:fillClrLst meth="repeat">
+      <a:schemeClr val="accent1">
+        <a:tint val="50000"/>
+      </a:schemeClr>
+    </dgm:fillClrLst>
+    <dgm:linClrLst meth="repeat">
+      <a:schemeClr val="lt1"/>
+    </dgm:linClrLst>
+    <dgm:effectClrLst/>
+    <dgm:txLinClrLst/>
+    <dgm:txFillClrLst meth="repeat">
+      <a:schemeClr val="lt1"/>
+    </dgm:txFillClrLst>
+    <dgm:txEffectClrLst/>
+  </dgm:styleLbl>
+  <dgm:styleLbl name="bgImgPlace1">
+    <dgm:fillClrLst meth="repeat">
+      <a:schemeClr val="accent1">
+        <a:tint val="50000"/>
+      </a:schemeClr>
+    </dgm:fillClrLst>
+    <dgm:linClrLst meth="repeat">
+      <a:schemeClr val="lt1"/>
+    </dgm:linClrLst>
+    <dgm:effectClrLst/>
+    <dgm:txLinClrLst/>
+    <dgm:txFillClrLst meth="repeat">
+      <a:schemeClr val="lt1"/>
+    </dgm:txFillClrLst>
+    <dgm:txEffectClrLst/>
+  </dgm:styleLbl>
+  <dgm:styleLbl name="sibTrans2D1">
+    <dgm:fillClrLst meth="repeat">
+      <a:schemeClr val="accent1">
+        <a:tint val="60000"/>
+      </a:schemeClr>
+    </dgm:fillClrLst>
+    <dgm:linClrLst meth="repeat">
+      <a:schemeClr val="accent1">
+        <a:tint val="60000"/>
+      </a:schemeClr>
+    </dgm:linClrLst>
+    <dgm:effectClrLst/>
+    <dgm:txLinClrLst/>
+    <dgm:txFillClrLst/>
+    <dgm:txEffectClrLst/>
+  </dgm:styleLbl>
+  <dgm:styleLbl name="fgSibTrans2D1">
+    <dgm:fillClrLst meth="repeat">
+      <a:schemeClr val="accent1">
+        <a:tint val="60000"/>
+      </a:schemeClr>
+    </dgm:fillClrLst>
+    <dgm:linClrLst meth="repeat">
+      <a:schemeClr val="accent1">
+        <a:tint val="60000"/>
+      </a:schemeClr>
+    </dgm:linClrLst>
+    <dgm:effectClrLst/>
+    <dgm:txLinClrLst/>
+    <dgm:txFillClrLst/>
+    <dgm:txEffectClrLst/>
+  </dgm:styleLbl>
+  <dgm:styleLbl name="bgSibTrans2D1">
+    <dgm:fillClrLst meth="repeat">
+      <a:schemeClr val="accent1">
+        <a:tint val="60000"/>
+      </a:schemeClr>
+    </dgm:fillClrLst>
+    <dgm:linClrLst meth="repeat">
+      <a:schemeClr val="accent1">
+        <a:tint val="60000"/>
+      </a:schemeClr>
+    </dgm:linClrLst>
+    <dgm:effectClrLst/>
+    <dgm:txLinClrLst/>
+    <dgm:txFillClrLst/>
+    <dgm:txEffectClrLst/>
+  </dgm:styleLbl>
+  <dgm:styleLbl name="sibTrans1D1">
+    <dgm:fillClrLst meth="repeat">
+      <a:schemeClr val="accent1"/>
+    </dgm:fillClrLst>
+    <dgm:linClrLst meth="repeat">
+      <a:schemeClr val="accent1"/>
+    </dgm:linClrLst>
+    <dgm:effectClrLst/>
+    <dgm:txLinClrLst/>
+    <dgm:txFillClrLst meth="repeat">
+      <a:schemeClr val="tx1"/>
+    </dgm:txFillClrLst>
+    <dgm:txEffectClrLst/>
+  </dgm:styleLbl>
+  <dgm:styleLbl name="callout">
+    <dgm:fillClrLst meth="repeat">
+      <a:schemeClr val="accent1"/>
+    </dgm:fillClrLst>
+    <dgm:linClrLst meth="repeat">
+      <a:schemeClr val="accent1">
+        <a:tint val="50000"/>
+      </a:schemeClr>
+    </dgm:linClrLst>
+    <dgm:effectClrLst/>
+    <dgm:txLinClrLst/>
+    <dgm:txFillClrLst meth="repeat">
+      <a:schemeClr val="tx1"/>
+    </dgm:txFillClrLst>
+    <dgm:txEffectClrLst/>
+  </dgm:styleLbl>
+  <dgm:styleLbl name="asst0">
+    <dgm:fillClrLst meth="repeat">
+      <a:schemeClr val="accent1"/>
+    </dgm:fillClrLst>
+    <dgm:linClrLst meth="repeat">
+      <a:schemeClr val="lt1"/>
+    </dgm:linClrLst>
+    <dgm:effectClrLst/>
+    <dgm:txLinClrLst/>
+    <dgm:txFillClrLst/>
+    <dgm:txEffectClrLst/>
+  </dgm:styleLbl>
+  <dgm:styleLbl name="asst1">
+    <dgm:fillClrLst meth="repeat">
+      <a:schemeClr val="accent1"/>
+    </dgm:fillClrLst>
+    <dgm:linClrLst meth="repeat">
+      <a:schemeClr val="lt1"/>
+    </dgm:linClrLst>
+    <dgm:effectClrLst/>
+    <dgm:txLinClrLst/>
+    <dgm:txFillClrLst/>
+    <dgm:txEffectClrLst/>
+  </dgm:styleLbl>
+  <dgm:styleLbl name="asst2">
+    <dgm:fillClrLst meth="repeat">
+      <a:schemeClr val="accent1"/>
+    </dgm:fillClrLst>
+    <dgm:linClrLst meth="repeat">
+      <a:schemeClr val="lt1"/>
+    </dgm:linClrLst>
+    <dgm:effectClrLst/>
+    <dgm:txLinClrLst/>
+    <dgm:txFillClrLst/>
+    <dgm:txEffectClrLst/>
+  </dgm:styleLbl>
+  <dgm:styleLbl name="asst3">
+    <dgm:fillClrLst meth="repeat">
+      <a:schemeClr val="accent1"/>
+    </dgm:fillClrLst>
+    <dgm:linClrLst meth="repeat">
+      <a:schemeClr val="lt1"/>
+    </dgm:linClrLst>
+    <dgm:effectClrLst/>
+    <dgm:txLinClrLst/>
+    <dgm:txFillClrLst/>
+    <dgm:txEffectClrLst/>
+  </dgm:styleLbl>
+  <dgm:styleLbl name="asst4">
+    <dgm:fillClrLst meth="repeat">
+      <a:schemeClr val="accent1"/>
+    </dgm:fillClrLst>
+    <dgm:linClrLst meth="repeat">
+      <a:schemeClr val="lt1"/>
+    </dgm:linClrLst>
+    <dgm:effectClrLst/>
+    <dgm:txLinClrLst/>
+    <dgm:txFillClrLst/>
+    <dgm:txEffectClrLst/>
+  </dgm:styleLbl>
+  <dgm:styleLbl name="parChTrans2D1">
+    <dgm:fillClrLst meth="repeat">
+      <a:schemeClr val="accent1">
+        <a:tint val="60000"/>
+      </a:schemeClr>
+    </dgm:fillClrLst>
+    <dgm:linClrLst meth="repeat">
+      <a:schemeClr val="accent1">
+        <a:tint val="60000"/>
+      </a:schemeClr>
+    </dgm:linClrLst>
+    <dgm:effectClrLst/>
+    <dgm:txLinClrLst/>
+    <dgm:txFillClrLst meth="repeat">
+      <a:schemeClr val="lt1"/>
+    </dgm:txFillClrLst>
+    <dgm:txEffectClrLst/>
+  </dgm:styleLbl>
+  <dgm:styleLbl name="parChTrans2D2">
+    <dgm:fillClrLst meth="repeat">
+      <a:schemeClr val="accent1"/>
+    </dgm:fillClrLst>
+    <dgm:linClrLst meth="repeat">
+      <a:schemeClr val="accent1"/>
+    </dgm:linClrLst>
+    <dgm:effectClrLst/>
+    <dgm:txLinClrLst/>
+    <dgm:txFillClrLst meth="repeat">
+      <a:schemeClr val="lt1"/>
+    </dgm:txFillClrLst>
+    <dgm:txEffectClrLst/>
+  </dgm:styleLbl>
+  <dgm:styleLbl name="parChTrans2D3">
+    <dgm:fillClrLst meth="repeat">
+      <a:schemeClr val="accent1"/>
+    </dgm:fillClrLst>
+    <dgm:linClrLst meth="repeat">
+      <a:schemeClr val="accent1"/>
+    </dgm:linClrLst>
+    <dgm:effectClrLst/>
+    <dgm:txLinClrLst/>
+    <dgm:txFillClrLst meth="repeat">
+      <a:schemeClr val="lt1"/>
+    </dgm:txFillClrLst>
+    <dgm:txEffectClrLst/>
+  </dgm:styleLbl>
+  <dgm:styleLbl name="parChTrans2D4">
+    <dgm:fillClrLst meth="repeat">
+      <a:schemeClr val="accent1"/>
+    </dgm:fillClrLst>
+    <dgm:linClrLst meth="repeat">
+      <a:schemeClr val="accent1"/>
+    </dgm:linClrLst>
+    <dgm:effectClrLst/>
+    <dgm:txLinClrLst/>
+    <dgm:txFillClrLst meth="repeat">
+      <a:schemeClr val="lt1"/>
+    </dgm:txFillClrLst>
+    <dgm:txEffectClrLst/>
+  </dgm:styleLbl>
+  <dgm:styleLbl name="parChTrans1D1">
+    <dgm:fillClrLst meth="repeat">
+      <a:schemeClr val="accent1"/>
+    </dgm:fillClrLst>
+    <dgm:linClrLst meth="repeat">
+      <a:schemeClr val="accent1">
+        <a:shade val="60000"/>
+      </a:schemeClr>
+    </dgm:linClrLst>
+    <dgm:effectClrLst/>
+    <dgm:txLinClrLst/>
+    <dgm:txFillClrLst meth="repeat">
+      <a:schemeClr val="tx1"/>
+    </dgm:txFillClrLst>
+    <dgm:txEffectClrLst/>
+  </dgm:styleLbl>
+  <dgm:styleLbl name="parChTrans1D2">
+    <dgm:fillClrLst meth="repeat">
+      <a:schemeClr val="accent1"/>
+    </dgm:fillClrLst>
+    <dgm:linClrLst meth="repeat">
+      <a:schemeClr val="accent1">
+        <a:shade val="60000"/>
+      </a:schemeClr>
+    </dgm:linClrLst>
+    <dgm:effectClrLst/>
+    <dgm:txLinClrLst/>
+    <dgm:txFillClrLst meth="repeat">
+      <a:schemeClr val="tx1"/>
+    </dgm:txFillClrLst>
+    <dgm:txEffectClrLst/>
+  </dgm:styleLbl>
+  <dgm:styleLbl name="parChTrans1D3">
+    <dgm:fillClrLst meth="repeat">
+      <a:schemeClr val="accent1"/>
+    </dgm:fillClrLst>
+    <dgm:linClrLst meth="repeat">
+      <a:schemeClr val="accent1">
+        <a:shade val="80000"/>
+      </a:schemeClr>
+    </dgm:linClrLst>
+    <dgm:effectClrLst/>
+    <dgm:txLinClrLst/>
+    <dgm:txFillClrLst meth="repeat">
+      <a:schemeClr val="tx1"/>
+    </dgm:txFillClrLst>
+    <dgm:txEffectClrLst/>
+  </dgm:styleLbl>
+  <dgm:styleLbl name="parChTrans1D4">
+    <dgm:fillClrLst meth="repeat">
+      <a:schemeClr val="accent1"/>
+    </dgm:fillClrLst>
+    <dgm:linClrLst meth="repeat">
+      <a:schemeClr val="accent1">
+        <a:shade val="80000"/>
+      </a:schemeClr>
+    </dgm:linClrLst>
+    <dgm:effectClrLst/>
+    <dgm:txLinClrLst/>
+    <dgm:txFillClrLst meth="repeat">
+      <a:schemeClr val="tx1"/>
+    </dgm:txFillClrLst>
+    <dgm:txEffectClrLst/>
+  </dgm:styleLbl>
+  <dgm:styleLbl name="fgAcc1">
+    <dgm:fillClrLst meth="repeat">
+      <a:schemeClr val="lt1">
+        <a:alpha val="90000"/>
+      </a:schemeClr>
+    </dgm:fillClrLst>
+    <dgm:linClrLst meth="repeat">
+      <a:schemeClr val="accent1"/>
+    </dgm:linClrLst>
+    <dgm:effectClrLst/>
+    <dgm:txLinClrLst/>
+    <dgm:txFillClrLst meth="repeat">
+      <a:schemeClr val="dk1"/>
+    </dgm:txFillClrLst>
+    <dgm:txEffectClrLst/>
+  </dgm:styleLbl>
+  <dgm:styleLbl name="conFgAcc1">
+    <dgm:fillClrLst meth="repeat">
+      <a:schemeClr val="lt1">
+        <a:alpha val="90000"/>
+      </a:schemeClr>
+    </dgm:fillClrLst>
+    <dgm:linClrLst meth="repeat">
+      <a:schemeClr val="accent1"/>
+    </dgm:linClrLst>
+    <dgm:effectClrLst/>
+    <dgm:txLinClrLst/>
+    <dgm:txFillClrLst meth="repeat">
+      <a:schemeClr val="dk1"/>
+    </dgm:txFillClrLst>
+    <dgm:txEffectClrLst/>
+  </dgm:styleLbl>
+  <dgm:styleLbl name="alignAcc1">
+    <dgm:fillClrLst meth="repeat">
+      <a:schemeClr val="lt1">
+        <a:alpha val="90000"/>
+      </a:schemeClr>
+    </dgm:fillClrLst>
+    <dgm:linClrLst meth="repeat">
+      <a:schemeClr val="accent1"/>
+    </dgm:linClrLst>
+    <dgm:effectClrLst/>
+    <dgm:txLinClrLst/>
+    <dgm:txFillClrLst meth="repeat">
+      <a:schemeClr val="dk1"/>
+    </dgm:txFillClrLst>
+    <dgm:txEffectClrLst/>
+  </dgm:styleLbl>
+  <dgm:styleLbl name="trAlignAcc1">
+    <dgm:fillClrLst meth="repeat">
+      <a:schemeClr val="lt1">
+        <a:alpha val="40000"/>
+      </a:schemeClr>
+    </dgm:fillClrLst>
+    <dgm:linClrLst meth="repeat">
+      <a:schemeClr val="accent1"/>
+    </dgm:linClrLst>
+    <dgm:effectClrLst/>
+    <dgm:txLinClrLst/>
+    <dgm:txFillClrLst meth="repeat">
+      <a:schemeClr val="dk1"/>
+    </dgm:txFillClrLst>
+    <dgm:txEffectClrLst/>
+  </dgm:styleLbl>
+  <dgm:styleLbl name="bgAcc1">
+    <dgm:fillClrLst meth="repeat">
+      <a:schemeClr val="lt1">
+        <a:alpha val="90000"/>
+      </a:schemeClr>
+    </dgm:fillClrLst>
+    <dgm:linClrLst meth="repeat">
+      <a:schemeClr val="accent1"/>
+    </dgm:linClrLst>
+    <dgm:effectClrLst/>
+    <dgm:txLinClrLst/>
+    <dgm:txFillClrLst meth="repeat">
+      <a:schemeClr val="dk1"/>
+    </dgm:txFillClrLst>
+    <dgm:txEffectClrLst/>
+  </dgm:styleLbl>
+  <dgm:styleLbl name="solidFgAcc1">
+    <dgm:fillClrLst meth="repeat">
+      <a:schemeClr val="lt1"/>
+    </dgm:fillClrLst>
+    <dgm:linClrLst meth="repeat">
+      <a:schemeClr val="accent1"/>
+    </dgm:linClrLst>
+    <dgm:effectClrLst/>
+    <dgm:txLinClrLst/>
+    <dgm:txFillClrLst meth="repeat">
+      <a:schemeClr val="dk1"/>
+    </dgm:txFillClrLst>
+    <dgm:txEffectClrLst/>
+  </dgm:styleLbl>
+  <dgm:styleLbl name="solidAlignAcc1">
+    <dgm:fillClrLst meth="repeat">
+      <a:schemeClr val="lt1"/>
+    </dgm:fillClrLst>
+    <dgm:linClrLst meth="repeat">
+      <a:schemeClr val="accent1"/>
+    </dgm:linClrLst>
+    <dgm:effectClrLst/>
+    <dgm:txLinClrLst/>
+    <dgm:txFillClrLst meth="repeat">
+      <a:schemeClr val="dk1"/>
+    </dgm:txFillClrLst>
+    <dgm:txEffectClrLst/>
+  </dgm:styleLbl>
+  <dgm:styleLbl name="solidBgAcc1">
+    <dgm:fillClrLst meth="repeat">
+      <a:schemeClr val="lt1"/>
+    </dgm:fillClrLst>
+    <dgm:linClrLst meth="repeat">
+      <a:schemeClr val="accent1"/>
+    </dgm:linClrLst>
+    <dgm:effectClrLst/>
+    <dgm:txLinClrLst/>
+    <dgm:txFillClrLst meth="repeat">
+      <a:schemeClr val="dk1"/>
+    </dgm:txFillClrLst>
+    <dgm:txEffectClrLst/>
+  </dgm:styleLbl>
+  <dgm:styleLbl name="fgAccFollowNode1">
+    <dgm:fillClrLst meth="repeat">
+      <a:schemeClr val="accent1">
+        <a:alpha val="90000"/>
+        <a:tint val="40000"/>
+      </a:schemeClr>
+    </dgm:fillClrLst>
+    <dgm:linClrLst meth="repeat">
+      <a:schemeClr val="accent1">
+        <a:alpha val="90000"/>
+        <a:tint val="40000"/>
+      </a:schemeClr>
+    </dgm:linClrLst>
+    <dgm:effectClrLst/>
+    <dgm:txLinClrLst/>
+    <dgm:txFillClrLst meth="repeat">
+      <a:schemeClr val="dk1"/>
+    </dgm:txFillClrLst>
+    <dgm:txEffectClrLst/>
+  </dgm:styleLbl>
+  <dgm:styleLbl name="alignAccFollowNode1">
+    <dgm:fillClrLst meth="repeat">
+      <a:schemeClr val="accent1">
+        <a:alpha val="90000"/>
+        <a:tint val="40000"/>
+      </a:schemeClr>
+    </dgm:fillClrLst>
+    <dgm:linClrLst meth="repeat">
+      <a:schemeClr val="accent1">
+        <a:alpha val="90000"/>
+        <a:tint val="40000"/>
+      </a:schemeClr>
+    </dgm:linClrLst>
+    <dgm:effectClrLst/>
+    <dgm:txLinClrLst/>
+    <dgm:txFillClrLst meth="repeat">
+      <a:schemeClr val="dk1"/>
+    </dgm:txFillClrLst>
+    <dgm:txEffectClrLst/>
+  </dgm:styleLbl>
+  <dgm:styleLbl name="bgAccFollowNode1">
+    <dgm:fillClrLst meth="repeat">
+      <a:schemeClr val="accent1">
+        <a:alpha val="90000"/>
+        <a:tint val="40000"/>
+      </a:schemeClr>
+    </dgm:fillClrLst>
+    <dgm:linClrLst meth="repeat">
+      <a:schemeClr val="accent1">
+        <a:alpha val="90000"/>
+        <a:tint val="40000"/>
+      </a:schemeClr>
+    </dgm:linClrLst>
+    <dgm:effectClrLst/>
+    <dgm:txLinClrLst/>
+    <dgm:txFillClrLst meth="repeat">
+      <a:schemeClr val="dk1"/>
+    </dgm:txFillClrLst>
+    <dgm:txEffectClrLst/>
+  </dgm:styleLbl>
+  <dgm:styleLbl name="fgAcc0">
+    <dgm:fillClrLst meth="repeat">
+      <a:schemeClr val="lt1">
+        <a:alpha val="90000"/>
+      </a:schemeClr>
+    </dgm:fillClrLst>
+    <dgm:linClrLst meth="repeat">
+      <a:schemeClr val="accent1"/>
+    </dgm:linClrLst>
+    <dgm:effectClrLst/>
+    <dgm:txLinClrLst/>
+    <dgm:txFillClrLst meth="repeat">
+      <a:schemeClr val="dk1"/>
+    </dgm:txFillClrLst>
+    <dgm:txEffectClrLst/>
+  </dgm:styleLbl>
+  <dgm:styleLbl name="fgAcc2">
+    <dgm:fillClrLst meth="repeat">
+      <a:schemeClr val="lt1">
+        <a:alpha val="90000"/>
+      </a:schemeClr>
+    </dgm:fillClrLst>
+    <dgm:linClrLst meth="repeat">
+      <a:schemeClr val="accent1"/>
+    </dgm:linClrLst>
+    <dgm:effectClrLst/>
+    <dgm:txLinClrLst/>
+    <dgm:txFillClrLst meth="repeat">
+      <a:schemeClr val="dk1"/>
+    </dgm:txFillClrLst>
+    <dgm:txEffectClrLst/>
+  </dgm:styleLbl>
+  <dgm:styleLbl name="fgAcc3">
+    <dgm:fillClrLst meth="repeat">
+      <a:schemeClr val="lt1">
+        <a:alpha val="90000"/>
+      </a:schemeClr>
+    </dgm:fillClrLst>
+    <dgm:linClrLst meth="repeat">
+      <a:schemeClr val="accent1"/>
+    </dgm:linClrLst>
+    <dgm:effectClrLst/>
+    <dgm:txLinClrLst/>
+    <dgm:txFillClrLst meth="repeat">
+      <a:schemeClr val="dk1"/>
+    </dgm:txFillClrLst>
+    <dgm:txEffectClrLst/>
+  </dgm:styleLbl>
+  <dgm:styleLbl name="fgAcc4">
+    <dgm:fillClrLst meth="repeat">
+      <a:schemeClr val="lt1">
+        <a:alpha val="90000"/>
+      </a:schemeClr>
+    </dgm:fillClrLst>
+    <dgm:linClrLst meth="repeat">
+      <a:schemeClr val="accent1"/>
+    </dgm:linClrLst>
+    <dgm:effectClrLst/>
+    <dgm:txLinClrLst/>
+    <dgm:txFillClrLst meth="repeat">
+      <a:schemeClr val="dk1"/>
+    </dgm:txFillClrLst>
+    <dgm:txEffectClrLst/>
+  </dgm:styleLbl>
+  <dgm:styleLbl name="bgShp">
+    <dgm:fillClrLst meth="repeat">
+      <a:schemeClr val="accent1">
+        <a:tint val="40000"/>
+      </a:schemeClr>
+    </dgm:fillClrLst>
+    <dgm:linClrLst meth="repeat">
+      <a:schemeClr val="accent1"/>
+    </dgm:linClrLst>
+    <dgm:effectClrLst/>
+    <dgm:txLinClrLst/>
+    <dgm:txFillClrLst meth="repeat">
+      <a:schemeClr val="dk1"/>
+    </dgm:txFillClrLst>
+    <dgm:txEffectClrLst/>
+  </dgm:styleLbl>
+  <dgm:styleLbl name="dkBgShp">
+    <dgm:fillClrLst meth="repeat">
+      <a:schemeClr val="accent1">
+        <a:shade val="80000"/>
+      </a:schemeClr>
+    </dgm:fillClrLst>
+    <dgm:linClrLst meth="repeat">
+      <a:schemeClr val="accent1"/>
+    </dgm:linClrLst>
+    <dgm:effectClrLst/>
+    <dgm:txLinClrLst/>
+    <dgm:txFillClrLst meth="repeat">
+      <a:schemeClr val="lt1"/>
+    </dgm:txFillClrLst>
+    <dgm:txEffectClrLst/>
+  </dgm:styleLbl>
+  <dgm:styleLbl name="trBgShp">
+    <dgm:fillClrLst meth="repeat">
+      <a:schemeClr val="accent1">
+        <a:tint val="50000"/>
+        <a:alpha val="40000"/>
+      </a:schemeClr>
+    </dgm:fillClrLst>
+    <dgm:linClrLst meth="repeat">
+      <a:schemeClr val="accent1"/>
+    </dgm:linClrLst>
+    <dgm:effectClrLst/>
+    <dgm:txLinClrLst/>
+    <dgm:txFillClrLst meth="repeat">
+      <a:schemeClr val="lt1"/>
+    </dgm:txFillClrLst>
+    <dgm:txEffectClrLst/>
+  </dgm:styleLbl>
+  <dgm:styleLbl name="fgShp">
+    <dgm:fillClrLst meth="repeat">
+      <a:schemeClr val="accent1">
+        <a:tint val="60000"/>
+      </a:schemeClr>
+    </dgm:fillClrLst>
+    <dgm:linClrLst meth="repeat">
+      <a:schemeClr val="lt1"/>
+    </dgm:linClrLst>
+    <dgm:effectClrLst/>
+    <dgm:txLinClrLst/>
+    <dgm:txFillClrLst meth="repeat">
+      <a:schemeClr val="dk1"/>
+    </dgm:txFillClrLst>
+    <dgm:txEffectClrLst/>
+  </dgm:styleLbl>
+  <dgm:styleLbl name="revTx">
+    <dgm:fillClrLst meth="repeat">
+      <a:schemeClr val="lt1">
+        <a:alpha val="0"/>
+      </a:schemeClr>
+    </dgm:fillClrLst>
+    <dgm:linClrLst meth="repeat">
+      <a:schemeClr val="dk1">
+        <a:alpha val="0"/>
+      </a:schemeClr>
+    </dgm:linClrLst>
+    <dgm:effectClrLst/>
+    <dgm:txLinClrLst/>
+    <dgm:txFillClrLst meth="repeat">
+      <a:schemeClr val="tx1"/>
+    </dgm:txFillClrLst>
+    <dgm:txEffectClrLst/>
+  </dgm:styleLbl>
+</dgm:colorsDef>
+</file>
+
+<file path=ppt/diagrams/data1.xml><?xml version="1.0" encoding="utf-8"?>
+<dgm:dataModel xmlns:dgm="http://schemas.openxmlformats.org/drawingml/2006/diagram" xmlns:a="http://schemas.openxmlformats.org/drawingml/2006/main">
+  <dgm:ptLst>
+    <dgm:pt modelId="{CCF5CD76-415E-4D3E-926B-3C29F4D31A74}" type="doc">
+      <dgm:prSet loTypeId="urn:microsoft.com/office/officeart/2005/8/layout/process1" loCatId="process" qsTypeId="urn:microsoft.com/office/officeart/2005/8/quickstyle/simple1" qsCatId="simple" csTypeId="urn:microsoft.com/office/officeart/2005/8/colors/accent1_2" csCatId="accent1" phldr="1"/>
+      <dgm:spPr/>
+    </dgm:pt>
+    <dgm:pt modelId="{9DF7D51B-B758-481E-9447-43A5D1084860}">
+      <dgm:prSet phldrT="[Text]" custT="1"/>
+      <dgm:spPr/>
+      <dgm:t>
+        <a:bodyPr/>
+        <a:lstStyle/>
+        <a:p>
+          <a:r>
+            <a:rPr lang="en-US" sz="1800" dirty="0"/>
+            <a:t>Around method </a:t>
+          </a:r>
+        </a:p>
+        <a:p>
+          <a:r>
+            <a:rPr lang="en-US" sz="1800" dirty="0"/>
+            <a:t>(</a:t>
+          </a:r>
+          <a:r>
+            <a:rPr lang="en-US" sz="1800" dirty="0" err="1"/>
+            <a:t>mais</a:t>
+          </a:r>
+          <a:r>
+            <a:rPr lang="en-US" sz="1800" dirty="0"/>
+            <a:t> </a:t>
+          </a:r>
+          <a:r>
+            <a:rPr lang="en-US" sz="1800" dirty="0" err="1"/>
+            <a:t>especifíco</a:t>
+          </a:r>
+          <a:r>
+            <a:rPr lang="en-US" sz="1800" dirty="0"/>
+            <a:t>)</a:t>
+          </a:r>
+        </a:p>
+      </dgm:t>
+    </dgm:pt>
+    <dgm:pt modelId="{D76B681F-8429-407C-AF44-9E9356D13273}" type="parTrans" cxnId="{9EEA863B-5CE3-4E98-A2C8-CD28E2873083}">
+      <dgm:prSet/>
+      <dgm:spPr/>
+      <dgm:t>
+        <a:bodyPr/>
+        <a:lstStyle/>
+        <a:p>
+          <a:endParaRPr lang="en-US"/>
+        </a:p>
+      </dgm:t>
+    </dgm:pt>
+    <dgm:pt modelId="{9BE17DDF-52C9-4F31-828F-EF1162734F5A}" type="sibTrans" cxnId="{9EEA863B-5CE3-4E98-A2C8-CD28E2873083}">
+      <dgm:prSet/>
+      <dgm:spPr/>
+      <dgm:t>
+        <a:bodyPr/>
+        <a:lstStyle/>
+        <a:p>
+          <a:endParaRPr lang="en-US"/>
+        </a:p>
+      </dgm:t>
+    </dgm:pt>
+    <dgm:pt modelId="{9F23821E-D231-4485-99FB-53F60AB12EDE}">
+      <dgm:prSet phldrT="[Text]" custT="1"/>
+      <dgm:spPr/>
+      <dgm:t>
+        <a:bodyPr/>
+        <a:lstStyle/>
+        <a:p>
+          <a:r>
+            <a:rPr lang="en-US" sz="1800" dirty="0"/>
+            <a:t>Before methods</a:t>
+          </a:r>
+        </a:p>
+        <a:p>
+          <a:r>
+            <a:rPr lang="en-US" sz="1800" dirty="0"/>
+            <a:t> (</a:t>
+          </a:r>
+          <a:r>
+            <a:rPr lang="en-US" sz="1800" dirty="0" err="1"/>
+            <a:t>mais</a:t>
+          </a:r>
+          <a:r>
+            <a:rPr lang="en-US" sz="1800" dirty="0"/>
+            <a:t> </a:t>
+          </a:r>
+          <a:r>
+            <a:rPr lang="en-US" sz="1800" dirty="0" err="1"/>
+            <a:t>especifíco</a:t>
+          </a:r>
+          <a:r>
+            <a:rPr lang="en-US" sz="1800" dirty="0"/>
+            <a:t> para o </a:t>
+          </a:r>
+          <a:r>
+            <a:rPr lang="en-US" sz="1800" dirty="0" err="1"/>
+            <a:t>menos</a:t>
+          </a:r>
+          <a:r>
+            <a:rPr lang="en-US" sz="1800" dirty="0"/>
+            <a:t> </a:t>
+          </a:r>
+          <a:r>
+            <a:rPr lang="en-US" sz="1800" dirty="0" err="1"/>
+            <a:t>especifico</a:t>
+          </a:r>
+          <a:r>
+            <a:rPr lang="en-US" sz="1800" dirty="0"/>
+            <a:t>)</a:t>
+          </a:r>
+        </a:p>
+      </dgm:t>
+    </dgm:pt>
+    <dgm:pt modelId="{DFD3DB7D-52A4-4764-8A76-5F8EF6637865}" type="parTrans" cxnId="{293AFA58-64F7-4684-A16D-4DE21EFAA3EC}">
+      <dgm:prSet/>
+      <dgm:spPr/>
+      <dgm:t>
+        <a:bodyPr/>
+        <a:lstStyle/>
+        <a:p>
+          <a:endParaRPr lang="en-US"/>
+        </a:p>
+      </dgm:t>
+    </dgm:pt>
+    <dgm:pt modelId="{85FAC1F2-0F4F-4689-8493-365FB75FDF11}" type="sibTrans" cxnId="{293AFA58-64F7-4684-A16D-4DE21EFAA3EC}">
+      <dgm:prSet/>
+      <dgm:spPr/>
+      <dgm:t>
+        <a:bodyPr/>
+        <a:lstStyle/>
+        <a:p>
+          <a:endParaRPr lang="en-US"/>
+        </a:p>
+      </dgm:t>
+    </dgm:pt>
+    <dgm:pt modelId="{F77C03FD-5277-488F-868C-092C2E32C323}">
+      <dgm:prSet phldrT="[Text]" custT="1"/>
+      <dgm:spPr/>
+      <dgm:t>
+        <a:bodyPr/>
+        <a:lstStyle/>
+        <a:p>
+          <a:r>
+            <a:rPr lang="en-US" sz="1800" dirty="0"/>
+            <a:t>Primary method (</a:t>
+          </a:r>
+          <a:r>
+            <a:rPr lang="en-US" sz="1800" dirty="0" err="1"/>
+            <a:t>mais</a:t>
+          </a:r>
+          <a:r>
+            <a:rPr lang="en-US" sz="1800" dirty="0"/>
+            <a:t> </a:t>
+          </a:r>
+          <a:r>
+            <a:rPr lang="en-US" sz="1800" dirty="0" err="1"/>
+            <a:t>especifíco</a:t>
+          </a:r>
+          <a:r>
+            <a:rPr lang="en-US" sz="1800" dirty="0"/>
+            <a:t>)</a:t>
+          </a:r>
+        </a:p>
+      </dgm:t>
+    </dgm:pt>
+    <dgm:pt modelId="{C15C4E3F-88E5-467E-B4A3-9072B3192FD5}" type="parTrans" cxnId="{D0D40CBF-10C9-4CE1-8434-D9679238C62B}">
+      <dgm:prSet/>
+      <dgm:spPr/>
+      <dgm:t>
+        <a:bodyPr/>
+        <a:lstStyle/>
+        <a:p>
+          <a:endParaRPr lang="en-US"/>
+        </a:p>
+      </dgm:t>
+    </dgm:pt>
+    <dgm:pt modelId="{28A3DCF6-8731-4FB2-A086-B2FD59C451E9}" type="sibTrans" cxnId="{D0D40CBF-10C9-4CE1-8434-D9679238C62B}">
+      <dgm:prSet/>
+      <dgm:spPr/>
+      <dgm:t>
+        <a:bodyPr/>
+        <a:lstStyle/>
+        <a:p>
+          <a:endParaRPr lang="en-US"/>
+        </a:p>
+      </dgm:t>
+    </dgm:pt>
+    <dgm:pt modelId="{07ED10E2-7FBE-4AD8-8E0F-3B635A4E1041}">
+      <dgm:prSet phldrT="[Text]" custT="1"/>
+      <dgm:spPr/>
+      <dgm:t>
+        <a:bodyPr/>
+        <a:lstStyle/>
+        <a:p>
+          <a:r>
+            <a:rPr lang="en-US" sz="1800" dirty="0"/>
+            <a:t>After methods (</a:t>
+          </a:r>
+          <a:r>
+            <a:rPr lang="en-US" sz="1800" dirty="0" err="1"/>
+            <a:t>menos</a:t>
+          </a:r>
+          <a:r>
+            <a:rPr lang="en-US" sz="1800" dirty="0"/>
+            <a:t> </a:t>
+          </a:r>
+          <a:r>
+            <a:rPr lang="en-US" sz="1800" dirty="0" err="1"/>
+            <a:t>especifíco</a:t>
+          </a:r>
+          <a:r>
+            <a:rPr lang="en-US" sz="1800" dirty="0"/>
+            <a:t> para o </a:t>
+          </a:r>
+          <a:r>
+            <a:rPr lang="en-US" sz="1800" dirty="0" err="1"/>
+            <a:t>mais</a:t>
+          </a:r>
+          <a:r>
+            <a:rPr lang="en-US" sz="1800" dirty="0"/>
+            <a:t> </a:t>
+          </a:r>
+          <a:r>
+            <a:rPr lang="en-US" sz="1800" dirty="0" err="1"/>
+            <a:t>especifíco</a:t>
+          </a:r>
+          <a:r>
+            <a:rPr lang="en-US" sz="1800" dirty="0"/>
+            <a:t>)</a:t>
+          </a:r>
+        </a:p>
+      </dgm:t>
+    </dgm:pt>
+    <dgm:pt modelId="{935A16CC-0AD8-4CA9-B07B-B90CC80BD7BD}" type="parTrans" cxnId="{85FA76B6-8988-46A2-A8F3-667E975270AC}">
+      <dgm:prSet/>
+      <dgm:spPr/>
+      <dgm:t>
+        <a:bodyPr/>
+        <a:lstStyle/>
+        <a:p>
+          <a:endParaRPr lang="en-US"/>
+        </a:p>
+      </dgm:t>
+    </dgm:pt>
+    <dgm:pt modelId="{47FE4AE9-4563-48EA-B0C8-6C77C669D468}" type="sibTrans" cxnId="{85FA76B6-8988-46A2-A8F3-667E975270AC}">
+      <dgm:prSet/>
+      <dgm:spPr/>
+      <dgm:t>
+        <a:bodyPr/>
+        <a:lstStyle/>
+        <a:p>
+          <a:endParaRPr lang="en-US"/>
+        </a:p>
+      </dgm:t>
+    </dgm:pt>
+    <dgm:pt modelId="{08444C93-39AE-4857-8297-0375B962AE9B}" type="pres">
+      <dgm:prSet presAssocID="{CCF5CD76-415E-4D3E-926B-3C29F4D31A74}" presName="Name0" presStyleCnt="0">
+        <dgm:presLayoutVars>
+          <dgm:dir/>
+          <dgm:resizeHandles val="exact"/>
+        </dgm:presLayoutVars>
+      </dgm:prSet>
+      <dgm:spPr/>
+    </dgm:pt>
+    <dgm:pt modelId="{21D14814-0006-4C20-9BD8-B24CF1CA402F}" type="pres">
+      <dgm:prSet presAssocID="{9DF7D51B-B758-481E-9447-43A5D1084860}" presName="node" presStyleLbl="node1" presStyleIdx="0" presStyleCnt="4" custScaleX="158616" custScaleY="127585" custLinFactNeighborX="-1944" custLinFactNeighborY="-2674">
+        <dgm:presLayoutVars>
+          <dgm:bulletEnabled val="1"/>
+        </dgm:presLayoutVars>
+      </dgm:prSet>
+      <dgm:spPr/>
+    </dgm:pt>
+    <dgm:pt modelId="{D41A6653-9D31-4044-A687-6CB2A313FC73}" type="pres">
+      <dgm:prSet presAssocID="{9BE17DDF-52C9-4F31-828F-EF1162734F5A}" presName="sibTrans" presStyleLbl="sibTrans2D1" presStyleIdx="0" presStyleCnt="3"/>
+      <dgm:spPr/>
+    </dgm:pt>
+    <dgm:pt modelId="{46A79B1F-C068-4557-8C6F-32C17B4C3B52}" type="pres">
+      <dgm:prSet presAssocID="{9BE17DDF-52C9-4F31-828F-EF1162734F5A}" presName="connectorText" presStyleLbl="sibTrans2D1" presStyleIdx="0" presStyleCnt="3"/>
+      <dgm:spPr/>
+    </dgm:pt>
+    <dgm:pt modelId="{5A019860-F3E2-4030-87C7-95A528A6C4F0}" type="pres">
+      <dgm:prSet presAssocID="{9F23821E-D231-4485-99FB-53F60AB12EDE}" presName="node" presStyleLbl="node1" presStyleIdx="1" presStyleCnt="4" custScaleX="193824" custScaleY="130191">
+        <dgm:presLayoutVars>
+          <dgm:bulletEnabled val="1"/>
+        </dgm:presLayoutVars>
+      </dgm:prSet>
+      <dgm:spPr/>
+    </dgm:pt>
+    <dgm:pt modelId="{C3405D1A-C0D6-49CB-8585-5BCCEF00DBFB}" type="pres">
+      <dgm:prSet presAssocID="{85FAC1F2-0F4F-4689-8493-365FB75FDF11}" presName="sibTrans" presStyleLbl="sibTrans2D1" presStyleIdx="1" presStyleCnt="3"/>
+      <dgm:spPr/>
+    </dgm:pt>
+    <dgm:pt modelId="{5ECF1EDD-0B09-4EFA-8AB9-BD3A4279B150}" type="pres">
+      <dgm:prSet presAssocID="{85FAC1F2-0F4F-4689-8493-365FB75FDF11}" presName="connectorText" presStyleLbl="sibTrans2D1" presStyleIdx="1" presStyleCnt="3"/>
+      <dgm:spPr/>
+    </dgm:pt>
+    <dgm:pt modelId="{7F60B1A3-A2A9-4F4F-AA5D-D668AAEF561B}" type="pres">
+      <dgm:prSet presAssocID="{F77C03FD-5277-488F-868C-092C2E32C323}" presName="node" presStyleLbl="node1" presStyleIdx="2" presStyleCnt="4" custScaleX="171135" custScaleY="128866">
+        <dgm:presLayoutVars>
+          <dgm:bulletEnabled val="1"/>
+        </dgm:presLayoutVars>
+      </dgm:prSet>
+      <dgm:spPr/>
+    </dgm:pt>
+    <dgm:pt modelId="{04A44A6B-7892-4407-B9AF-CFA2D3C8C7FE}" type="pres">
+      <dgm:prSet presAssocID="{28A3DCF6-8731-4FB2-A086-B2FD59C451E9}" presName="sibTrans" presStyleLbl="sibTrans2D1" presStyleIdx="2" presStyleCnt="3"/>
+      <dgm:spPr/>
+    </dgm:pt>
+    <dgm:pt modelId="{F7B09604-6A59-4647-B15E-C3358C1F47D3}" type="pres">
+      <dgm:prSet presAssocID="{28A3DCF6-8731-4FB2-A086-B2FD59C451E9}" presName="connectorText" presStyleLbl="sibTrans2D1" presStyleIdx="2" presStyleCnt="3"/>
+      <dgm:spPr/>
+    </dgm:pt>
+    <dgm:pt modelId="{202A26C7-D9D9-4787-B9F6-8942F173DF69}" type="pres">
+      <dgm:prSet presAssocID="{07ED10E2-7FBE-4AD8-8E0F-3B635A4E1041}" presName="node" presStyleLbl="node1" presStyleIdx="3" presStyleCnt="4" custScaleX="160761" custScaleY="142459">
+        <dgm:presLayoutVars>
+          <dgm:bulletEnabled val="1"/>
+        </dgm:presLayoutVars>
+      </dgm:prSet>
+      <dgm:spPr/>
+    </dgm:pt>
+  </dgm:ptLst>
+  <dgm:cxnLst>
+    <dgm:cxn modelId="{66040B09-7940-44C7-8A8D-27C447A7D269}" type="presOf" srcId="{F77C03FD-5277-488F-868C-092C2E32C323}" destId="{7F60B1A3-A2A9-4F4F-AA5D-D668AAEF561B}" srcOrd="0" destOrd="0" presId="urn:microsoft.com/office/officeart/2005/8/layout/process1"/>
+    <dgm:cxn modelId="{AAAC2F7F-6206-4B5B-B658-DB48A10CF14B}" type="presOf" srcId="{9BE17DDF-52C9-4F31-828F-EF1162734F5A}" destId="{46A79B1F-C068-4557-8C6F-32C17B4C3B52}" srcOrd="1" destOrd="0" presId="urn:microsoft.com/office/officeart/2005/8/layout/process1"/>
+    <dgm:cxn modelId="{58B92FED-3CBA-4FE3-8194-BF691E315CCE}" type="presOf" srcId="{85FAC1F2-0F4F-4689-8493-365FB75FDF11}" destId="{5ECF1EDD-0B09-4EFA-8AB9-BD3A4279B150}" srcOrd="1" destOrd="0" presId="urn:microsoft.com/office/officeart/2005/8/layout/process1"/>
+    <dgm:cxn modelId="{293AFA58-64F7-4684-A16D-4DE21EFAA3EC}" srcId="{CCF5CD76-415E-4D3E-926B-3C29F4D31A74}" destId="{9F23821E-D231-4485-99FB-53F60AB12EDE}" srcOrd="1" destOrd="0" parTransId="{DFD3DB7D-52A4-4764-8A76-5F8EF6637865}" sibTransId="{85FAC1F2-0F4F-4689-8493-365FB75FDF11}"/>
+    <dgm:cxn modelId="{85FA76B6-8988-46A2-A8F3-667E975270AC}" srcId="{CCF5CD76-415E-4D3E-926B-3C29F4D31A74}" destId="{07ED10E2-7FBE-4AD8-8E0F-3B635A4E1041}" srcOrd="3" destOrd="0" parTransId="{935A16CC-0AD8-4CA9-B07B-B90CC80BD7BD}" sibTransId="{47FE4AE9-4563-48EA-B0C8-6C77C669D468}"/>
+    <dgm:cxn modelId="{CEF3ACAB-460D-45E8-94A2-76354BEFB69B}" type="presOf" srcId="{28A3DCF6-8731-4FB2-A086-B2FD59C451E9}" destId="{04A44A6B-7892-4407-B9AF-CFA2D3C8C7FE}" srcOrd="0" destOrd="0" presId="urn:microsoft.com/office/officeart/2005/8/layout/process1"/>
+    <dgm:cxn modelId="{19501162-EBCE-4244-8243-A25FFA6412D7}" type="presOf" srcId="{07ED10E2-7FBE-4AD8-8E0F-3B635A4E1041}" destId="{202A26C7-D9D9-4787-B9F6-8942F173DF69}" srcOrd="0" destOrd="0" presId="urn:microsoft.com/office/officeart/2005/8/layout/process1"/>
+    <dgm:cxn modelId="{9EEA863B-5CE3-4E98-A2C8-CD28E2873083}" srcId="{CCF5CD76-415E-4D3E-926B-3C29F4D31A74}" destId="{9DF7D51B-B758-481E-9447-43A5D1084860}" srcOrd="0" destOrd="0" parTransId="{D76B681F-8429-407C-AF44-9E9356D13273}" sibTransId="{9BE17DDF-52C9-4F31-828F-EF1162734F5A}"/>
+    <dgm:cxn modelId="{FA63E2E7-1B20-4097-BACD-F3F0C9231E68}" type="presOf" srcId="{9BE17DDF-52C9-4F31-828F-EF1162734F5A}" destId="{D41A6653-9D31-4044-A687-6CB2A313FC73}" srcOrd="0" destOrd="0" presId="urn:microsoft.com/office/officeart/2005/8/layout/process1"/>
+    <dgm:cxn modelId="{973A4211-33ED-437F-864F-E6DB44AAB24A}" type="presOf" srcId="{9F23821E-D231-4485-99FB-53F60AB12EDE}" destId="{5A019860-F3E2-4030-87C7-95A528A6C4F0}" srcOrd="0" destOrd="0" presId="urn:microsoft.com/office/officeart/2005/8/layout/process1"/>
+    <dgm:cxn modelId="{23FCA742-12B7-4D88-ADAD-4ECABF9CBCEF}" type="presOf" srcId="{9DF7D51B-B758-481E-9447-43A5D1084860}" destId="{21D14814-0006-4C20-9BD8-B24CF1CA402F}" srcOrd="0" destOrd="0" presId="urn:microsoft.com/office/officeart/2005/8/layout/process1"/>
+    <dgm:cxn modelId="{C58E922C-F668-4B84-9116-C11BC674E0E0}" type="presOf" srcId="{85FAC1F2-0F4F-4689-8493-365FB75FDF11}" destId="{C3405D1A-C0D6-49CB-8585-5BCCEF00DBFB}" srcOrd="0" destOrd="0" presId="urn:microsoft.com/office/officeart/2005/8/layout/process1"/>
+    <dgm:cxn modelId="{EBD1E8A9-D847-41CC-98E2-743404207166}" type="presOf" srcId="{28A3DCF6-8731-4FB2-A086-B2FD59C451E9}" destId="{F7B09604-6A59-4647-B15E-C3358C1F47D3}" srcOrd="1" destOrd="0" presId="urn:microsoft.com/office/officeart/2005/8/layout/process1"/>
+    <dgm:cxn modelId="{D0D40CBF-10C9-4CE1-8434-D9679238C62B}" srcId="{CCF5CD76-415E-4D3E-926B-3C29F4D31A74}" destId="{F77C03FD-5277-488F-868C-092C2E32C323}" srcOrd="2" destOrd="0" parTransId="{C15C4E3F-88E5-467E-B4A3-9072B3192FD5}" sibTransId="{28A3DCF6-8731-4FB2-A086-B2FD59C451E9}"/>
+    <dgm:cxn modelId="{0822D12B-3464-43BD-B51B-46E7A7E9848C}" type="presOf" srcId="{CCF5CD76-415E-4D3E-926B-3C29F4D31A74}" destId="{08444C93-39AE-4857-8297-0375B962AE9B}" srcOrd="0" destOrd="0" presId="urn:microsoft.com/office/officeart/2005/8/layout/process1"/>
+    <dgm:cxn modelId="{E970CF1D-6580-4FDA-AAA1-A2F033D584A1}" type="presParOf" srcId="{08444C93-39AE-4857-8297-0375B962AE9B}" destId="{21D14814-0006-4C20-9BD8-B24CF1CA402F}" srcOrd="0" destOrd="0" presId="urn:microsoft.com/office/officeart/2005/8/layout/process1"/>
+    <dgm:cxn modelId="{90B96449-4D02-43D7-AAF1-6AB65548F7FB}" type="presParOf" srcId="{08444C93-39AE-4857-8297-0375B962AE9B}" destId="{D41A6653-9D31-4044-A687-6CB2A313FC73}" srcOrd="1" destOrd="0" presId="urn:microsoft.com/office/officeart/2005/8/layout/process1"/>
+    <dgm:cxn modelId="{DF854918-2B0A-4797-BA89-0F53891EFA29}" type="presParOf" srcId="{D41A6653-9D31-4044-A687-6CB2A313FC73}" destId="{46A79B1F-C068-4557-8C6F-32C17B4C3B52}" srcOrd="0" destOrd="0" presId="urn:microsoft.com/office/officeart/2005/8/layout/process1"/>
+    <dgm:cxn modelId="{572FC65C-A797-4A94-820C-3FD9B0CD4092}" type="presParOf" srcId="{08444C93-39AE-4857-8297-0375B962AE9B}" destId="{5A019860-F3E2-4030-87C7-95A528A6C4F0}" srcOrd="2" destOrd="0" presId="urn:microsoft.com/office/officeart/2005/8/layout/process1"/>
+    <dgm:cxn modelId="{B03EC06B-B5A1-4BDD-A5C7-9D585E300C34}" type="presParOf" srcId="{08444C93-39AE-4857-8297-0375B962AE9B}" destId="{C3405D1A-C0D6-49CB-8585-5BCCEF00DBFB}" srcOrd="3" destOrd="0" presId="urn:microsoft.com/office/officeart/2005/8/layout/process1"/>
+    <dgm:cxn modelId="{F68C9C83-7CA5-49F4-9F02-D6D1A427DB6A}" type="presParOf" srcId="{C3405D1A-C0D6-49CB-8585-5BCCEF00DBFB}" destId="{5ECF1EDD-0B09-4EFA-8AB9-BD3A4279B150}" srcOrd="0" destOrd="0" presId="urn:microsoft.com/office/officeart/2005/8/layout/process1"/>
+    <dgm:cxn modelId="{DB13014C-44F2-4DF3-AB73-74EAF6D22A0C}" type="presParOf" srcId="{08444C93-39AE-4857-8297-0375B962AE9B}" destId="{7F60B1A3-A2A9-4F4F-AA5D-D668AAEF561B}" srcOrd="4" destOrd="0" presId="urn:microsoft.com/office/officeart/2005/8/layout/process1"/>
+    <dgm:cxn modelId="{117FC03B-1187-4BD3-B46A-C900DF5099D0}" type="presParOf" srcId="{08444C93-39AE-4857-8297-0375B962AE9B}" destId="{04A44A6B-7892-4407-B9AF-CFA2D3C8C7FE}" srcOrd="5" destOrd="0" presId="urn:microsoft.com/office/officeart/2005/8/layout/process1"/>
+    <dgm:cxn modelId="{93939CFD-ED18-443F-8574-60097EA430EB}" type="presParOf" srcId="{04A44A6B-7892-4407-B9AF-CFA2D3C8C7FE}" destId="{F7B09604-6A59-4647-B15E-C3358C1F47D3}" srcOrd="0" destOrd="0" presId="urn:microsoft.com/office/officeart/2005/8/layout/process1"/>
+    <dgm:cxn modelId="{9EC9FB9A-20E1-4F5D-B638-E335F93A4CAC}" type="presParOf" srcId="{08444C93-39AE-4857-8297-0375B962AE9B}" destId="{202A26C7-D9D9-4787-B9F6-8942F173DF69}" srcOrd="6" destOrd="0" presId="urn:microsoft.com/office/officeart/2005/8/layout/process1"/>
+  </dgm:cxnLst>
+  <dgm:bg/>
+  <dgm:whole/>
+  <dgm:extLst>
+    <a:ext uri="http://schemas.microsoft.com/office/drawing/2008/diagram">
+      <dsp:dataModelExt xmlns:dsp="http://schemas.microsoft.com/office/drawing/2008/diagram" relId="rId7" minVer="http://schemas.openxmlformats.org/drawingml/2006/diagram"/>
+    </a:ext>
+  </dgm:extLst>
+</dgm:dataModel>
+</file>
+
+<file path=ppt/diagrams/drawing1.xml><?xml version="1.0" encoding="utf-8"?>
+<dsp:drawing xmlns:dgm="http://schemas.openxmlformats.org/drawingml/2006/diagram" xmlns:dsp="http://schemas.microsoft.com/office/drawing/2008/diagram" xmlns:a="http://schemas.openxmlformats.org/drawingml/2006/main">
+  <dsp:spTree>
+    <dsp:nvGrpSpPr>
+      <dsp:cNvPr id="0" name=""/>
+      <dsp:cNvGrpSpPr/>
+    </dsp:nvGrpSpPr>
+    <dsp:grpSpPr/>
+    <dsp:sp modelId="{21D14814-0006-4C20-9BD8-B24CF1CA402F}">
+      <dsp:nvSpPr>
+        <dsp:cNvPr id="0" name=""/>
+        <dsp:cNvSpPr/>
+      </dsp:nvSpPr>
+      <dsp:spPr>
+        <a:xfrm>
+          <a:off x="0" y="1045345"/>
+          <a:ext cx="1800597" cy="1893921"/>
+        </a:xfrm>
+        <a:prstGeom prst="roundRect">
+          <a:avLst>
+            <a:gd name="adj" fmla="val 10000"/>
+          </a:avLst>
+        </a:prstGeom>
+        <a:solidFill>
+          <a:schemeClr val="accent1">
+            <a:hueOff val="0"/>
+            <a:satOff val="0"/>
+            <a:lumOff val="0"/>
+            <a:alphaOff val="0"/>
+          </a:schemeClr>
+        </a:solidFill>
+        <a:ln w="25400" cap="flat" cmpd="sng" algn="ctr">
+          <a:solidFill>
+            <a:schemeClr val="lt1">
+              <a:hueOff val="0"/>
+              <a:satOff val="0"/>
+              <a:lumOff val="0"/>
+              <a:alphaOff val="0"/>
+            </a:schemeClr>
+          </a:solidFill>
+          <a:prstDash val="solid"/>
+        </a:ln>
+        <a:effectLst/>
+      </dsp:spPr>
+      <dsp:style>
+        <a:lnRef idx="2">
+          <a:scrgbClr r="0" g="0" b="0"/>
+        </a:lnRef>
+        <a:fillRef idx="1">
+          <a:scrgbClr r="0" g="0" b="0"/>
+        </a:fillRef>
+        <a:effectRef idx="0">
+          <a:scrgbClr r="0" g="0" b="0"/>
+        </a:effectRef>
+        <a:fontRef idx="minor">
+          <a:schemeClr val="lt1"/>
+        </a:fontRef>
+      </dsp:style>
+      <dsp:txBody>
+        <a:bodyPr spcFirstLastPara="0" vert="horz" wrap="square" lIns="68580" tIns="68580" rIns="68580" bIns="68580" numCol="1" spcCol="1270" anchor="ctr" anchorCtr="0">
+          <a:noAutofit/>
+        </a:bodyPr>
+        <a:lstStyle/>
+        <a:p>
+          <a:pPr marL="0" lvl="0" indent="0" algn="ctr" defTabSz="800100">
+            <a:lnSpc>
+              <a:spcPct val="90000"/>
+            </a:lnSpc>
+            <a:spcBef>
+              <a:spcPct val="0"/>
+            </a:spcBef>
+            <a:spcAft>
+              <a:spcPct val="35000"/>
+            </a:spcAft>
+            <a:buNone/>
+          </a:pPr>
+          <a:r>
+            <a:rPr lang="en-US" sz="1800" kern="1200" dirty="0"/>
+            <a:t>Around method </a:t>
+          </a:r>
+        </a:p>
+        <a:p>
+          <a:pPr marL="0" lvl="0" indent="0" algn="ctr" defTabSz="800100">
+            <a:lnSpc>
+              <a:spcPct val="90000"/>
+            </a:lnSpc>
+            <a:spcBef>
+              <a:spcPct val="0"/>
+            </a:spcBef>
+            <a:spcAft>
+              <a:spcPct val="35000"/>
+            </a:spcAft>
+            <a:buNone/>
+          </a:pPr>
+          <a:r>
+            <a:rPr lang="en-US" sz="1800" kern="1200" dirty="0"/>
+            <a:t>(</a:t>
+          </a:r>
+          <a:r>
+            <a:rPr lang="en-US" sz="1800" kern="1200" dirty="0" err="1"/>
+            <a:t>mais</a:t>
+          </a:r>
+          <a:r>
+            <a:rPr lang="en-US" sz="1800" kern="1200" dirty="0"/>
+            <a:t> </a:t>
+          </a:r>
+          <a:r>
+            <a:rPr lang="en-US" sz="1800" kern="1200" dirty="0" err="1"/>
+            <a:t>especifíco</a:t>
+          </a:r>
+          <a:r>
+            <a:rPr lang="en-US" sz="1800" kern="1200" dirty="0"/>
+            <a:t>)</a:t>
+          </a:r>
+        </a:p>
+      </dsp:txBody>
+      <dsp:txXfrm>
+        <a:off x="52738" y="1098083"/>
+        <a:ext cx="1695121" cy="1788445"/>
+      </dsp:txXfrm>
+    </dsp:sp>
+    <dsp:sp modelId="{D41A6653-9D31-4044-A687-6CB2A313FC73}">
+      <dsp:nvSpPr>
+        <dsp:cNvPr id="0" name=""/>
+        <dsp:cNvSpPr/>
+      </dsp:nvSpPr>
+      <dsp:spPr>
+        <a:xfrm rot="55440">
+          <a:off x="1915755" y="1869889"/>
+          <a:ext cx="244199" cy="281527"/>
+        </a:xfrm>
+        <a:prstGeom prst="rightArrow">
+          <a:avLst>
+            <a:gd name="adj1" fmla="val 60000"/>
+            <a:gd name="adj2" fmla="val 50000"/>
+          </a:avLst>
+        </a:prstGeom>
+        <a:solidFill>
+          <a:schemeClr val="accent1">
+            <a:tint val="60000"/>
+            <a:hueOff val="0"/>
+            <a:satOff val="0"/>
+            <a:lumOff val="0"/>
+            <a:alphaOff val="0"/>
+          </a:schemeClr>
+        </a:solidFill>
+        <a:ln>
+          <a:noFill/>
+        </a:ln>
+        <a:effectLst/>
+      </dsp:spPr>
+      <dsp:style>
+        <a:lnRef idx="0">
+          <a:scrgbClr r="0" g="0" b="0"/>
+        </a:lnRef>
+        <a:fillRef idx="1">
+          <a:scrgbClr r="0" g="0" b="0"/>
+        </a:fillRef>
+        <a:effectRef idx="0">
+          <a:scrgbClr r="0" g="0" b="0"/>
+        </a:effectRef>
+        <a:fontRef idx="minor">
+          <a:schemeClr val="lt1"/>
+        </a:fontRef>
+      </dsp:style>
+      <dsp:txBody>
+        <a:bodyPr spcFirstLastPara="0" vert="horz" wrap="square" lIns="0" tIns="0" rIns="0" bIns="0" numCol="1" spcCol="1270" anchor="ctr" anchorCtr="0">
+          <a:noAutofit/>
+        </a:bodyPr>
+        <a:lstStyle/>
+        <a:p>
+          <a:pPr marL="0" lvl="0" indent="0" algn="ctr" defTabSz="533400">
+            <a:lnSpc>
+              <a:spcPct val="90000"/>
+            </a:lnSpc>
+            <a:spcBef>
+              <a:spcPct val="0"/>
+            </a:spcBef>
+            <a:spcAft>
+              <a:spcPct val="35000"/>
+            </a:spcAft>
+            <a:buNone/>
+          </a:pPr>
+          <a:endParaRPr lang="en-US" sz="1200" kern="1200"/>
+        </a:p>
+      </dsp:txBody>
+      <dsp:txXfrm>
+        <a:off x="1915760" y="1925603"/>
+        <a:ext cx="170939" cy="168917"/>
+      </dsp:txXfrm>
+    </dsp:sp>
+    <dsp:sp modelId="{5A019860-F3E2-4030-87C7-95A528A6C4F0}">
+      <dsp:nvSpPr>
+        <dsp:cNvPr id="0" name=""/>
+        <dsp:cNvSpPr/>
+      </dsp:nvSpPr>
+      <dsp:spPr>
+        <a:xfrm>
+          <a:off x="2261291" y="1065697"/>
+          <a:ext cx="2200276" cy="1932605"/>
+        </a:xfrm>
+        <a:prstGeom prst="roundRect">
+          <a:avLst>
+            <a:gd name="adj" fmla="val 10000"/>
+          </a:avLst>
+        </a:prstGeom>
+        <a:solidFill>
+          <a:schemeClr val="accent1">
+            <a:hueOff val="0"/>
+            <a:satOff val="0"/>
+            <a:lumOff val="0"/>
+            <a:alphaOff val="0"/>
+          </a:schemeClr>
+        </a:solidFill>
+        <a:ln w="25400" cap="flat" cmpd="sng" algn="ctr">
+          <a:solidFill>
+            <a:schemeClr val="lt1">
+              <a:hueOff val="0"/>
+              <a:satOff val="0"/>
+              <a:lumOff val="0"/>
+              <a:alphaOff val="0"/>
+            </a:schemeClr>
+          </a:solidFill>
+          <a:prstDash val="solid"/>
+        </a:ln>
+        <a:effectLst/>
+      </dsp:spPr>
+      <dsp:style>
+        <a:lnRef idx="2">
+          <a:scrgbClr r="0" g="0" b="0"/>
+        </a:lnRef>
+        <a:fillRef idx="1">
+          <a:scrgbClr r="0" g="0" b="0"/>
+        </a:fillRef>
+        <a:effectRef idx="0">
+          <a:scrgbClr r="0" g="0" b="0"/>
+        </a:effectRef>
+        <a:fontRef idx="minor">
+          <a:schemeClr val="lt1"/>
+        </a:fontRef>
+      </dsp:style>
+      <dsp:txBody>
+        <a:bodyPr spcFirstLastPara="0" vert="horz" wrap="square" lIns="68580" tIns="68580" rIns="68580" bIns="68580" numCol="1" spcCol="1270" anchor="ctr" anchorCtr="0">
+          <a:noAutofit/>
+        </a:bodyPr>
+        <a:lstStyle/>
+        <a:p>
+          <a:pPr marL="0" lvl="0" indent="0" algn="ctr" defTabSz="800100">
+            <a:lnSpc>
+              <a:spcPct val="90000"/>
+            </a:lnSpc>
+            <a:spcBef>
+              <a:spcPct val="0"/>
+            </a:spcBef>
+            <a:spcAft>
+              <a:spcPct val="35000"/>
+            </a:spcAft>
+            <a:buNone/>
+          </a:pPr>
+          <a:r>
+            <a:rPr lang="en-US" sz="1800" kern="1200" dirty="0"/>
+            <a:t>Before methods</a:t>
+          </a:r>
+        </a:p>
+        <a:p>
+          <a:pPr marL="0" lvl="0" indent="0" algn="ctr" defTabSz="800100">
+            <a:lnSpc>
+              <a:spcPct val="90000"/>
+            </a:lnSpc>
+            <a:spcBef>
+              <a:spcPct val="0"/>
+            </a:spcBef>
+            <a:spcAft>
+              <a:spcPct val="35000"/>
+            </a:spcAft>
+            <a:buNone/>
+          </a:pPr>
+          <a:r>
+            <a:rPr lang="en-US" sz="1800" kern="1200" dirty="0"/>
+            <a:t> (</a:t>
+          </a:r>
+          <a:r>
+            <a:rPr lang="en-US" sz="1800" kern="1200" dirty="0" err="1"/>
+            <a:t>mais</a:t>
+          </a:r>
+          <a:r>
+            <a:rPr lang="en-US" sz="1800" kern="1200" dirty="0"/>
+            <a:t> </a:t>
+          </a:r>
+          <a:r>
+            <a:rPr lang="en-US" sz="1800" kern="1200" dirty="0" err="1"/>
+            <a:t>especifíco</a:t>
+          </a:r>
+          <a:r>
+            <a:rPr lang="en-US" sz="1800" kern="1200" dirty="0"/>
+            <a:t> para o </a:t>
+          </a:r>
+          <a:r>
+            <a:rPr lang="en-US" sz="1800" kern="1200" dirty="0" err="1"/>
+            <a:t>menos</a:t>
+          </a:r>
+          <a:r>
+            <a:rPr lang="en-US" sz="1800" kern="1200" dirty="0"/>
+            <a:t> </a:t>
+          </a:r>
+          <a:r>
+            <a:rPr lang="en-US" sz="1800" kern="1200" dirty="0" err="1"/>
+            <a:t>especifico</a:t>
+          </a:r>
+          <a:r>
+            <a:rPr lang="en-US" sz="1800" kern="1200" dirty="0"/>
+            <a:t>)</a:t>
+          </a:r>
+        </a:p>
+      </dsp:txBody>
+      <dsp:txXfrm>
+        <a:off x="2317895" y="1122301"/>
+        <a:ext cx="2087068" cy="1819397"/>
+      </dsp:txXfrm>
+    </dsp:sp>
+    <dsp:sp modelId="{C3405D1A-C0D6-49CB-8585-5BCCEF00DBFB}">
+      <dsp:nvSpPr>
+        <dsp:cNvPr id="0" name=""/>
+        <dsp:cNvSpPr/>
+      </dsp:nvSpPr>
+      <dsp:spPr>
+        <a:xfrm>
+          <a:off x="4575087" y="1891236"/>
+          <a:ext cx="240660" cy="281527"/>
+        </a:xfrm>
+        <a:prstGeom prst="rightArrow">
+          <a:avLst>
+            <a:gd name="adj1" fmla="val 60000"/>
+            <a:gd name="adj2" fmla="val 50000"/>
+          </a:avLst>
+        </a:prstGeom>
+        <a:solidFill>
+          <a:schemeClr val="accent1">
+            <a:tint val="60000"/>
+            <a:hueOff val="0"/>
+            <a:satOff val="0"/>
+            <a:lumOff val="0"/>
+            <a:alphaOff val="0"/>
+          </a:schemeClr>
+        </a:solidFill>
+        <a:ln>
+          <a:noFill/>
+        </a:ln>
+        <a:effectLst/>
+      </dsp:spPr>
+      <dsp:style>
+        <a:lnRef idx="0">
+          <a:scrgbClr r="0" g="0" b="0"/>
+        </a:lnRef>
+        <a:fillRef idx="1">
+          <a:scrgbClr r="0" g="0" b="0"/>
+        </a:fillRef>
+        <a:effectRef idx="0">
+          <a:scrgbClr r="0" g="0" b="0"/>
+        </a:effectRef>
+        <a:fontRef idx="minor">
+          <a:schemeClr val="lt1"/>
+        </a:fontRef>
+      </dsp:style>
+      <dsp:txBody>
+        <a:bodyPr spcFirstLastPara="0" vert="horz" wrap="square" lIns="0" tIns="0" rIns="0" bIns="0" numCol="1" spcCol="1270" anchor="ctr" anchorCtr="0">
+          <a:noAutofit/>
+        </a:bodyPr>
+        <a:lstStyle/>
+        <a:p>
+          <a:pPr marL="0" lvl="0" indent="0" algn="ctr" defTabSz="533400">
+            <a:lnSpc>
+              <a:spcPct val="90000"/>
+            </a:lnSpc>
+            <a:spcBef>
+              <a:spcPct val="0"/>
+            </a:spcBef>
+            <a:spcAft>
+              <a:spcPct val="35000"/>
+            </a:spcAft>
+            <a:buNone/>
+          </a:pPr>
+          <a:endParaRPr lang="en-US" sz="1200" kern="1200"/>
+        </a:p>
+      </dsp:txBody>
+      <dsp:txXfrm>
+        <a:off x="4575087" y="1947541"/>
+        <a:ext cx="168462" cy="168917"/>
+      </dsp:txXfrm>
+    </dsp:sp>
+    <dsp:sp modelId="{7F60B1A3-A2A9-4F4F-AA5D-D668AAEF561B}">
+      <dsp:nvSpPr>
+        <dsp:cNvPr id="0" name=""/>
+        <dsp:cNvSpPr/>
+      </dsp:nvSpPr>
+      <dsp:spPr>
+        <a:xfrm>
+          <a:off x="4915645" y="1075531"/>
+          <a:ext cx="1942712" cy="1912937"/>
+        </a:xfrm>
+        <a:prstGeom prst="roundRect">
+          <a:avLst>
+            <a:gd name="adj" fmla="val 10000"/>
+          </a:avLst>
+        </a:prstGeom>
+        <a:solidFill>
+          <a:schemeClr val="accent1">
+            <a:hueOff val="0"/>
+            <a:satOff val="0"/>
+            <a:lumOff val="0"/>
+            <a:alphaOff val="0"/>
+          </a:schemeClr>
+        </a:solidFill>
+        <a:ln w="25400" cap="flat" cmpd="sng" algn="ctr">
+          <a:solidFill>
+            <a:schemeClr val="lt1">
+              <a:hueOff val="0"/>
+              <a:satOff val="0"/>
+              <a:lumOff val="0"/>
+              <a:alphaOff val="0"/>
+            </a:schemeClr>
+          </a:solidFill>
+          <a:prstDash val="solid"/>
+        </a:ln>
+        <a:effectLst/>
+      </dsp:spPr>
+      <dsp:style>
+        <a:lnRef idx="2">
+          <a:scrgbClr r="0" g="0" b="0"/>
+        </a:lnRef>
+        <a:fillRef idx="1">
+          <a:scrgbClr r="0" g="0" b="0"/>
+        </a:fillRef>
+        <a:effectRef idx="0">
+          <a:scrgbClr r="0" g="0" b="0"/>
+        </a:effectRef>
+        <a:fontRef idx="minor">
+          <a:schemeClr val="lt1"/>
+        </a:fontRef>
+      </dsp:style>
+      <dsp:txBody>
+        <a:bodyPr spcFirstLastPara="0" vert="horz" wrap="square" lIns="68580" tIns="68580" rIns="68580" bIns="68580" numCol="1" spcCol="1270" anchor="ctr" anchorCtr="0">
+          <a:noAutofit/>
+        </a:bodyPr>
+        <a:lstStyle/>
+        <a:p>
+          <a:pPr marL="0" lvl="0" indent="0" algn="ctr" defTabSz="800100">
+            <a:lnSpc>
+              <a:spcPct val="90000"/>
+            </a:lnSpc>
+            <a:spcBef>
+              <a:spcPct val="0"/>
+            </a:spcBef>
+            <a:spcAft>
+              <a:spcPct val="35000"/>
+            </a:spcAft>
+            <a:buNone/>
+          </a:pPr>
+          <a:r>
+            <a:rPr lang="en-US" sz="1800" kern="1200" dirty="0"/>
+            <a:t>Primary method (</a:t>
+          </a:r>
+          <a:r>
+            <a:rPr lang="en-US" sz="1800" kern="1200" dirty="0" err="1"/>
+            <a:t>mais</a:t>
+          </a:r>
+          <a:r>
+            <a:rPr lang="en-US" sz="1800" kern="1200" dirty="0"/>
+            <a:t> </a:t>
+          </a:r>
+          <a:r>
+            <a:rPr lang="en-US" sz="1800" kern="1200" dirty="0" err="1"/>
+            <a:t>especifíco</a:t>
+          </a:r>
+          <a:r>
+            <a:rPr lang="en-US" sz="1800" kern="1200" dirty="0"/>
+            <a:t>)</a:t>
+          </a:r>
+        </a:p>
+      </dsp:txBody>
+      <dsp:txXfrm>
+        <a:off x="4971673" y="1131559"/>
+        <a:ext cx="1830656" cy="1800881"/>
+      </dsp:txXfrm>
+    </dsp:sp>
+    <dsp:sp modelId="{04A44A6B-7892-4407-B9AF-CFA2D3C8C7FE}">
+      <dsp:nvSpPr>
+        <dsp:cNvPr id="0" name=""/>
+        <dsp:cNvSpPr/>
+      </dsp:nvSpPr>
+      <dsp:spPr>
+        <a:xfrm>
+          <a:off x="6971877" y="1891236"/>
+          <a:ext cx="240660" cy="281527"/>
+        </a:xfrm>
+        <a:prstGeom prst="rightArrow">
+          <a:avLst>
+            <a:gd name="adj1" fmla="val 60000"/>
+            <a:gd name="adj2" fmla="val 50000"/>
+          </a:avLst>
+        </a:prstGeom>
+        <a:solidFill>
+          <a:schemeClr val="accent1">
+            <a:tint val="60000"/>
+            <a:hueOff val="0"/>
+            <a:satOff val="0"/>
+            <a:lumOff val="0"/>
+            <a:alphaOff val="0"/>
+          </a:schemeClr>
+        </a:solidFill>
+        <a:ln>
+          <a:noFill/>
+        </a:ln>
+        <a:effectLst/>
+      </dsp:spPr>
+      <dsp:style>
+        <a:lnRef idx="0">
+          <a:scrgbClr r="0" g="0" b="0"/>
+        </a:lnRef>
+        <a:fillRef idx="1">
+          <a:scrgbClr r="0" g="0" b="0"/>
+        </a:fillRef>
+        <a:effectRef idx="0">
+          <a:scrgbClr r="0" g="0" b="0"/>
+        </a:effectRef>
+        <a:fontRef idx="minor">
+          <a:schemeClr val="lt1"/>
+        </a:fontRef>
+      </dsp:style>
+      <dsp:txBody>
+        <a:bodyPr spcFirstLastPara="0" vert="horz" wrap="square" lIns="0" tIns="0" rIns="0" bIns="0" numCol="1" spcCol="1270" anchor="ctr" anchorCtr="0">
+          <a:noAutofit/>
+        </a:bodyPr>
+        <a:lstStyle/>
+        <a:p>
+          <a:pPr marL="0" lvl="0" indent="0" algn="ctr" defTabSz="533400">
+            <a:lnSpc>
+              <a:spcPct val="90000"/>
+            </a:lnSpc>
+            <a:spcBef>
+              <a:spcPct val="0"/>
+            </a:spcBef>
+            <a:spcAft>
+              <a:spcPct val="35000"/>
+            </a:spcAft>
+            <a:buNone/>
+          </a:pPr>
+          <a:endParaRPr lang="en-US" sz="1200" kern="1200"/>
+        </a:p>
+      </dsp:txBody>
+      <dsp:txXfrm>
+        <a:off x="6971877" y="1947541"/>
+        <a:ext cx="168462" cy="168917"/>
+      </dsp:txXfrm>
+    </dsp:sp>
+    <dsp:sp modelId="{202A26C7-D9D9-4787-B9F6-8942F173DF69}">
+      <dsp:nvSpPr>
+        <dsp:cNvPr id="0" name=""/>
+        <dsp:cNvSpPr/>
+      </dsp:nvSpPr>
+      <dsp:spPr>
+        <a:xfrm>
+          <a:off x="7312435" y="974641"/>
+          <a:ext cx="1824947" cy="2114716"/>
+        </a:xfrm>
+        <a:prstGeom prst="roundRect">
+          <a:avLst>
+            <a:gd name="adj" fmla="val 10000"/>
+          </a:avLst>
+        </a:prstGeom>
+        <a:solidFill>
+          <a:schemeClr val="accent1">
+            <a:hueOff val="0"/>
+            <a:satOff val="0"/>
+            <a:lumOff val="0"/>
+            <a:alphaOff val="0"/>
+          </a:schemeClr>
+        </a:solidFill>
+        <a:ln w="25400" cap="flat" cmpd="sng" algn="ctr">
+          <a:solidFill>
+            <a:schemeClr val="lt1">
+              <a:hueOff val="0"/>
+              <a:satOff val="0"/>
+              <a:lumOff val="0"/>
+              <a:alphaOff val="0"/>
+            </a:schemeClr>
+          </a:solidFill>
+          <a:prstDash val="solid"/>
+        </a:ln>
+        <a:effectLst/>
+      </dsp:spPr>
+      <dsp:style>
+        <a:lnRef idx="2">
+          <a:scrgbClr r="0" g="0" b="0"/>
+        </a:lnRef>
+        <a:fillRef idx="1">
+          <a:scrgbClr r="0" g="0" b="0"/>
+        </a:fillRef>
+        <a:effectRef idx="0">
+          <a:scrgbClr r="0" g="0" b="0"/>
+        </a:effectRef>
+        <a:fontRef idx="minor">
+          <a:schemeClr val="lt1"/>
+        </a:fontRef>
+      </dsp:style>
+      <dsp:txBody>
+        <a:bodyPr spcFirstLastPara="0" vert="horz" wrap="square" lIns="68580" tIns="68580" rIns="68580" bIns="68580" numCol="1" spcCol="1270" anchor="ctr" anchorCtr="0">
+          <a:noAutofit/>
+        </a:bodyPr>
+        <a:lstStyle/>
+        <a:p>
+          <a:pPr marL="0" lvl="0" indent="0" algn="ctr" defTabSz="800100">
+            <a:lnSpc>
+              <a:spcPct val="90000"/>
+            </a:lnSpc>
+            <a:spcBef>
+              <a:spcPct val="0"/>
+            </a:spcBef>
+            <a:spcAft>
+              <a:spcPct val="35000"/>
+            </a:spcAft>
+            <a:buNone/>
+          </a:pPr>
+          <a:r>
+            <a:rPr lang="en-US" sz="1800" kern="1200" dirty="0"/>
+            <a:t>After methods (</a:t>
+          </a:r>
+          <a:r>
+            <a:rPr lang="en-US" sz="1800" kern="1200" dirty="0" err="1"/>
+            <a:t>menos</a:t>
+          </a:r>
+          <a:r>
+            <a:rPr lang="en-US" sz="1800" kern="1200" dirty="0"/>
+            <a:t> </a:t>
+          </a:r>
+          <a:r>
+            <a:rPr lang="en-US" sz="1800" kern="1200" dirty="0" err="1"/>
+            <a:t>especifíco</a:t>
+          </a:r>
+          <a:r>
+            <a:rPr lang="en-US" sz="1800" kern="1200" dirty="0"/>
+            <a:t> para o </a:t>
+          </a:r>
+          <a:r>
+            <a:rPr lang="en-US" sz="1800" kern="1200" dirty="0" err="1"/>
+            <a:t>mais</a:t>
+          </a:r>
+          <a:r>
+            <a:rPr lang="en-US" sz="1800" kern="1200" dirty="0"/>
+            <a:t> </a:t>
+          </a:r>
+          <a:r>
+            <a:rPr lang="en-US" sz="1800" kern="1200" dirty="0" err="1"/>
+            <a:t>especifíco</a:t>
+          </a:r>
+          <a:r>
+            <a:rPr lang="en-US" sz="1800" kern="1200" dirty="0"/>
+            <a:t>)</a:t>
+          </a:r>
+        </a:p>
+      </dsp:txBody>
+      <dsp:txXfrm>
+        <a:off x="7365886" y="1028092"/>
+        <a:ext cx="1718045" cy="2007814"/>
+      </dsp:txXfrm>
+    </dsp:sp>
+  </dsp:spTree>
+</dsp:drawing>
+</file>
+
+<file path=ppt/diagrams/layout1.xml><?xml version="1.0" encoding="utf-8"?>
+<dgm:layoutDef xmlns:dgm="http://schemas.openxmlformats.org/drawingml/2006/diagram" xmlns:a="http://schemas.openxmlformats.org/drawingml/2006/main" uniqueId="urn:microsoft.com/office/officeart/2005/8/layout/process1">
+  <dgm:title val=""/>
+  <dgm:desc val=""/>
+  <dgm:catLst>
+    <dgm:cat type="process" pri="1000"/>
+    <dgm:cat type="convert" pri="15000"/>
+  </dgm:catLst>
+  <dgm:sampData useDef="1">
+    <dgm:dataModel>
+      <dgm:ptLst/>
+      <dgm:bg/>
+      <dgm:whole/>
+    </dgm:dataModel>
+  </dgm:sampData>
+  <dgm:styleData>
+    <dgm:dataModel>
+      <dgm:ptLst>
+        <dgm:pt modelId="0" type="doc"/>
+        <dgm:pt modelId="1"/>
+        <dgm:pt modelId="2"/>
+      </dgm:ptLst>
+      <dgm:cxnLst>
+        <dgm:cxn modelId="3" srcId="0" destId="1" srcOrd="0" destOrd="0"/>
+        <dgm:cxn modelId="4" srcId="0" destId="2" srcOrd="1" destOrd="0"/>
+      </dgm:cxnLst>
+      <dgm:bg/>
+      <dgm:whole/>
+    </dgm:dataModel>
+  </dgm:styleData>
+  <dgm:clrData>
+    <dgm:dataModel>
+      <dgm:ptLst>
+        <dgm:pt modelId="0" type="doc"/>
+        <dgm:pt modelId="1"/>
+        <dgm:pt modelId="2"/>
+        <dgm:pt modelId="3"/>
+        <dgm:pt modelId="4"/>
+      </dgm:ptLst>
+      <dgm:cxnLst>
+        <dgm:cxn modelId="5" srcId="0" destId="1" srcOrd="0" destOrd="0"/>
+        <dgm:cxn modelId="6" srcId="0" destId="2" srcOrd="1" destOrd="0"/>
+        <dgm:cxn modelId="7" srcId="0" destId="3" srcOrd="2" destOrd="0"/>
+        <dgm:cxn modelId="8" srcId="0" destId="4" srcOrd="3" destOrd="0"/>
+      </dgm:cxnLst>
+      <dgm:bg/>
+      <dgm:whole/>
+    </dgm:dataModel>
+  </dgm:clrData>
+  <dgm:layoutNode name="Name0">
+    <dgm:varLst>
+      <dgm:dir/>
+      <dgm:resizeHandles val="exact"/>
+    </dgm:varLst>
+    <dgm:choose name="Name1">
+      <dgm:if name="Name2" func="var" arg="dir" op="equ" val="norm">
+        <dgm:alg type="lin"/>
+      </dgm:if>
+      <dgm:else name="Name3">
+        <dgm:alg type="lin">
+          <dgm:param type="linDir" val="fromR"/>
+        </dgm:alg>
+      </dgm:else>
+    </dgm:choose>
+    <dgm:shape xmlns:r="http://schemas.openxmlformats.org/officeDocument/2006/relationships" r:blip="">
+      <dgm:adjLst/>
+    </dgm:shape>
+    <dgm:presOf/>
+    <dgm:constrLst>
+      <dgm:constr type="w" for="ch" ptType="node" refType="w"/>
+      <dgm:constr type="h" for="ch" ptType="node" op="equ"/>
+      <dgm:constr type="primFontSz" for="ch" ptType="node" op="equ" val="65"/>
+      <dgm:constr type="w" for="ch" ptType="sibTrans" refType="w" refFor="ch" refPtType="node" op="equ" fact="0.4"/>
+      <dgm:constr type="h" for="ch" ptType="sibTrans" op="equ"/>
+      <dgm:constr type="primFontSz" for="des" forName="connectorText" op="equ" val="55"/>
+      <dgm:constr type="primFontSz" for="des" forName="connectorText" refType="primFontSz" refFor="ch" refPtType="node" op="lte" fact="0.8"/>
+    </dgm:constrLst>
+    <dgm:ruleLst/>
+    <dgm:forEach name="nodesForEach" axis="ch" ptType="node">
+      <dgm:layoutNode name="node">
+        <dgm:varLst>
+          <dgm:bulletEnabled val="1"/>
+        </dgm:varLst>
+        <dgm:alg type="tx"/>
+        <dgm:shape xmlns:r="http://schemas.openxmlformats.org/officeDocument/2006/relationships" type="roundRect" r:blip="">
+          <dgm:adjLst>
+            <dgm:adj idx="1" val="0.1"/>
+          </dgm:adjLst>
+        </dgm:shape>
+        <dgm:presOf axis="desOrSelf" ptType="node"/>
+        <dgm:constrLst>
+          <dgm:constr type="h" refType="w" fact="0.6"/>
+          <dgm:constr type="tMarg" refType="primFontSz" fact="0.3"/>
+          <dgm:constr type="bMarg" refType="primFontSz" fact="0.3"/>
+          <dgm:constr type="lMarg" refType="primFontSz" fact="0.3"/>
+          <dgm:constr type="rMarg" refType="primFontSz" fact="0.3"/>
+        </dgm:constrLst>
+        <dgm:ruleLst>
+          <dgm:rule type="primFontSz" val="18" fact="NaN" max="NaN"/>
+          <dgm:rule type="h" val="NaN" fact="1.5" max="NaN"/>
+          <dgm:rule type="primFontSz" val="5" fact="NaN" max="NaN"/>
+          <dgm:rule type="h" val="INF" fact="NaN" max="NaN"/>
+        </dgm:ruleLst>
+      </dgm:layoutNode>
+      <dgm:forEach name="sibTransForEach" axis="followSib" ptType="sibTrans" cnt="1">
+        <dgm:layoutNode name="sibTrans">
+          <dgm:alg type="conn">
+            <dgm:param type="begPts" val="auto"/>
+            <dgm:param type="endPts" val="auto"/>
+          </dgm:alg>
+          <dgm:shape xmlns:r="http://schemas.openxmlformats.org/officeDocument/2006/relationships" type="conn" r:blip="">
+            <dgm:adjLst/>
+          </dgm:shape>
+          <dgm:presOf axis="self"/>
+          <dgm:constrLst>
+            <dgm:constr type="h" refType="w" fact="0.62"/>
+            <dgm:constr type="connDist"/>
+            <dgm:constr type="begPad" refType="connDist" fact="0.25"/>
+            <dgm:constr type="endPad" refType="connDist" fact="0.22"/>
+          </dgm:constrLst>
+          <dgm:ruleLst/>
+          <dgm:layoutNode name="connectorText">
+            <dgm:alg type="tx">
+              <dgm:param type="autoTxRot" val="grav"/>
+            </dgm:alg>
+            <dgm:shape xmlns:r="http://schemas.openxmlformats.org/officeDocument/2006/relationships" type="conn" r:blip="" hideGeom="1">
+              <dgm:adjLst/>
+            </dgm:shape>
+            <dgm:presOf axis="self"/>
+            <dgm:constrLst>
+              <dgm:constr type="lMarg"/>
+              <dgm:constr type="rMarg"/>
+              <dgm:constr type="tMarg"/>
+              <dgm:constr type="bMarg"/>
+            </dgm:constrLst>
+            <dgm:ruleLst>
+              <dgm:rule type="primFontSz" val="5" fact="NaN" max="NaN"/>
+            </dgm:ruleLst>
+          </dgm:layoutNode>
+        </dgm:layoutNode>
+      </dgm:forEach>
+    </dgm:forEach>
+  </dgm:layoutNode>
+</dgm:layoutDef>
+</file>
+
+<file path=ppt/diagrams/quickStyle1.xml><?xml version="1.0" encoding="utf-8"?>
+<dgm:styleDef xmlns:dgm="http://schemas.openxmlformats.org/drawingml/2006/diagram" xmlns:a="http://schemas.openxmlformats.org/drawingml/2006/main" uniqueId="urn:microsoft.com/office/officeart/2005/8/quickstyle/simple1">
+  <dgm:title val=""/>
+  <dgm:desc val=""/>
+  <dgm:catLst>
+    <dgm:cat type="simple" pri="10100"/>
+  </dgm:catLst>
+  <dgm:scene3d>
+    <a:camera prst="orthographicFront"/>
+    <a:lightRig rig="threePt" dir="t"/>
+  </dgm:scene3d>
+  <dgm:styleLbl name="node0">
+    <dgm:scene3d>
+      <a:camera prst="orthographicFront"/>
+      <a:lightRig rig="threePt" dir="t"/>
+    </dgm:scene3d>
+    <dgm:sp3d/>
+    <dgm:txPr/>
+    <dgm:style>
+      <a:lnRef idx="2">
+        <a:scrgbClr r="0" g="0" b="0"/>
+      </a:lnRef>
+      <a:fillRef idx="1">
+        <a:scrgbClr r="0" g="0" b="0"/>
+      </a:fillRef>
+      <a:effectRef idx="0">
+        <a:scrgbClr r="0" g="0" b="0"/>
+      </a:effectRef>
+      <a:fontRef idx="minor">
+        <a:schemeClr val="lt1"/>
+      </a:fontRef>
+    </dgm:style>
+  </dgm:styleLbl>
+  <dgm:styleLbl name="lnNode1">
+    <dgm:scene3d>
+      <a:camera prst="orthographicFront"/>
+      <a:lightRig rig="threePt" dir="t"/>
+    </dgm:scene3d>
+    <dgm:sp3d/>
+    <dgm:txPr/>
+    <dgm:style>
+      <a:lnRef idx="2">
+        <a:scrgbClr r="0" g="0" b="0"/>
+      </a:lnRef>
+      <a:fillRef idx="1">
+        <a:scrgbClr r="0" g="0" b="0"/>
+      </a:fillRef>
+      <a:effectRef idx="0">
+        <a:scrgbClr r="0" g="0" b="0"/>
+      </a:effectRef>
+      <a:fontRef idx="minor">
+        <a:schemeClr val="lt1"/>
+      </a:fontRef>
+    </dgm:style>
+  </dgm:styleLbl>
+  <dgm:styleLbl name="vennNode1">
+    <dgm:scene3d>
+      <a:camera prst="orthographicFront"/>
+      <a:lightRig rig="threePt" dir="t"/>
+    </dgm:scene3d>
+    <dgm:sp3d/>
+    <dgm:txPr/>
+    <dgm:style>
+      <a:lnRef idx="2">
+        <a:scrgbClr r="0" g="0" b="0"/>
+      </a:lnRef>
+      <a:fillRef idx="1">
+        <a:scrgbClr r="0" g="0" b="0"/>
+      </a:fillRef>
+      <a:effectRef idx="0">
+        <a:scrgbClr r="0" g="0" b="0"/>
+      </a:effectRef>
+      <a:fontRef idx="minor">
+        <a:schemeClr val="tx1"/>
+      </a:fontRef>
+    </dgm:style>
+  </dgm:styleLbl>
+  <dgm:styleLbl name="alignNode1">
+    <dgm:scene3d>
+      <a:camera prst="orthographicFront"/>
+      <a:lightRig rig="threePt" dir="t"/>
+    </dgm:scene3d>
+    <dgm:sp3d/>
+    <dgm:txPr/>
+    <dgm:style>
+      <a:lnRef idx="2">
+        <a:scrgbClr r="0" g="0" b="0"/>
+      </a:lnRef>
+      <a:fillRef idx="1">
+        <a:scrgbClr r="0" g="0" b="0"/>
+      </a:fillRef>
+      <a:effectRef idx="0">
+        <a:scrgbClr r="0" g="0" b="0"/>
+      </a:effectRef>
+      <a:fontRef idx="minor">
+        <a:schemeClr val="lt1"/>
+      </a:fontRef>
+    </dgm:style>
+  </dgm:styleLbl>
+  <dgm:styleLbl name="node1">
+    <dgm:scene3d>
+      <a:camera prst="orthographicFront"/>
+      <a:lightRig rig="threePt" dir="t"/>
+    </dgm:scene3d>
+    <dgm:sp3d/>
+    <dgm:txPr/>
+    <dgm:style>
+      <a:lnRef idx="2">
+        <a:scrgbClr r="0" g="0" b="0"/>
+      </a:lnRef>
+      <a:fillRef idx="1">
+        <a:scrgbClr r="0" g="0" b="0"/>
+      </a:fillRef>
+      <a:effectRef idx="0">
+        <a:scrgbClr r="0" g="0" b="0"/>
+      </a:effectRef>
+      <a:fontRef idx="minor">
+        <a:schemeClr val="lt1"/>
+      </a:fontRef>
+    </dgm:style>
+  </dgm:styleLbl>
+  <dgm:styleLbl name="node2">
+    <dgm:scene3d>
+      <a:camera prst="orthographicFront"/>
+      <a:lightRig rig="threePt" dir="t"/>
+    </dgm:scene3d>
+    <dgm:sp3d/>
+    <dgm:txPr/>
+    <dgm:style>
+      <a:lnRef idx="2">
+        <a:scrgbClr r="0" g="0" b="0"/>
+      </a:lnRef>
+      <a:fillRef idx="1">
+        <a:scrgbClr r="0" g="0" b="0"/>
+      </a:fillRef>
+      <a:effectRef idx="0">
+        <a:scrgbClr r="0" g="0" b="0"/>
+      </a:effectRef>
+      <a:fontRef idx="minor">
+        <a:schemeClr val="lt1"/>
+      </a:fontRef>
+    </dgm:style>
+  </dgm:styleLbl>
+  <dgm:styleLbl name="node3">
+    <dgm:scene3d>
+      <a:camera prst="orthographicFront"/>
+      <a:lightRig rig="threePt" dir="t"/>
+    </dgm:scene3d>
+    <dgm:sp3d/>
+    <dgm:txPr/>
+    <dgm:style>
+      <a:lnRef idx="2">
+        <a:scrgbClr r="0" g="0" b="0"/>
+      </a:lnRef>
+      <a:fillRef idx="1">
+        <a:scrgbClr r="0" g="0" b="0"/>
+      </a:fillRef>
+      <a:effectRef idx="0">
+        <a:scrgbClr r="0" g="0" b="0"/>
+      </a:effectRef>
+      <a:fontRef idx="minor">
+        <a:schemeClr val="lt1"/>
+      </a:fontRef>
+    </dgm:style>
+  </dgm:styleLbl>
+  <dgm:styleLbl name="node4">
+    <dgm:scene3d>
+      <a:camera prst="orthographicFront"/>
+      <a:lightRig rig="threePt" dir="t"/>
+    </dgm:scene3d>
+    <dgm:sp3d/>
+    <dgm:txPr/>
+    <dgm:style>
+      <a:lnRef idx="2">
+        <a:scrgbClr r="0" g="0" b="0"/>
+      </a:lnRef>
+      <a:fillRef idx="1">
+        <a:scrgbClr r="0" g="0" b="0"/>
+      </a:fillRef>
+      <a:effectRef idx="0">
+        <a:scrgbClr r="0" g="0" b="0"/>
+      </a:effectRef>
+      <a:fontRef idx="minor">
+        <a:schemeClr val="lt1"/>
+      </a:fontRef>
+    </dgm:style>
+  </dgm:styleLbl>
+  <dgm:styleLbl name="fgImgPlace1">
+    <dgm:scene3d>
+      <a:camera prst="orthographicFront"/>
+      <a:lightRig rig="threePt" dir="t"/>
+    </dgm:scene3d>
+    <dgm:sp3d/>
+    <dgm:txPr/>
+    <dgm:style>
+      <a:lnRef idx="2">
+        <a:scrgbClr r="0" g="0" b="0"/>
+      </a:lnRef>
+      <a:fillRef idx="1">
+        <a:scrgbClr r="0" g="0" b="0"/>
+      </a:fillRef>
+      <a:effectRef idx="0">
+        <a:scrgbClr r="0" g="0" b="0"/>
+      </a:effectRef>
+      <a:fontRef idx="minor"/>
+    </dgm:style>
+  </dgm:styleLbl>
+  <dgm:styleLbl name="alignImgPlace1">
+    <dgm:scene3d>
+      <a:camera prst="orthographicFront"/>
+      <a:lightRig rig="threePt" dir="t"/>
+    </dgm:scene3d>
+    <dgm:sp3d/>
+    <dgm:txPr/>
+    <dgm:style>
+      <a:lnRef idx="2">
+        <a:scrgbClr r="0" g="0" b="0"/>
+      </a:lnRef>
+      <a:fillRef idx="1">
+        <a:scrgbClr r="0" g="0" b="0"/>
+      </a:fillRef>
+      <a:effectRef idx="0">
+        <a:scrgbClr r="0" g="0" b="0"/>
+      </a:effectRef>
+      <a:fontRef idx="minor"/>
+    </dgm:style>
+  </dgm:styleLbl>
+  <dgm:styleLbl name="bgImgPlace1">
+    <dgm:scene3d>
+      <a:camera prst="orthographicFront"/>
+      <a:lightRig rig="threePt" dir="t"/>
+    </dgm:scene3d>
+    <dgm:sp3d/>
+    <dgm:txPr/>
+    <dgm:style>
+      <a:lnRef idx="2">
+        <a:scrgbClr r="0" g="0" b="0"/>
+      </a:lnRef>
+      <a:fillRef idx="1">
+        <a:scrgbClr r="0" g="0" b="0"/>
+      </a:fillRef>
+      <a:effectRef idx="0">
+        <a:scrgbClr r="0" g="0" b="0"/>
+      </a:effectRef>
+      <a:fontRef idx="minor"/>
+    </dgm:style>
+  </dgm:styleLbl>
+  <dgm:styleLbl name="sibTrans2D1">
+    <dgm:scene3d>
+      <a:camera prst="orthographicFront"/>
+      <a:lightRig rig="threePt" dir="t"/>
+    </dgm:scene3d>
+    <dgm:sp3d/>
+    <dgm:txPr/>
+    <dgm:style>
+      <a:lnRef idx="0">
+        <a:scrgbClr r="0" g="0" b="0"/>
+      </a:lnRef>
+      <a:fillRef idx="1">
+        <a:scrgbClr r="0" g="0" b="0"/>
+      </a:fillRef>
+      <a:effectRef idx="0">
+        <a:scrgbClr r="0" g="0" b="0"/>
+      </a:effectRef>
+      <a:fontRef idx="minor">
+        <a:schemeClr val="lt1"/>
+      </a:fontRef>
+    </dgm:style>
+  </dgm:styleLbl>
+  <dgm:styleLbl name="fgSibTrans2D1">
+    <dgm:scene3d>
+      <a:camera prst="orthographicFront"/>
+      <a:lightRig rig="threePt" dir="t"/>
+    </dgm:scene3d>
+    <dgm:sp3d/>
+    <dgm:txPr/>
+    <dgm:style>
+      <a:lnRef idx="0">
+        <a:scrgbClr r="0" g="0" b="0"/>
+      </a:lnRef>
+      <a:fillRef idx="1">
+        <a:scrgbClr r="0" g="0" b="0"/>
+      </a:fillRef>
+      <a:effectRef idx="0">
+        <a:scrgbClr r="0" g="0" b="0"/>
+      </a:effectRef>
+      <a:fontRef idx="minor">
+        <a:schemeClr val="lt1"/>
+      </a:fontRef>
+    </dgm:style>
+  </dgm:styleLbl>
+  <dgm:styleLbl name="bgSibTrans2D1">
+    <dgm:scene3d>
+      <a:camera prst="orthographicFront"/>
+      <a:lightRig rig="threePt" dir="t"/>
+    </dgm:scene3d>
+    <dgm:sp3d/>
+    <dgm:txPr/>
+    <dgm:style>
+      <a:lnRef idx="0">
+        <a:scrgbClr r="0" g="0" b="0"/>
+      </a:lnRef>
+      <a:fillRef idx="1">
+        <a:scrgbClr r="0" g="0" b="0"/>
+      </a:fillRef>
+      <a:effectRef idx="0">
+        <a:scrgbClr r="0" g="0" b="0"/>
+      </a:effectRef>
+      <a:fontRef idx="minor">
+        <a:schemeClr val="lt1"/>
+      </a:fontRef>
+    </dgm:style>
+  </dgm:styleLbl>
+  <dgm:styleLbl name="sibTrans1D1">
+    <dgm:scene3d>
+      <a:camera prst="orthographicFront"/>
+      <a:lightRig rig="threePt" dir="t"/>
+    </dgm:scene3d>
+    <dgm:sp3d/>
+    <dgm:txPr/>
+    <dgm:style>
+      <a:lnRef idx="1">
+        <a:scrgbClr r="0" g="0" b="0"/>
+      </a:lnRef>
+      <a:fillRef idx="0">
+        <a:scrgbClr r="0" g="0" b="0"/>
+      </a:fillRef>
+      <a:effectRef idx="0">
+        <a:scrgbClr r="0" g="0" b="0"/>
+      </a:effectRef>
+      <a:fontRef idx="minor"/>
+    </dgm:style>
+  </dgm:styleLbl>
+  <dgm:styleLbl name="callout">
+    <dgm:scene3d>
+      <a:camera prst="orthographicFront"/>
+      <a:lightRig rig="threePt" dir="t"/>
+    </dgm:scene3d>
+    <dgm:sp3d/>
+    <dgm:txPr/>
+    <dgm:style>
+      <a:lnRef idx="2">
+        <a:scrgbClr r="0" g="0" b="0"/>
+      </a:lnRef>
+      <a:fillRef idx="1">
+        <a:scrgbClr r="0" g="0" b="0"/>
+      </a:fillRef>
+      <a:effectRef idx="0">
+        <a:scrgbClr r="0" g="0" b="0"/>
+      </a:effectRef>
+      <a:fontRef idx="minor"/>
+    </dgm:style>
+  </dgm:styleLbl>
+  <dgm:styleLbl name="asst0">
+    <dgm:scene3d>
+      <a:camera prst="orthographicFront"/>
+      <a:lightRig rig="threePt" dir="t"/>
+    </dgm:scene3d>
+    <dgm:sp3d/>
+    <dgm:txPr/>
+    <dgm:style>
+      <a:lnRef idx="2">
+        <a:scrgbClr r="0" g="0" b="0"/>
+      </a:lnRef>
+      <a:fillRef idx="1">
+        <a:scrgbClr r="0" g="0" b="0"/>
+      </a:fillRef>
+      <a:effectRef idx="0">
+        <a:scrgbClr r="0" g="0" b="0"/>
+      </a:effectRef>
+      <a:fontRef idx="minor">
+        <a:schemeClr val="lt1"/>
+      </a:fontRef>
+    </dgm:style>
+  </dgm:styleLbl>
+  <dgm:styleLbl name="asst1">
+    <dgm:scene3d>
+      <a:camera prst="orthographicFront"/>
+      <a:lightRig rig="threePt" dir="t"/>
+    </dgm:scene3d>
+    <dgm:sp3d/>
+    <dgm:txPr/>
+    <dgm:style>
+      <a:lnRef idx="2">
+        <a:scrgbClr r="0" g="0" b="0"/>
+      </a:lnRef>
+      <a:fillRef idx="1">
+        <a:scrgbClr r="0" g="0" b="0"/>
+      </a:fillRef>
+      <a:effectRef idx="0">
+        <a:scrgbClr r="0" g="0" b="0"/>
+      </a:effectRef>
+      <a:fontRef idx="minor">
+        <a:schemeClr val="lt1"/>
+      </a:fontRef>
+    </dgm:style>
+  </dgm:styleLbl>
+  <dgm:styleLbl name="asst2">
+    <dgm:scene3d>
+      <a:camera prst="orthographicFront"/>
+      <a:lightRig rig="threePt" dir="t"/>
+    </dgm:scene3d>
+    <dgm:sp3d/>
+    <dgm:txPr/>
+    <dgm:style>
+      <a:lnRef idx="2">
+        <a:scrgbClr r="0" g="0" b="0"/>
+      </a:lnRef>
+      <a:fillRef idx="1">
+        <a:scrgbClr r="0" g="0" b="0"/>
+      </a:fillRef>
+      <a:effectRef idx="0">
+        <a:scrgbClr r="0" g="0" b="0"/>
+      </a:effectRef>
+      <a:fontRef idx="minor">
+        <a:schemeClr val="lt1"/>
+      </a:fontRef>
+    </dgm:style>
+  </dgm:styleLbl>
+  <dgm:styleLbl name="asst3">
+    <dgm:scene3d>
+      <a:camera prst="orthographicFront"/>
+      <a:lightRig rig="threePt" dir="t"/>
+    </dgm:scene3d>
+    <dgm:sp3d/>
+    <dgm:txPr/>
+    <dgm:style>
+      <a:lnRef idx="2">
+        <a:scrgbClr r="0" g="0" b="0"/>
+      </a:lnRef>
+      <a:fillRef idx="1">
+        <a:scrgbClr r="0" g="0" b="0"/>
+      </a:fillRef>
+      <a:effectRef idx="0">
+        <a:scrgbClr r="0" g="0" b="0"/>
+      </a:effectRef>
+      <a:fontRef idx="minor">
+        <a:schemeClr val="lt1"/>
+      </a:fontRef>
+    </dgm:style>
+  </dgm:styleLbl>
+  <dgm:styleLbl name="asst4">
+    <dgm:scene3d>
+      <a:camera prst="orthographicFront"/>
+      <a:lightRig rig="threePt" dir="t"/>
+    </dgm:scene3d>
+    <dgm:sp3d/>
+    <dgm:txPr/>
+    <dgm:style>
+      <a:lnRef idx="2">
+        <a:scrgbClr r="0" g="0" b="0"/>
+      </a:lnRef>
+      <a:fillRef idx="1">
+        <a:scrgbClr r="0" g="0" b="0"/>
+      </a:fillRef>
+      <a:effectRef idx="0">
+        <a:scrgbClr r="0" g="0" b="0"/>
+      </a:effectRef>
+      <a:fontRef idx="minor">
+        <a:schemeClr val="lt1"/>
+      </a:fontRef>
+    </dgm:style>
+  </dgm:styleLbl>
+  <dgm:styleLbl name="parChTrans2D1">
+    <dgm:scene3d>
+      <a:camera prst="orthographicFront"/>
+      <a:lightRig rig="threePt" dir="t"/>
+    </dgm:scene3d>
+    <dgm:sp3d/>
+    <dgm:txPr/>
+    <dgm:style>
+      <a:lnRef idx="2">
+        <a:scrgbClr r="0" g="0" b="0"/>
+      </a:lnRef>
+      <a:fillRef idx="1">
+        <a:scrgbClr r="0" g="0" b="0"/>
+      </a:fillRef>
+      <a:effectRef idx="0">
+        <a:scrgbClr r="0" g="0" b="0"/>
+      </a:effectRef>
+      <a:fontRef idx="minor">
+        <a:schemeClr val="lt1"/>
+      </a:fontRef>
+    </dgm:style>
+  </dgm:styleLbl>
+  <dgm:styleLbl name="parChTrans2D2">
+    <dgm:scene3d>
+      <a:camera prst="orthographicFront"/>
+      <a:lightRig rig="threePt" dir="t"/>
+    </dgm:scene3d>
+    <dgm:sp3d/>
+    <dgm:txPr/>
+    <dgm:style>
+      <a:lnRef idx="2">
+        <a:scrgbClr r="0" g="0" b="0"/>
+      </a:lnRef>
+      <a:fillRef idx="1">
+        <a:scrgbClr r="0" g="0" b="0"/>
+      </a:fillRef>
+      <a:effectRef idx="0">
+        <a:scrgbClr r="0" g="0" b="0"/>
+      </a:effectRef>
+      <a:fontRef idx="minor">
+        <a:schemeClr val="lt1"/>
+      </a:fontRef>
+    </dgm:style>
+  </dgm:styleLbl>
+  <dgm:styleLbl name="parChTrans2D3">
+    <dgm:scene3d>
+      <a:camera prst="orthographicFront"/>
+      <a:lightRig rig="threePt" dir="t"/>
+    </dgm:scene3d>
+    <dgm:sp3d/>
+    <dgm:txPr/>
+    <dgm:style>
+      <a:lnRef idx="2">
+        <a:scrgbClr r="0" g="0" b="0"/>
+      </a:lnRef>
+      <a:fillRef idx="1">
+        <a:scrgbClr r="0" g="0" b="0"/>
+      </a:fillRef>
+      <a:effectRef idx="0">
+        <a:scrgbClr r="0" g="0" b="0"/>
+      </a:effectRef>
+      <a:fontRef idx="minor">
+        <a:schemeClr val="lt1"/>
+      </a:fontRef>
+    </dgm:style>
+  </dgm:styleLbl>
+  <dgm:styleLbl name="parChTrans2D4">
+    <dgm:scene3d>
+      <a:camera prst="orthographicFront"/>
+      <a:lightRig rig="threePt" dir="t"/>
+    </dgm:scene3d>
+    <dgm:sp3d/>
+    <dgm:txPr/>
+    <dgm:style>
+      <a:lnRef idx="2">
+        <a:scrgbClr r="0" g="0" b="0"/>
+      </a:lnRef>
+      <a:fillRef idx="1">
+        <a:scrgbClr r="0" g="0" b="0"/>
+      </a:fillRef>
+      <a:effectRef idx="0">
+        <a:scrgbClr r="0" g="0" b="0"/>
+      </a:effectRef>
+      <a:fontRef idx="minor">
+        <a:schemeClr val="lt1"/>
+      </a:fontRef>
+    </dgm:style>
+  </dgm:styleLbl>
+  <dgm:styleLbl name="parChTrans1D1">
+    <dgm:scene3d>
+      <a:camera prst="orthographicFront"/>
+      <a:lightRig rig="threePt" dir="t"/>
+    </dgm:scene3d>
+    <dgm:sp3d/>
+    <dgm:txPr/>
+    <dgm:style>
+      <a:lnRef idx="2">
+        <a:scrgbClr r="0" g="0" b="0"/>
+      </a:lnRef>
+      <a:fillRef idx="0">
+        <a:scrgbClr r="0" g="0" b="0"/>
+      </a:fillRef>
+      <a:effectRef idx="0">
+        <a:scrgbClr r="0" g="0" b="0"/>
+      </a:effectRef>
+      <a:fontRef idx="minor"/>
+    </dgm:style>
+  </dgm:styleLbl>
+  <dgm:styleLbl name="parChTrans1D2">
+    <dgm:scene3d>
+      <a:camera prst="orthographicFront"/>
+      <a:lightRig rig="threePt" dir="t"/>
+    </dgm:scene3d>
+    <dgm:sp3d/>
+    <dgm:txPr/>
+    <dgm:style>
+      <a:lnRef idx="2">
+        <a:scrgbClr r="0" g="0" b="0"/>
+      </a:lnRef>
+      <a:fillRef idx="0">
+        <a:scrgbClr r="0" g="0" b="0"/>
+      </a:fillRef>
+      <a:effectRef idx="0">
+        <a:scrgbClr r="0" g="0" b="0"/>
+      </a:effectRef>
+      <a:fontRef idx="minor"/>
+    </dgm:style>
+  </dgm:styleLbl>
+  <dgm:styleLbl name="parChTrans1D3">
+    <dgm:scene3d>
+      <a:camera prst="orthographicFront"/>
+      <a:lightRig rig="threePt" dir="t"/>
+    </dgm:scene3d>
+    <dgm:sp3d/>
+    <dgm:txPr/>
+    <dgm:style>
+      <a:lnRef idx="2">
+        <a:scrgbClr r="0" g="0" b="0"/>
+      </a:lnRef>
+      <a:fillRef idx="0">
+        <a:scrgbClr r="0" g="0" b="0"/>
+      </a:fillRef>
+      <a:effectRef idx="0">
+        <a:scrgbClr r="0" g="0" b="0"/>
+      </a:effectRef>
+      <a:fontRef idx="minor"/>
+    </dgm:style>
+  </dgm:styleLbl>
+  <dgm:styleLbl name="parChTrans1D4">
+    <dgm:scene3d>
+      <a:camera prst="orthographicFront"/>
+      <a:lightRig rig="threePt" dir="t"/>
+    </dgm:scene3d>
+    <dgm:sp3d/>
+    <dgm:txPr/>
+    <dgm:style>
+      <a:lnRef idx="2">
+        <a:scrgbClr r="0" g="0" b="0"/>
+      </a:lnRef>
+      <a:fillRef idx="0">
+        <a:scrgbClr r="0" g="0" b="0"/>
+      </a:fillRef>
+      <a:effectRef idx="0">
+        <a:scrgbClr r="0" g="0" b="0"/>
+      </a:effectRef>
+      <a:fontRef idx="minor"/>
+    </dgm:style>
+  </dgm:styleLbl>
+  <dgm:styleLbl name="fgAcc1">
+    <dgm:scene3d>
+      <a:camera prst="orthographicFront"/>
+      <a:lightRig rig="threePt" dir="t"/>
+    </dgm:scene3d>
+    <dgm:sp3d/>
+    <dgm:txPr/>
+    <dgm:style>
+      <a:lnRef idx="2">
+        <a:scrgbClr r="0" g="0" b="0"/>
+      </a:lnRef>
+      <a:fillRef idx="1">
+        <a:scrgbClr r="0" g="0" b="0"/>
+      </a:fillRef>
+      <a:effectRef idx="0">
+        <a:scrgbClr r="0" g="0" b="0"/>
+      </a:effectRef>
+      <a:fontRef idx="minor"/>
+    </dgm:style>
+  </dgm:styleLbl>
+  <dgm:styleLbl name="conFgAcc1">
+    <dgm:scene3d>
+      <a:camera prst="orthographicFront"/>
+      <a:lightRig rig="threePt" dir="t"/>
+    </dgm:scene3d>
+    <dgm:sp3d/>
+    <dgm:txPr/>
+    <dgm:style>
+      <a:lnRef idx="2">
+        <a:scrgbClr r="0" g="0" b="0"/>
+      </a:lnRef>
+      <a:fillRef idx="1">
+        <a:scrgbClr r="0" g="0" b="0"/>
+      </a:fillRef>
+      <a:effectRef idx="0">
+        <a:scrgbClr r="0" g="0" b="0"/>
+      </a:effectRef>
+      <a:fontRef idx="minor"/>
+    </dgm:style>
+  </dgm:styleLbl>
+  <dgm:styleLbl name="alignAcc1">
+    <dgm:scene3d>
+      <a:camera prst="orthographicFront"/>
+      <a:lightRig rig="threePt" dir="t"/>
+    </dgm:scene3d>
+    <dgm:sp3d/>
+    <dgm:txPr/>
+    <dgm:style>
+      <a:lnRef idx="2">
+        <a:scrgbClr r="0" g="0" b="0"/>
+      </a:lnRef>
+      <a:fillRef idx="1">
+        <a:scrgbClr r="0" g="0" b="0"/>
+      </a:fillRef>
+      <a:effectRef idx="0">
+        <a:scrgbClr r="0" g="0" b="0"/>
+      </a:effectRef>
+      <a:fontRef idx="minor"/>
+    </dgm:style>
+  </dgm:styleLbl>
+  <dgm:styleLbl name="trAlignAcc1">
+    <dgm:scene3d>
+      <a:camera prst="orthographicFront"/>
+      <a:lightRig rig="threePt" dir="t"/>
+    </dgm:scene3d>
+    <dgm:sp3d/>
+    <dgm:txPr/>
+    <dgm:style>
+      <a:lnRef idx="1">
+        <a:scrgbClr r="0" g="0" b="0"/>
+      </a:lnRef>
+      <a:fillRef idx="1">
+        <a:scrgbClr r="0" g="0" b="0"/>
+      </a:fillRef>
+      <a:effectRef idx="0">
+        <a:scrgbClr r="0" g="0" b="0"/>
+      </a:effectRef>
+      <a:fontRef idx="minor"/>
+    </dgm:style>
+  </dgm:styleLbl>
+  <dgm:styleLbl name="bgAcc1">
+    <dgm:scene3d>
+      <a:camera prst="orthographicFront"/>
+      <a:lightRig rig="threePt" dir="t"/>
+    </dgm:scene3d>
+    <dgm:sp3d/>
+    <dgm:txPr/>
+    <dgm:style>
+      <a:lnRef idx="2">
+        <a:scrgbClr r="0" g="0" b="0"/>
+      </a:lnRef>
+      <a:fillRef idx="1">
+        <a:scrgbClr r="0" g="0" b="0"/>
+      </a:fillRef>
+      <a:effectRef idx="0">
+        <a:scrgbClr r="0" g="0" b="0"/>
+      </a:effectRef>
+      <a:fontRef idx="minor"/>
+    </dgm:style>
+  </dgm:styleLbl>
+  <dgm:styleLbl name="solidFgAcc1">
+    <dgm:scene3d>
+      <a:camera prst="orthographicFront"/>
+      <a:lightRig rig="threePt" dir="t"/>
+    </dgm:scene3d>
+    <dgm:sp3d/>
+    <dgm:txPr/>
+    <dgm:style>
+      <a:lnRef idx="2">
+        <a:scrgbClr r="0" g="0" b="0"/>
+      </a:lnRef>
+      <a:fillRef idx="1">
+        <a:scrgbClr r="0" g="0" b="0"/>
+      </a:fillRef>
+      <a:effectRef idx="0">
+        <a:scrgbClr r="0" g="0" b="0"/>
+      </a:effectRef>
+      <a:fontRef idx="minor"/>
+    </dgm:style>
+  </dgm:styleLbl>
+  <dgm:styleLbl name="solidAlignAcc1">
+    <dgm:scene3d>
+      <a:camera prst="orthographicFront"/>
+      <a:lightRig rig="threePt" dir="t"/>
+    </dgm:scene3d>
+    <dgm:sp3d/>
+    <dgm:txPr/>
+    <dgm:style>
+      <a:lnRef idx="2">
+        <a:scrgbClr r="0" g="0" b="0"/>
+      </a:lnRef>
+      <a:fillRef idx="1">
+        <a:scrgbClr r="0" g="0" b="0"/>
+      </a:fillRef>
+      <a:effectRef idx="0">
+        <a:scrgbClr r="0" g="0" b="0"/>
+      </a:effectRef>
+      <a:fontRef idx="minor"/>
+    </dgm:style>
+  </dgm:styleLbl>
+  <dgm:styleLbl name="solidBgAcc1">
+    <dgm:scene3d>
+      <a:camera prst="orthographicFront"/>
+      <a:lightRig rig="threePt" dir="t"/>
+    </dgm:scene3d>
+    <dgm:sp3d/>
+    <dgm:txPr/>
+    <dgm:style>
+      <a:lnRef idx="2">
+        <a:scrgbClr r="0" g="0" b="0"/>
+      </a:lnRef>
+      <a:fillRef idx="1">
+        <a:scrgbClr r="0" g="0" b="0"/>
+      </a:fillRef>
+      <a:effectRef idx="0">
+        <a:scrgbClr r="0" g="0" b="0"/>
+      </a:effectRef>
+      <a:fontRef idx="minor"/>
+    </dgm:style>
+  </dgm:styleLbl>
+  <dgm:styleLbl name="fgAccFollowNode1">
+    <dgm:scene3d>
+      <a:camera prst="orthographicFront"/>
+      <a:lightRig rig="threePt" dir="t"/>
+    </dgm:scene3d>
+    <dgm:sp3d/>
+    <dgm:txPr/>
+    <dgm:style>
+      <a:lnRef idx="2">
+        <a:scrgbClr r="0" g="0" b="0"/>
+      </a:lnRef>
+      <a:fillRef idx="1">
+        <a:scrgbClr r="0" g="0" b="0"/>
+      </a:fillRef>
+      <a:effectRef idx="0">
+        <a:scrgbClr r="0" g="0" b="0"/>
+      </a:effectRef>
+      <a:fontRef idx="minor"/>
+    </dgm:style>
+  </dgm:styleLbl>
+  <dgm:styleLbl name="alignAccFollowNode1">
+    <dgm:scene3d>
+      <a:camera prst="orthographicFront"/>
+      <a:lightRig rig="threePt" dir="t"/>
+    </dgm:scene3d>
+    <dgm:sp3d/>
+    <dgm:txPr/>
+    <dgm:style>
+      <a:lnRef idx="2">
+        <a:scrgbClr r="0" g="0" b="0"/>
+      </a:lnRef>
+      <a:fillRef idx="1">
+        <a:scrgbClr r="0" g="0" b="0"/>
+      </a:fillRef>
+      <a:effectRef idx="0">
+        <a:scrgbClr r="0" g="0" b="0"/>
+      </a:effectRef>
+      <a:fontRef idx="minor"/>
+    </dgm:style>
+  </dgm:styleLbl>
+  <dgm:styleLbl name="bgAccFollowNode1">
+    <dgm:scene3d>
+      <a:camera prst="orthographicFront"/>
+      <a:lightRig rig="threePt" dir="t"/>
+    </dgm:scene3d>
+    <dgm:sp3d/>
+    <dgm:txPr/>
+    <dgm:style>
+      <a:lnRef idx="2">
+        <a:scrgbClr r="0" g="0" b="0"/>
+      </a:lnRef>
+      <a:fillRef idx="1">
+        <a:scrgbClr r="0" g="0" b="0"/>
+      </a:fillRef>
+      <a:effectRef idx="0">
+        <a:scrgbClr r="0" g="0" b="0"/>
+      </a:effectRef>
+      <a:fontRef idx="minor"/>
+    </dgm:style>
+  </dgm:styleLbl>
+  <dgm:styleLbl name="fgAcc0">
+    <dgm:scene3d>
+      <a:camera prst="orthographicFront"/>
+      <a:lightRig rig="threePt" dir="t"/>
+    </dgm:scene3d>
+    <dgm:sp3d/>
+    <dgm:txPr/>
+    <dgm:style>
+      <a:lnRef idx="2">
+        <a:scrgbClr r="0" g="0" b="0"/>
+      </a:lnRef>
+      <a:fillRef idx="1">
+        <a:scrgbClr r="0" g="0" b="0"/>
+      </a:fillRef>
+      <a:effectRef idx="0">
+        <a:scrgbClr r="0" g="0" b="0"/>
+      </a:effectRef>
+      <a:fontRef idx="minor"/>
+    </dgm:style>
+  </dgm:styleLbl>
+  <dgm:styleLbl name="fgAcc2">
+    <dgm:scene3d>
+      <a:camera prst="orthographicFront"/>
+      <a:lightRig rig="threePt" dir="t"/>
+    </dgm:scene3d>
+    <dgm:sp3d/>
+    <dgm:txPr/>
+    <dgm:style>
+      <a:lnRef idx="2">
+        <a:scrgbClr r="0" g="0" b="0"/>
+      </a:lnRef>
+      <a:fillRef idx="1">
+        <a:scrgbClr r="0" g="0" b="0"/>
+      </a:fillRef>
+      <a:effectRef idx="0">
+        <a:scrgbClr r="0" g="0" b="0"/>
+      </a:effectRef>
+      <a:fontRef idx="minor"/>
+    </dgm:style>
+  </dgm:styleLbl>
+  <dgm:styleLbl name="fgAcc3">
+    <dgm:scene3d>
+      <a:camera prst="orthographicFront"/>
+      <a:lightRig rig="threePt" dir="t"/>
+    </dgm:scene3d>
+    <dgm:sp3d/>
+    <dgm:txPr/>
+    <dgm:style>
+      <a:lnRef idx="2">
+        <a:scrgbClr r="0" g="0" b="0"/>
+      </a:lnRef>
+      <a:fillRef idx="1">
+        <a:scrgbClr r="0" g="0" b="0"/>
+      </a:fillRef>
+      <a:effectRef idx="0">
+        <a:scrgbClr r="0" g="0" b="0"/>
+      </a:effectRef>
+      <a:fontRef idx="minor"/>
+    </dgm:style>
+  </dgm:styleLbl>
+  <dgm:styleLbl name="fgAcc4">
+    <dgm:scene3d>
+      <a:camera prst="orthographicFront"/>
+      <a:lightRig rig="threePt" dir="t"/>
+    </dgm:scene3d>
+    <dgm:sp3d/>
+    <dgm:txPr/>
+    <dgm:style>
+      <a:lnRef idx="2">
+        <a:scrgbClr r="0" g="0" b="0"/>
+      </a:lnRef>
+      <a:fillRef idx="1">
+        <a:scrgbClr r="0" g="0" b="0"/>
+      </a:fillRef>
+      <a:effectRef idx="0">
+        <a:scrgbClr r="0" g="0" b="0"/>
+      </a:effectRef>
+      <a:fontRef idx="minor"/>
+    </dgm:style>
+  </dgm:styleLbl>
+  <dgm:styleLbl name="bgShp">
+    <dgm:scene3d>
+      <a:camera prst="orthographicFront"/>
+      <a:lightRig rig="threePt" dir="t"/>
+    </dgm:scene3d>
+    <dgm:sp3d/>
+    <dgm:txPr/>
+    <dgm:style>
+      <a:lnRef idx="0">
+        <a:scrgbClr r="0" g="0" b="0"/>
+      </a:lnRef>
+      <a:fillRef idx="1">
+        <a:scrgbClr r="0" g="0" b="0"/>
+      </a:fillRef>
+      <a:effectRef idx="0">
+        <a:scrgbClr r="0" g="0" b="0"/>
+      </a:effectRef>
+      <a:fontRef idx="minor"/>
+    </dgm:style>
+  </dgm:styleLbl>
+  <dgm:styleLbl name="dkBgShp">
+    <dgm:scene3d>
+      <a:camera prst="orthographicFront"/>
+      <a:lightRig rig="threePt" dir="t"/>
+    </dgm:scene3d>
+    <dgm:sp3d/>
+    <dgm:txPr/>
+    <dgm:style>
+      <a:lnRef idx="0">
+        <a:scrgbClr r="0" g="0" b="0"/>
+      </a:lnRef>
+      <a:fillRef idx="1">
+        <a:scrgbClr r="0" g="0" b="0"/>
+      </a:fillRef>
+      <a:effectRef idx="0">
+        <a:scrgbClr r="0" g="0" b="0"/>
+      </a:effectRef>
+      <a:fontRef idx="minor"/>
+    </dgm:style>
+  </dgm:styleLbl>
+  <dgm:styleLbl name="trBgShp">
+    <dgm:scene3d>
+      <a:camera prst="orthographicFront"/>
+      <a:lightRig rig="threePt" dir="t"/>
+    </dgm:scene3d>
+    <dgm:sp3d/>
+    <dgm:txPr/>
+    <dgm:style>
+      <a:lnRef idx="0">
+        <a:scrgbClr r="0" g="0" b="0"/>
+      </a:lnRef>
+      <a:fillRef idx="1">
+        <a:scrgbClr r="0" g="0" b="0"/>
+      </a:fillRef>
+      <a:effectRef idx="0">
+        <a:scrgbClr r="0" g="0" b="0"/>
+      </a:effectRef>
+      <a:fontRef idx="minor"/>
+    </dgm:style>
+  </dgm:styleLbl>
+  <dgm:styleLbl name="fgShp">
+    <dgm:scene3d>
+      <a:camera prst="orthographicFront"/>
+      <a:lightRig rig="threePt" dir="t"/>
+    </dgm:scene3d>
+    <dgm:sp3d/>
+    <dgm:txPr/>
+    <dgm:style>
+      <a:lnRef idx="2">
+        <a:scrgbClr r="0" g="0" b="0"/>
+      </a:lnRef>
+      <a:fillRef idx="1">
+        <a:scrgbClr r="0" g="0" b="0"/>
+      </a:fillRef>
+      <a:effectRef idx="0">
+        <a:scrgbClr r="0" g="0" b="0"/>
+      </a:effectRef>
+      <a:fontRef idx="minor"/>
+    </dgm:style>
+  </dgm:styleLbl>
+  <dgm:styleLbl name="revTx">
+    <dgm:scene3d>
+      <a:camera prst="orthographicFront"/>
+      <a:lightRig rig="threePt" dir="t"/>
+    </dgm:scene3d>
+    <dgm:sp3d/>
+    <dgm:txPr/>
+    <dgm:style>
+      <a:lnRef idx="0">
+        <a:scrgbClr r="0" g="0" b="0"/>
+      </a:lnRef>
+      <a:fillRef idx="0">
+        <a:scrgbClr r="0" g="0" b="0"/>
+      </a:fillRef>
+      <a:effectRef idx="0">
+        <a:scrgbClr r="0" g="0" b="0"/>
+      </a:effectRef>
+      <a:fontRef idx="minor"/>
+    </dgm:style>
+  </dgm:styleLbl>
+</dgm:styleDef>
+</file>
+
 <file path=ppt/notesMasters/notesMaster1.xml><?xml version="1.0" encoding="utf-8"?>
 <p:notesMaster xmlns:a="http://schemas.openxmlformats.org/drawingml/2006/main" xmlns:r="http://schemas.openxmlformats.org/officeDocument/2006/relationships" xmlns:p="http://schemas.openxmlformats.org/presentationml/2006/main">
   <p:cSld>
@@ -224,7 +3183,7 @@
           <a:p>
             <a:fld id="{BAE920E8-3420-4665-AF77-FF47F5717F5E}" type="datetimeFigureOut">
               <a:rPr lang="pt-PT" smtClean="0"/>
-              <a:t>12/05/2016</a:t>
+              <a:t>16/05/2016</a:t>
             </a:fld>
             <a:endParaRPr lang="pt-PT"/>
           </a:p>
@@ -650,6 +3609,1293 @@
 </p:notes>
 </file>
 
+<file path=ppt/notesSlides/notesSlide2.xml><?xml version="1.0" encoding="utf-8"?>
+<p:notes xmlns:a="http://schemas.openxmlformats.org/drawingml/2006/main" xmlns:r="http://schemas.openxmlformats.org/officeDocument/2006/relationships" xmlns:p="http://schemas.openxmlformats.org/presentationml/2006/main">
+  <p:cSld>
+    <p:spTree>
+      <p:nvGrpSpPr>
+        <p:cNvPr id="1" name=""/>
+        <p:cNvGrpSpPr/>
+        <p:nvPr/>
+      </p:nvGrpSpPr>
+      <p:grpSpPr>
+        <a:xfrm>
+          <a:off x="0" y="0"/>
+          <a:ext cx="0" cy="0"/>
+          <a:chOff x="0" y="0"/>
+          <a:chExt cx="0" cy="0"/>
+        </a:xfrm>
+      </p:grpSpPr>
+      <p:sp>
+        <p:nvSpPr>
+          <p:cNvPr id="2" name="Slide Image Placeholder 1"/>
+          <p:cNvSpPr>
+            <a:spLocks noGrp="1" noRot="1" noChangeAspect="1"/>
+          </p:cNvSpPr>
+          <p:nvPr>
+            <p:ph type="sldImg"/>
+          </p:nvPr>
+        </p:nvSpPr>
+        <p:spPr/>
+      </p:sp>
+      <p:sp>
+        <p:nvSpPr>
+          <p:cNvPr id="3" name="Notes Placeholder 2"/>
+          <p:cNvSpPr>
+            <a:spLocks noGrp="1"/>
+          </p:cNvSpPr>
+          <p:nvPr>
+            <p:ph type="body" idx="1"/>
+          </p:nvPr>
+        </p:nvSpPr>
+        <p:spPr/>
+        <p:txBody>
+          <a:bodyPr/>
+          <a:lstStyle/>
+          <a:p>
+            <a:pPr marL="0" marR="0" indent="0" algn="l" defTabSz="914400" rtl="0" eaLnBrk="1" fontAlgn="auto" latinLnBrk="0" hangingPunct="1">
+              <a:lnSpc>
+                <a:spcPct val="100000"/>
+              </a:lnSpc>
+              <a:spcBef>
+                <a:spcPts val="0"/>
+              </a:spcBef>
+              <a:spcAft>
+                <a:spcPts val="0"/>
+              </a:spcAft>
+              <a:buClrTx/>
+              <a:buSzTx/>
+              <a:buFontTx/>
+              <a:buNone/>
+              <a:tabLst/>
+              <a:defRPr/>
+            </a:pPr>
+            <a:r>
+              <a:rPr lang="en-US" dirty="0"/>
+              <a:t>No CLOS(Common Lisp Object System) </a:t>
+            </a:r>
+            <a:r>
+              <a:rPr lang="en-US" dirty="0" err="1"/>
+              <a:t>ao</a:t>
+            </a:r>
+            <a:r>
+              <a:rPr lang="en-US" dirty="0"/>
+              <a:t> </a:t>
+            </a:r>
+            <a:r>
+              <a:rPr lang="en-US" dirty="0" err="1"/>
+              <a:t>contrário</a:t>
+            </a:r>
+            <a:r>
+              <a:rPr lang="en-US" dirty="0"/>
+              <a:t> do Java </a:t>
+            </a:r>
+            <a:r>
+              <a:rPr lang="en-US" dirty="0" err="1"/>
+              <a:t>existe</a:t>
+            </a:r>
+            <a:r>
+              <a:rPr lang="en-US" dirty="0"/>
+              <a:t> a </a:t>
+            </a:r>
+            <a:r>
+              <a:rPr lang="en-US" dirty="0" err="1"/>
+              <a:t>possibilidade</a:t>
+            </a:r>
+            <a:r>
+              <a:rPr lang="en-US" dirty="0"/>
+              <a:t> de utilizer Multiple Dispatch. No Java </a:t>
+            </a:r>
+            <a:r>
+              <a:rPr lang="en-US" dirty="0" err="1"/>
+              <a:t>apenas</a:t>
+            </a:r>
+            <a:r>
+              <a:rPr lang="en-US" dirty="0"/>
+              <a:t> </a:t>
+            </a:r>
+            <a:r>
+              <a:rPr lang="en-US" dirty="0" err="1"/>
+              <a:t>existe</a:t>
+            </a:r>
+            <a:r>
+              <a:rPr lang="en-US" dirty="0"/>
+              <a:t> Single Dispatch + Overloading o que </a:t>
+            </a:r>
+            <a:r>
+              <a:rPr lang="en-US" dirty="0" err="1"/>
+              <a:t>consiste</a:t>
+            </a:r>
+            <a:r>
+              <a:rPr lang="en-US" dirty="0"/>
+              <a:t> </a:t>
+            </a:r>
+            <a:r>
+              <a:rPr lang="en-US" dirty="0" err="1"/>
+              <a:t>numa</a:t>
+            </a:r>
+            <a:r>
+              <a:rPr lang="en-US" dirty="0"/>
+              <a:t> </a:t>
+            </a:r>
+            <a:r>
+              <a:rPr lang="en-US" dirty="0" err="1"/>
+              <a:t>limitação</a:t>
+            </a:r>
+            <a:r>
+              <a:rPr lang="en-US" dirty="0"/>
+              <a:t> </a:t>
+            </a:r>
+            <a:r>
+              <a:rPr lang="en-US" dirty="0" err="1"/>
+              <a:t>comparativamente</a:t>
+            </a:r>
+            <a:r>
+              <a:rPr lang="en-US" dirty="0"/>
+              <a:t> com o CLOS</a:t>
+            </a:r>
+            <a:endParaRPr lang="pt-PT" dirty="0"/>
+          </a:p>
+          <a:p>
+            <a:endParaRPr lang="en-GB" dirty="0"/>
+          </a:p>
+        </p:txBody>
+      </p:sp>
+      <p:sp>
+        <p:nvSpPr>
+          <p:cNvPr id="4" name="Slide Number Placeholder 3"/>
+          <p:cNvSpPr>
+            <a:spLocks noGrp="1"/>
+          </p:cNvSpPr>
+          <p:nvPr>
+            <p:ph type="sldNum" sz="quarter" idx="10"/>
+          </p:nvPr>
+        </p:nvSpPr>
+        <p:spPr/>
+        <p:txBody>
+          <a:bodyPr/>
+          <a:lstStyle/>
+          <a:p>
+            <a:fld id="{1A41EC3C-5E62-44D9-A4CD-D519C726EBB2}" type="slidenum">
+              <a:rPr lang="pt-PT" smtClean="0"/>
+              <a:t>2</a:t>
+            </a:fld>
+            <a:endParaRPr lang="pt-PT"/>
+          </a:p>
+        </p:txBody>
+      </p:sp>
+    </p:spTree>
+    <p:extLst>
+      <p:ext uri="{BB962C8B-B14F-4D97-AF65-F5344CB8AC3E}">
+        <p14:creationId xmlns:p14="http://schemas.microsoft.com/office/powerpoint/2010/main" val="3800032124"/>
+      </p:ext>
+    </p:extLst>
+  </p:cSld>
+  <p:clrMapOvr>
+    <a:masterClrMapping/>
+  </p:clrMapOvr>
+</p:notes>
+</file>
+
+<file path=ppt/notesSlides/notesSlide3.xml><?xml version="1.0" encoding="utf-8"?>
+<p:notes xmlns:a="http://schemas.openxmlformats.org/drawingml/2006/main" xmlns:r="http://schemas.openxmlformats.org/officeDocument/2006/relationships" xmlns:p="http://schemas.openxmlformats.org/presentationml/2006/main">
+  <p:cSld>
+    <p:spTree>
+      <p:nvGrpSpPr>
+        <p:cNvPr id="1" name=""/>
+        <p:cNvGrpSpPr/>
+        <p:nvPr/>
+      </p:nvGrpSpPr>
+      <p:grpSpPr>
+        <a:xfrm>
+          <a:off x="0" y="0"/>
+          <a:ext cx="0" cy="0"/>
+          <a:chOff x="0" y="0"/>
+          <a:chExt cx="0" cy="0"/>
+        </a:xfrm>
+      </p:grpSpPr>
+      <p:sp>
+        <p:nvSpPr>
+          <p:cNvPr id="2" name="Slide Image Placeholder 1"/>
+          <p:cNvSpPr>
+            <a:spLocks noGrp="1" noRot="1" noChangeAspect="1"/>
+          </p:cNvSpPr>
+          <p:nvPr>
+            <p:ph type="sldImg"/>
+          </p:nvPr>
+        </p:nvSpPr>
+        <p:spPr/>
+      </p:sp>
+      <p:sp>
+        <p:nvSpPr>
+          <p:cNvPr id="3" name="Notes Placeholder 2"/>
+          <p:cNvSpPr>
+            <a:spLocks noGrp="1"/>
+          </p:cNvSpPr>
+          <p:nvPr>
+            <p:ph type="body" idx="1"/>
+          </p:nvPr>
+        </p:nvSpPr>
+        <p:spPr/>
+        <p:txBody>
+          <a:bodyPr/>
+          <a:lstStyle/>
+          <a:p>
+            <a:endParaRPr lang="en-GB" dirty="0"/>
+          </a:p>
+        </p:txBody>
+      </p:sp>
+      <p:sp>
+        <p:nvSpPr>
+          <p:cNvPr id="4" name="Slide Number Placeholder 3"/>
+          <p:cNvSpPr>
+            <a:spLocks noGrp="1"/>
+          </p:cNvSpPr>
+          <p:nvPr>
+            <p:ph type="sldNum" sz="quarter" idx="10"/>
+          </p:nvPr>
+        </p:nvSpPr>
+        <p:spPr/>
+        <p:txBody>
+          <a:bodyPr/>
+          <a:lstStyle/>
+          <a:p>
+            <a:fld id="{1A41EC3C-5E62-44D9-A4CD-D519C726EBB2}" type="slidenum">
+              <a:rPr lang="pt-PT" smtClean="0"/>
+              <a:t>3</a:t>
+            </a:fld>
+            <a:endParaRPr lang="pt-PT"/>
+          </a:p>
+        </p:txBody>
+      </p:sp>
+    </p:spTree>
+    <p:extLst>
+      <p:ext uri="{BB962C8B-B14F-4D97-AF65-F5344CB8AC3E}">
+        <p14:creationId xmlns:p14="http://schemas.microsoft.com/office/powerpoint/2010/main" val="3227809450"/>
+      </p:ext>
+    </p:extLst>
+  </p:cSld>
+  <p:clrMapOvr>
+    <a:masterClrMapping/>
+  </p:clrMapOvr>
+</p:notes>
+</file>
+
+<file path=ppt/notesSlides/notesSlide4.xml><?xml version="1.0" encoding="utf-8"?>
+<p:notes xmlns:a="http://schemas.openxmlformats.org/drawingml/2006/main" xmlns:r="http://schemas.openxmlformats.org/officeDocument/2006/relationships" xmlns:p="http://schemas.openxmlformats.org/presentationml/2006/main">
+  <p:cSld>
+    <p:spTree>
+      <p:nvGrpSpPr>
+        <p:cNvPr id="1" name=""/>
+        <p:cNvGrpSpPr/>
+        <p:nvPr/>
+      </p:nvGrpSpPr>
+      <p:grpSpPr>
+        <a:xfrm>
+          <a:off x="0" y="0"/>
+          <a:ext cx="0" cy="0"/>
+          <a:chOff x="0" y="0"/>
+          <a:chExt cx="0" cy="0"/>
+        </a:xfrm>
+      </p:grpSpPr>
+      <p:sp>
+        <p:nvSpPr>
+          <p:cNvPr id="2" name="Slide Image Placeholder 1"/>
+          <p:cNvSpPr>
+            <a:spLocks noGrp="1" noRot="1" noChangeAspect="1"/>
+          </p:cNvSpPr>
+          <p:nvPr>
+            <p:ph type="sldImg"/>
+          </p:nvPr>
+        </p:nvSpPr>
+        <p:spPr/>
+      </p:sp>
+      <p:sp>
+        <p:nvSpPr>
+          <p:cNvPr id="3" name="Notes Placeholder 2"/>
+          <p:cNvSpPr>
+            <a:spLocks noGrp="1"/>
+          </p:cNvSpPr>
+          <p:nvPr>
+            <p:ph type="body" idx="1"/>
+          </p:nvPr>
+        </p:nvSpPr>
+        <p:spPr/>
+        <p:txBody>
+          <a:bodyPr/>
+          <a:lstStyle/>
+          <a:p>
+            <a:pPr marL="0" marR="0" indent="0" algn="l" defTabSz="914400" rtl="0" eaLnBrk="1" fontAlgn="auto" latinLnBrk="0" hangingPunct="1">
+              <a:lnSpc>
+                <a:spcPct val="100000"/>
+              </a:lnSpc>
+              <a:spcBef>
+                <a:spcPts val="0"/>
+              </a:spcBef>
+              <a:spcAft>
+                <a:spcPts val="0"/>
+              </a:spcAft>
+              <a:buClrTx/>
+              <a:buSzTx/>
+              <a:buFontTx/>
+              <a:buNone/>
+              <a:tabLst/>
+              <a:defRPr/>
+            </a:pPr>
+            <a:r>
+              <a:rPr lang="en-US" noProof="1"/>
+              <a:t>Para gerar a lista de precedencias das classes utilizamos uma procura </a:t>
+            </a:r>
+            <a:r>
+              <a:rPr lang="en-US" b="1" i="1" noProof="1"/>
+              <a:t>BFS</a:t>
+            </a:r>
+            <a:r>
+              <a:rPr lang="en-US" noProof="1"/>
+              <a:t> começando na classe que temos como argumento e subindo pelas respectivas super-classes e super-interfaces.</a:t>
+            </a:r>
+          </a:p>
+          <a:p>
+            <a:endParaRPr lang="en-GB" dirty="0"/>
+          </a:p>
+        </p:txBody>
+      </p:sp>
+      <p:sp>
+        <p:nvSpPr>
+          <p:cNvPr id="4" name="Slide Number Placeholder 3"/>
+          <p:cNvSpPr>
+            <a:spLocks noGrp="1"/>
+          </p:cNvSpPr>
+          <p:nvPr>
+            <p:ph type="sldNum" sz="quarter" idx="10"/>
+          </p:nvPr>
+        </p:nvSpPr>
+        <p:spPr/>
+        <p:txBody>
+          <a:bodyPr/>
+          <a:lstStyle/>
+          <a:p>
+            <a:fld id="{1A41EC3C-5E62-44D9-A4CD-D519C726EBB2}" type="slidenum">
+              <a:rPr lang="pt-PT" smtClean="0"/>
+              <a:t>7</a:t>
+            </a:fld>
+            <a:endParaRPr lang="pt-PT"/>
+          </a:p>
+        </p:txBody>
+      </p:sp>
+    </p:spTree>
+    <p:extLst>
+      <p:ext uri="{BB962C8B-B14F-4D97-AF65-F5344CB8AC3E}">
+        <p14:creationId xmlns:p14="http://schemas.microsoft.com/office/powerpoint/2010/main" val="2884811297"/>
+      </p:ext>
+    </p:extLst>
+  </p:cSld>
+  <p:clrMapOvr>
+    <a:masterClrMapping/>
+  </p:clrMapOvr>
+</p:notes>
+</file>
+
+<file path=ppt/notesSlides/notesSlide5.xml><?xml version="1.0" encoding="utf-8"?>
+<p:notes xmlns:a="http://schemas.openxmlformats.org/drawingml/2006/main" xmlns:r="http://schemas.openxmlformats.org/officeDocument/2006/relationships" xmlns:p="http://schemas.openxmlformats.org/presentationml/2006/main">
+  <p:cSld>
+    <p:spTree>
+      <p:nvGrpSpPr>
+        <p:cNvPr id="1" name=""/>
+        <p:cNvGrpSpPr/>
+        <p:nvPr/>
+      </p:nvGrpSpPr>
+      <p:grpSpPr>
+        <a:xfrm>
+          <a:off x="0" y="0"/>
+          <a:ext cx="0" cy="0"/>
+          <a:chOff x="0" y="0"/>
+          <a:chExt cx="0" cy="0"/>
+        </a:xfrm>
+      </p:grpSpPr>
+      <p:sp>
+        <p:nvSpPr>
+          <p:cNvPr id="2" name="Slide Image Placeholder 1"/>
+          <p:cNvSpPr>
+            <a:spLocks noGrp="1" noRot="1" noChangeAspect="1"/>
+          </p:cNvSpPr>
+          <p:nvPr>
+            <p:ph type="sldImg"/>
+          </p:nvPr>
+        </p:nvSpPr>
+        <p:spPr/>
+      </p:sp>
+      <p:sp>
+        <p:nvSpPr>
+          <p:cNvPr id="3" name="Notes Placeholder 2"/>
+          <p:cNvSpPr>
+            <a:spLocks noGrp="1"/>
+          </p:cNvSpPr>
+          <p:nvPr>
+            <p:ph type="body" idx="1"/>
+          </p:nvPr>
+        </p:nvSpPr>
+        <p:spPr/>
+        <p:txBody>
+          <a:bodyPr/>
+          <a:lstStyle/>
+          <a:p>
+            <a:pPr marL="0" marR="0" indent="0" algn="l" defTabSz="914400" rtl="0" eaLnBrk="1" fontAlgn="auto" latinLnBrk="0" hangingPunct="1">
+              <a:lnSpc>
+                <a:spcPct val="100000"/>
+              </a:lnSpc>
+              <a:spcBef>
+                <a:spcPts val="0"/>
+              </a:spcBef>
+              <a:spcAft>
+                <a:spcPts val="0"/>
+              </a:spcAft>
+              <a:buClrTx/>
+              <a:buSzTx/>
+              <a:buFontTx/>
+              <a:buNone/>
+              <a:tabLst/>
+              <a:defRPr/>
+            </a:pPr>
+            <a:r>
+              <a:rPr lang="en-US" noProof="1"/>
+              <a:t>Critério de desempate entre classes e interfaces ao mesmo nivel de hierarquia decidimos que classes têm precedencia sobre as interfaces e a ordem das interfaces é aquela pela qual sao declaradas quando elas sao implementadas.</a:t>
+            </a:r>
+          </a:p>
+          <a:p>
+            <a:endParaRPr lang="en-GB" dirty="0"/>
+          </a:p>
+        </p:txBody>
+      </p:sp>
+      <p:sp>
+        <p:nvSpPr>
+          <p:cNvPr id="4" name="Slide Number Placeholder 3"/>
+          <p:cNvSpPr>
+            <a:spLocks noGrp="1"/>
+          </p:cNvSpPr>
+          <p:nvPr>
+            <p:ph type="sldNum" sz="quarter" idx="10"/>
+          </p:nvPr>
+        </p:nvSpPr>
+        <p:spPr/>
+        <p:txBody>
+          <a:bodyPr/>
+          <a:lstStyle/>
+          <a:p>
+            <a:fld id="{1A41EC3C-5E62-44D9-A4CD-D519C726EBB2}" type="slidenum">
+              <a:rPr lang="pt-PT" smtClean="0"/>
+              <a:t>9</a:t>
+            </a:fld>
+            <a:endParaRPr lang="pt-PT"/>
+          </a:p>
+        </p:txBody>
+      </p:sp>
+    </p:spTree>
+    <p:extLst>
+      <p:ext uri="{BB962C8B-B14F-4D97-AF65-F5344CB8AC3E}">
+        <p14:creationId xmlns:p14="http://schemas.microsoft.com/office/powerpoint/2010/main" val="48585409"/>
+      </p:ext>
+    </p:extLst>
+  </p:cSld>
+  <p:clrMapOvr>
+    <a:masterClrMapping/>
+  </p:clrMapOvr>
+</p:notes>
+</file>
+
+<file path=ppt/notesSlides/notesSlide6.xml><?xml version="1.0" encoding="utf-8"?>
+<p:notes xmlns:a="http://schemas.openxmlformats.org/drawingml/2006/main" xmlns:r="http://schemas.openxmlformats.org/officeDocument/2006/relationships" xmlns:p="http://schemas.openxmlformats.org/presentationml/2006/main">
+  <p:cSld>
+    <p:spTree>
+      <p:nvGrpSpPr>
+        <p:cNvPr id="1" name=""/>
+        <p:cNvGrpSpPr/>
+        <p:nvPr/>
+      </p:nvGrpSpPr>
+      <p:grpSpPr>
+        <a:xfrm>
+          <a:off x="0" y="0"/>
+          <a:ext cx="0" cy="0"/>
+          <a:chOff x="0" y="0"/>
+          <a:chExt cx="0" cy="0"/>
+        </a:xfrm>
+      </p:grpSpPr>
+      <p:sp>
+        <p:nvSpPr>
+          <p:cNvPr id="2" name="Slide Image Placeholder 1"/>
+          <p:cNvSpPr>
+            <a:spLocks noGrp="1" noRot="1" noChangeAspect="1"/>
+          </p:cNvSpPr>
+          <p:nvPr>
+            <p:ph type="sldImg"/>
+          </p:nvPr>
+        </p:nvSpPr>
+        <p:spPr/>
+      </p:sp>
+      <p:sp>
+        <p:nvSpPr>
+          <p:cNvPr id="3" name="Notes Placeholder 2"/>
+          <p:cNvSpPr>
+            <a:spLocks noGrp="1"/>
+          </p:cNvSpPr>
+          <p:nvPr>
+            <p:ph type="body" idx="1"/>
+          </p:nvPr>
+        </p:nvSpPr>
+        <p:spPr/>
+        <p:txBody>
+          <a:bodyPr/>
+          <a:lstStyle/>
+          <a:p>
+            <a:pPr marL="0" marR="0" indent="0" algn="l" defTabSz="914400" rtl="0" eaLnBrk="1" fontAlgn="auto" latinLnBrk="0" hangingPunct="1">
+              <a:lnSpc>
+                <a:spcPct val="100000"/>
+              </a:lnSpc>
+              <a:spcBef>
+                <a:spcPts val="0"/>
+              </a:spcBef>
+              <a:spcAft>
+                <a:spcPts val="0"/>
+              </a:spcAft>
+              <a:buClrTx/>
+              <a:buSzTx/>
+              <a:buFontTx/>
+              <a:buNone/>
+              <a:tabLst/>
+              <a:defRPr/>
+            </a:pPr>
+            <a:r>
+              <a:rPr lang="pt-PT" dirty="0"/>
+              <a:t>A classe Generic Function tem como atributos uma string correspondente ao nome da função e 4 </a:t>
+            </a:r>
+            <a:r>
+              <a:rPr lang="pt-PT" i="1" dirty="0"/>
+              <a:t>handlers</a:t>
+            </a:r>
+            <a:r>
+              <a:rPr lang="pt-PT" dirty="0"/>
+              <a:t>, um correspondente aos metodos </a:t>
+            </a:r>
+            <a:r>
+              <a:rPr lang="pt-PT" b="1" i="1" dirty="0"/>
+              <a:t>primários</a:t>
+            </a:r>
+            <a:r>
+              <a:rPr lang="pt-PT" dirty="0"/>
+              <a:t>, outro aos metodos </a:t>
+            </a:r>
+            <a:r>
+              <a:rPr lang="pt-PT" b="1" i="1" dirty="0"/>
+              <a:t>around</a:t>
+            </a:r>
+            <a:r>
+              <a:rPr lang="pt-PT" dirty="0"/>
+              <a:t>, outro aos </a:t>
+            </a:r>
+            <a:r>
+              <a:rPr lang="pt-PT" b="1" i="1" dirty="0"/>
+              <a:t>after</a:t>
+            </a:r>
+            <a:r>
+              <a:rPr lang="pt-PT" dirty="0"/>
+              <a:t> e outro aos </a:t>
+            </a:r>
+            <a:r>
+              <a:rPr lang="pt-PT" b="1" i="1" dirty="0"/>
+              <a:t>before</a:t>
+            </a:r>
+            <a:r>
+              <a:rPr lang="pt-PT" i="1" dirty="0"/>
+              <a:t>.</a:t>
+            </a:r>
+          </a:p>
+          <a:p>
+            <a:endParaRPr lang="en-GB" dirty="0"/>
+          </a:p>
+        </p:txBody>
+      </p:sp>
+      <p:sp>
+        <p:nvSpPr>
+          <p:cNvPr id="4" name="Slide Number Placeholder 3"/>
+          <p:cNvSpPr>
+            <a:spLocks noGrp="1"/>
+          </p:cNvSpPr>
+          <p:nvPr>
+            <p:ph type="sldNum" sz="quarter" idx="10"/>
+          </p:nvPr>
+        </p:nvSpPr>
+        <p:spPr/>
+        <p:txBody>
+          <a:bodyPr/>
+          <a:lstStyle/>
+          <a:p>
+            <a:fld id="{1A41EC3C-5E62-44D9-A4CD-D519C726EBB2}" type="slidenum">
+              <a:rPr lang="pt-PT" smtClean="0"/>
+              <a:t>10</a:t>
+            </a:fld>
+            <a:endParaRPr lang="pt-PT"/>
+          </a:p>
+        </p:txBody>
+      </p:sp>
+    </p:spTree>
+    <p:extLst>
+      <p:ext uri="{BB962C8B-B14F-4D97-AF65-F5344CB8AC3E}">
+        <p14:creationId xmlns:p14="http://schemas.microsoft.com/office/powerpoint/2010/main" val="710644289"/>
+      </p:ext>
+    </p:extLst>
+  </p:cSld>
+  <p:clrMapOvr>
+    <a:masterClrMapping/>
+  </p:clrMapOvr>
+</p:notes>
+</file>
+
+<file path=ppt/notesSlides/notesSlide7.xml><?xml version="1.0" encoding="utf-8"?>
+<p:notes xmlns:a="http://schemas.openxmlformats.org/drawingml/2006/main" xmlns:r="http://schemas.openxmlformats.org/officeDocument/2006/relationships" xmlns:p="http://schemas.openxmlformats.org/presentationml/2006/main">
+  <p:cSld>
+    <p:spTree>
+      <p:nvGrpSpPr>
+        <p:cNvPr id="1" name=""/>
+        <p:cNvGrpSpPr/>
+        <p:nvPr/>
+      </p:nvGrpSpPr>
+      <p:grpSpPr>
+        <a:xfrm>
+          <a:off x="0" y="0"/>
+          <a:ext cx="0" cy="0"/>
+          <a:chOff x="0" y="0"/>
+          <a:chExt cx="0" cy="0"/>
+        </a:xfrm>
+      </p:grpSpPr>
+      <p:sp>
+        <p:nvSpPr>
+          <p:cNvPr id="2" name="Slide Image Placeholder 1"/>
+          <p:cNvSpPr>
+            <a:spLocks noGrp="1" noRot="1" noChangeAspect="1"/>
+          </p:cNvSpPr>
+          <p:nvPr>
+            <p:ph type="sldImg"/>
+          </p:nvPr>
+        </p:nvSpPr>
+        <p:spPr/>
+      </p:sp>
+      <p:sp>
+        <p:nvSpPr>
+          <p:cNvPr id="3" name="Notes Placeholder 2"/>
+          <p:cNvSpPr>
+            <a:spLocks noGrp="1"/>
+          </p:cNvSpPr>
+          <p:nvPr>
+            <p:ph type="body" idx="1"/>
+          </p:nvPr>
+        </p:nvSpPr>
+        <p:spPr/>
+        <p:txBody>
+          <a:bodyPr/>
+          <a:lstStyle/>
+          <a:p>
+            <a:pPr marL="0" marR="0" indent="0" algn="l" defTabSz="914400" rtl="0" eaLnBrk="1" fontAlgn="auto" latinLnBrk="0" hangingPunct="1">
+              <a:lnSpc>
+                <a:spcPct val="100000"/>
+              </a:lnSpc>
+              <a:spcBef>
+                <a:spcPts val="0"/>
+              </a:spcBef>
+              <a:spcAft>
+                <a:spcPts val="0"/>
+              </a:spcAft>
+              <a:buClrTx/>
+              <a:buSzTx/>
+              <a:buFontTx/>
+              <a:buNone/>
+              <a:tabLst/>
+              <a:defRPr/>
+            </a:pPr>
+            <a:r>
+              <a:rPr lang="en-US" noProof="1"/>
+              <a:t>O consiste na execução sequencial do(s) metodo(s) aplicaveis </a:t>
+            </a:r>
+            <a:r>
+              <a:rPr lang="en-US" b="1" i="1" noProof="1"/>
+              <a:t>around</a:t>
+            </a:r>
+            <a:r>
+              <a:rPr lang="en-US" noProof="1"/>
+              <a:t> mais especifico(s) e/ou metodos </a:t>
+            </a:r>
+            <a:r>
+              <a:rPr lang="en-US" b="1" i="1" noProof="1"/>
+              <a:t>before</a:t>
+            </a:r>
+            <a:r>
+              <a:rPr lang="en-US" noProof="1"/>
+              <a:t>(executados do mais especifico para o menos) , metodo </a:t>
+            </a:r>
+            <a:r>
+              <a:rPr lang="en-US" b="1" i="1" noProof="1"/>
+              <a:t>primário</a:t>
+            </a:r>
+            <a:r>
+              <a:rPr lang="en-US" noProof="1"/>
+              <a:t> mais especifico e metodos </a:t>
+            </a:r>
+            <a:r>
+              <a:rPr lang="en-US" b="1" i="1" noProof="1"/>
+              <a:t>after</a:t>
+            </a:r>
+            <a:r>
+              <a:rPr lang="en-US" noProof="1"/>
+              <a:t>(executados do menos especifico para o mais) </a:t>
+            </a:r>
+          </a:p>
+          <a:p>
+            <a:endParaRPr lang="en-GB" dirty="0"/>
+          </a:p>
+        </p:txBody>
+      </p:sp>
+      <p:sp>
+        <p:nvSpPr>
+          <p:cNvPr id="4" name="Slide Number Placeholder 3"/>
+          <p:cNvSpPr>
+            <a:spLocks noGrp="1"/>
+          </p:cNvSpPr>
+          <p:nvPr>
+            <p:ph type="sldNum" sz="quarter" idx="10"/>
+          </p:nvPr>
+        </p:nvSpPr>
+        <p:spPr/>
+        <p:txBody>
+          <a:bodyPr/>
+          <a:lstStyle/>
+          <a:p>
+            <a:fld id="{1A41EC3C-5E62-44D9-A4CD-D519C726EBB2}" type="slidenum">
+              <a:rPr lang="pt-PT" smtClean="0"/>
+              <a:t>12</a:t>
+            </a:fld>
+            <a:endParaRPr lang="pt-PT"/>
+          </a:p>
+        </p:txBody>
+      </p:sp>
+    </p:spTree>
+    <p:extLst>
+      <p:ext uri="{BB962C8B-B14F-4D97-AF65-F5344CB8AC3E}">
+        <p14:creationId xmlns:p14="http://schemas.microsoft.com/office/powerpoint/2010/main" val="1761296545"/>
+      </p:ext>
+    </p:extLst>
+  </p:cSld>
+  <p:clrMapOvr>
+    <a:masterClrMapping/>
+  </p:clrMapOvr>
+</p:notes>
+</file>
+
+<file path=ppt/notesSlides/notesSlide8.xml><?xml version="1.0" encoding="utf-8"?>
+<p:notes xmlns:a="http://schemas.openxmlformats.org/drawingml/2006/main" xmlns:r="http://schemas.openxmlformats.org/officeDocument/2006/relationships" xmlns:p="http://schemas.openxmlformats.org/presentationml/2006/main">
+  <p:cSld>
+    <p:spTree>
+      <p:nvGrpSpPr>
+        <p:cNvPr id="1" name=""/>
+        <p:cNvGrpSpPr/>
+        <p:nvPr/>
+      </p:nvGrpSpPr>
+      <p:grpSpPr>
+        <a:xfrm>
+          <a:off x="0" y="0"/>
+          <a:ext cx="0" cy="0"/>
+          <a:chOff x="0" y="0"/>
+          <a:chExt cx="0" cy="0"/>
+        </a:xfrm>
+      </p:grpSpPr>
+      <p:sp>
+        <p:nvSpPr>
+          <p:cNvPr id="2" name="Slide Image Placeholder 1"/>
+          <p:cNvSpPr>
+            <a:spLocks noGrp="1" noRot="1" noChangeAspect="1"/>
+          </p:cNvSpPr>
+          <p:nvPr>
+            <p:ph type="sldImg"/>
+          </p:nvPr>
+        </p:nvSpPr>
+        <p:spPr/>
+      </p:sp>
+      <p:sp>
+        <p:nvSpPr>
+          <p:cNvPr id="3" name="Notes Placeholder 2"/>
+          <p:cNvSpPr>
+            <a:spLocks noGrp="1"/>
+          </p:cNvSpPr>
+          <p:nvPr>
+            <p:ph type="body" idx="1"/>
+          </p:nvPr>
+        </p:nvSpPr>
+        <p:spPr/>
+        <p:txBody>
+          <a:bodyPr/>
+          <a:lstStyle/>
+          <a:p>
+            <a:pPr marL="0" marR="0" indent="0" algn="l" defTabSz="914400" rtl="0" eaLnBrk="1" fontAlgn="auto" latinLnBrk="0" hangingPunct="1">
+              <a:lnSpc>
+                <a:spcPct val="100000"/>
+              </a:lnSpc>
+              <a:spcBef>
+                <a:spcPts val="0"/>
+              </a:spcBef>
+              <a:spcAft>
+                <a:spcPts val="0"/>
+              </a:spcAft>
+              <a:buClrTx/>
+              <a:buSzTx/>
+              <a:buFontTx/>
+              <a:buNone/>
+              <a:tabLst/>
+              <a:defRPr/>
+            </a:pPr>
+            <a:r>
+              <a:rPr lang="en-US" dirty="0" err="1"/>
+              <a:t>Foi</a:t>
+            </a:r>
+            <a:r>
+              <a:rPr lang="en-US" dirty="0"/>
+              <a:t> </a:t>
+            </a:r>
+            <a:r>
+              <a:rPr lang="en-US" dirty="0" err="1"/>
+              <a:t>implementada</a:t>
+            </a:r>
+            <a:r>
+              <a:rPr lang="en-US" dirty="0"/>
+              <a:t> </a:t>
+            </a:r>
+            <a:r>
+              <a:rPr lang="en-US" dirty="0" err="1"/>
+              <a:t>uma</a:t>
+            </a:r>
+            <a:r>
+              <a:rPr lang="en-US" dirty="0"/>
+              <a:t> cache que </a:t>
+            </a:r>
+            <a:r>
+              <a:rPr lang="en-US" dirty="0" err="1"/>
+              <a:t>guarda</a:t>
+            </a:r>
+            <a:r>
+              <a:rPr lang="en-US" dirty="0"/>
+              <a:t> a </a:t>
+            </a:r>
+            <a:r>
+              <a:rPr lang="en-US" dirty="0" err="1"/>
+              <a:t>chamada</a:t>
+            </a:r>
+            <a:r>
+              <a:rPr lang="en-US" dirty="0"/>
+              <a:t> para um dado </a:t>
+            </a:r>
+            <a:r>
+              <a:rPr lang="en-US" dirty="0" err="1"/>
+              <a:t>conjunto</a:t>
+            </a:r>
+            <a:r>
+              <a:rPr lang="en-US" dirty="0"/>
+              <a:t> de </a:t>
+            </a:r>
+            <a:r>
+              <a:rPr lang="en-US" dirty="0" err="1"/>
+              <a:t>argumentos</a:t>
+            </a:r>
+            <a:r>
+              <a:rPr lang="en-US" dirty="0"/>
+              <a:t>. </a:t>
+            </a:r>
+          </a:p>
+          <a:p>
+            <a:r>
+              <a:rPr lang="en-US" dirty="0" err="1"/>
+              <a:t>Guarda</a:t>
+            </a:r>
+            <a:r>
+              <a:rPr lang="en-US" dirty="0"/>
+              <a:t> o </a:t>
+            </a:r>
+            <a:r>
+              <a:rPr lang="en-US" dirty="0" err="1"/>
+              <a:t>cálculo</a:t>
+            </a:r>
+            <a:r>
+              <a:rPr lang="en-US" dirty="0"/>
+              <a:t> do </a:t>
+            </a:r>
+            <a:r>
+              <a:rPr lang="en-US" dirty="0" err="1"/>
+              <a:t>effectiveMethod</a:t>
+            </a:r>
+            <a:r>
+              <a:rPr lang="en-US" dirty="0"/>
+              <a:t> para </a:t>
+            </a:r>
+            <a:r>
+              <a:rPr lang="en-US" dirty="0" err="1"/>
+              <a:t>uma</a:t>
+            </a:r>
+            <a:r>
+              <a:rPr lang="en-US" dirty="0"/>
+              <a:t> dada </a:t>
+            </a:r>
+            <a:r>
+              <a:rPr lang="en-US" dirty="0" err="1"/>
+              <a:t>chamada</a:t>
+            </a:r>
+            <a:endParaRPr lang="en-US" dirty="0"/>
+          </a:p>
+          <a:p>
+            <a:r>
+              <a:rPr lang="en-US" dirty="0"/>
+              <a:t>Cache </a:t>
+            </a:r>
+            <a:r>
+              <a:rPr lang="en-US" dirty="0" err="1"/>
+              <a:t>contém</a:t>
+            </a:r>
+            <a:r>
+              <a:rPr lang="en-US" dirty="0"/>
+              <a:t> um </a:t>
+            </a:r>
+            <a:r>
+              <a:rPr lang="en-US" dirty="0" err="1"/>
+              <a:t>objecto</a:t>
+            </a:r>
+            <a:r>
+              <a:rPr lang="en-US" dirty="0"/>
+              <a:t> </a:t>
+            </a:r>
+            <a:r>
+              <a:rPr lang="pt-PT" b="1" i="1" dirty="0"/>
+              <a:t>EffectiveMethodCacheItem </a:t>
+            </a:r>
+            <a:r>
+              <a:rPr lang="pt-PT" dirty="0"/>
+              <a:t>que contem o metodo efectivo respectivo aos argumentos da chamada</a:t>
+            </a:r>
+            <a:endParaRPr lang="en-GB" dirty="0"/>
+          </a:p>
+        </p:txBody>
+      </p:sp>
+      <p:sp>
+        <p:nvSpPr>
+          <p:cNvPr id="4" name="Slide Number Placeholder 3"/>
+          <p:cNvSpPr>
+            <a:spLocks noGrp="1"/>
+          </p:cNvSpPr>
+          <p:nvPr>
+            <p:ph type="sldNum" sz="quarter" idx="10"/>
+          </p:nvPr>
+        </p:nvSpPr>
+        <p:spPr/>
+        <p:txBody>
+          <a:bodyPr/>
+          <a:lstStyle/>
+          <a:p>
+            <a:fld id="{1A41EC3C-5E62-44D9-A4CD-D519C726EBB2}" type="slidenum">
+              <a:rPr lang="pt-PT" smtClean="0"/>
+              <a:t>15</a:t>
+            </a:fld>
+            <a:endParaRPr lang="pt-PT"/>
+          </a:p>
+        </p:txBody>
+      </p:sp>
+    </p:spTree>
+    <p:extLst>
+      <p:ext uri="{BB962C8B-B14F-4D97-AF65-F5344CB8AC3E}">
+        <p14:creationId xmlns:p14="http://schemas.microsoft.com/office/powerpoint/2010/main" val="2330979666"/>
+      </p:ext>
+    </p:extLst>
+  </p:cSld>
+  <p:clrMapOvr>
+    <a:masterClrMapping/>
+  </p:clrMapOvr>
+</p:notes>
+</file>
+
+<file path=ppt/notesSlides/notesSlide9.xml><?xml version="1.0" encoding="utf-8"?>
+<p:notes xmlns:a="http://schemas.openxmlformats.org/drawingml/2006/main" xmlns:r="http://schemas.openxmlformats.org/officeDocument/2006/relationships" xmlns:p="http://schemas.openxmlformats.org/presentationml/2006/main">
+  <p:cSld>
+    <p:spTree>
+      <p:nvGrpSpPr>
+        <p:cNvPr id="1" name=""/>
+        <p:cNvGrpSpPr/>
+        <p:nvPr/>
+      </p:nvGrpSpPr>
+      <p:grpSpPr>
+        <a:xfrm>
+          <a:off x="0" y="0"/>
+          <a:ext cx="0" cy="0"/>
+          <a:chOff x="0" y="0"/>
+          <a:chExt cx="0" cy="0"/>
+        </a:xfrm>
+      </p:grpSpPr>
+      <p:sp>
+        <p:nvSpPr>
+          <p:cNvPr id="2" name="Slide Image Placeholder 1"/>
+          <p:cNvSpPr>
+            <a:spLocks noGrp="1" noRot="1" noChangeAspect="1"/>
+          </p:cNvSpPr>
+          <p:nvPr>
+            <p:ph type="sldImg"/>
+          </p:nvPr>
+        </p:nvSpPr>
+        <p:spPr/>
+      </p:sp>
+      <p:sp>
+        <p:nvSpPr>
+          <p:cNvPr id="3" name="Notes Placeholder 2"/>
+          <p:cNvSpPr>
+            <a:spLocks noGrp="1"/>
+          </p:cNvSpPr>
+          <p:nvPr>
+            <p:ph type="body" idx="1"/>
+          </p:nvPr>
+        </p:nvSpPr>
+        <p:spPr/>
+        <p:txBody>
+          <a:bodyPr/>
+          <a:lstStyle/>
+          <a:p>
+            <a:r>
+              <a:rPr lang="en-US" dirty="0" err="1"/>
+              <a:t>Foi</a:t>
+            </a:r>
+            <a:r>
+              <a:rPr lang="en-US" dirty="0"/>
+              <a:t> </a:t>
+            </a:r>
+            <a:r>
+              <a:rPr lang="en-US" dirty="0" err="1"/>
+              <a:t>implementada</a:t>
+            </a:r>
+            <a:r>
+              <a:rPr lang="en-US" dirty="0"/>
+              <a:t> a </a:t>
+            </a:r>
+            <a:r>
+              <a:rPr lang="en-US" dirty="0" err="1"/>
+              <a:t>possibilidade</a:t>
+            </a:r>
+            <a:r>
+              <a:rPr lang="en-US" dirty="0"/>
+              <a:t> de </a:t>
+            </a:r>
+            <a:r>
+              <a:rPr lang="en-US" dirty="0" err="1"/>
+              <a:t>existirem</a:t>
+            </a:r>
+            <a:r>
+              <a:rPr lang="en-US" dirty="0"/>
+              <a:t> </a:t>
+            </a:r>
+            <a:r>
+              <a:rPr lang="en-US" dirty="0" err="1"/>
+              <a:t>metodos</a:t>
+            </a:r>
+            <a:r>
+              <a:rPr lang="en-US" dirty="0"/>
+              <a:t> </a:t>
+            </a:r>
+            <a:r>
+              <a:rPr lang="en-US" b="1" i="1" dirty="0"/>
+              <a:t>around</a:t>
+            </a:r>
+            <a:r>
+              <a:rPr lang="en-US" dirty="0"/>
+              <a:t> com </a:t>
+            </a:r>
+            <a:r>
+              <a:rPr lang="en-US" dirty="0" err="1"/>
+              <a:t>comportamento</a:t>
+            </a:r>
+            <a:r>
+              <a:rPr lang="en-US" dirty="0"/>
+              <a:t> </a:t>
+            </a:r>
+            <a:r>
+              <a:rPr lang="en-US" dirty="0" err="1"/>
+              <a:t>semelhante</a:t>
+            </a:r>
+            <a:r>
+              <a:rPr lang="en-US" dirty="0"/>
+              <a:t> </a:t>
+            </a:r>
+            <a:r>
+              <a:rPr lang="en-US" dirty="0" err="1"/>
+              <a:t>ao</a:t>
+            </a:r>
+            <a:r>
+              <a:rPr lang="en-US" dirty="0"/>
+              <a:t> do CLOS</a:t>
+            </a:r>
+          </a:p>
+          <a:p>
+            <a:r>
+              <a:rPr lang="en-US" dirty="0" err="1"/>
+              <a:t>Tambem</a:t>
+            </a:r>
+            <a:r>
+              <a:rPr lang="en-US" dirty="0"/>
+              <a:t> </a:t>
+            </a:r>
+            <a:r>
+              <a:rPr lang="en-US" dirty="0" err="1"/>
+              <a:t>implementamos</a:t>
+            </a:r>
+            <a:r>
+              <a:rPr lang="en-US" dirty="0"/>
+              <a:t> a </a:t>
+            </a:r>
+            <a:r>
+              <a:rPr lang="en-US" dirty="0" err="1"/>
+              <a:t>possibilidade</a:t>
+            </a:r>
+            <a:r>
+              <a:rPr lang="en-US" dirty="0"/>
+              <a:t> de </a:t>
+            </a:r>
+            <a:r>
+              <a:rPr lang="en-US" dirty="0" err="1"/>
+              <a:t>ser</a:t>
+            </a:r>
+            <a:r>
+              <a:rPr lang="en-US" dirty="0"/>
+              <a:t> </a:t>
+            </a:r>
+            <a:r>
+              <a:rPr lang="en-US" dirty="0" err="1"/>
+              <a:t>chamado</a:t>
+            </a:r>
+            <a:r>
+              <a:rPr lang="en-US" dirty="0"/>
+              <a:t> o </a:t>
+            </a:r>
+            <a:r>
+              <a:rPr lang="en-US" b="1" i="1" dirty="0"/>
+              <a:t>call-next-method</a:t>
+            </a:r>
+            <a:r>
+              <a:rPr lang="en-US" dirty="0"/>
+              <a:t> </a:t>
+            </a:r>
+            <a:r>
+              <a:rPr lang="en-US" dirty="0" err="1"/>
+              <a:t>nos</a:t>
+            </a:r>
+            <a:r>
+              <a:rPr lang="en-US" dirty="0"/>
+              <a:t> </a:t>
+            </a:r>
+            <a:r>
+              <a:rPr lang="en-US" dirty="0" err="1"/>
+              <a:t>metodos</a:t>
+            </a:r>
+            <a:r>
+              <a:rPr lang="en-US" dirty="0"/>
+              <a:t> around de forma a </a:t>
+            </a:r>
+            <a:r>
+              <a:rPr lang="en-US" dirty="0" err="1"/>
+              <a:t>permitir</a:t>
+            </a:r>
+            <a:r>
+              <a:rPr lang="en-US" dirty="0"/>
+              <a:t> </a:t>
+            </a:r>
+            <a:r>
+              <a:rPr lang="en-US" dirty="0" err="1"/>
+              <a:t>chamar</a:t>
+            </a:r>
+            <a:r>
+              <a:rPr lang="en-US" dirty="0"/>
+              <a:t> o </a:t>
+            </a:r>
+            <a:r>
+              <a:rPr lang="en-US" dirty="0" err="1"/>
+              <a:t>proximo</a:t>
+            </a:r>
+            <a:r>
+              <a:rPr lang="en-US" dirty="0"/>
+              <a:t> </a:t>
+            </a:r>
+            <a:r>
+              <a:rPr lang="en-US" dirty="0" err="1"/>
+              <a:t>metodo</a:t>
+            </a:r>
+            <a:r>
+              <a:rPr lang="en-US" dirty="0"/>
+              <a:t> </a:t>
+            </a:r>
+            <a:r>
+              <a:rPr lang="en-US" dirty="0" err="1"/>
+              <a:t>mais</a:t>
+            </a:r>
+            <a:r>
+              <a:rPr lang="en-US" dirty="0"/>
+              <a:t> </a:t>
+            </a:r>
+            <a:r>
+              <a:rPr lang="en-US" dirty="0" err="1"/>
+              <a:t>especifico</a:t>
+            </a:r>
+            <a:r>
+              <a:rPr lang="en-US" dirty="0"/>
+              <a:t> </a:t>
+            </a:r>
+            <a:r>
+              <a:rPr lang="en-US" dirty="0" err="1"/>
+              <a:t>aplicavel</a:t>
+            </a:r>
+            <a:r>
+              <a:rPr lang="en-US" dirty="0"/>
+              <a:t>.</a:t>
+            </a:r>
+            <a:endParaRPr lang="pt-PT" dirty="0"/>
+          </a:p>
+          <a:p>
+            <a:endParaRPr lang="en-GB" dirty="0"/>
+          </a:p>
+        </p:txBody>
+      </p:sp>
+      <p:sp>
+        <p:nvSpPr>
+          <p:cNvPr id="4" name="Slide Number Placeholder 3"/>
+          <p:cNvSpPr>
+            <a:spLocks noGrp="1"/>
+          </p:cNvSpPr>
+          <p:nvPr>
+            <p:ph type="sldNum" sz="quarter" idx="10"/>
+          </p:nvPr>
+        </p:nvSpPr>
+        <p:spPr/>
+        <p:txBody>
+          <a:bodyPr/>
+          <a:lstStyle/>
+          <a:p>
+            <a:fld id="{1A41EC3C-5E62-44D9-A4CD-D519C726EBB2}" type="slidenum">
+              <a:rPr lang="pt-PT" smtClean="0"/>
+              <a:t>16</a:t>
+            </a:fld>
+            <a:endParaRPr lang="pt-PT"/>
+          </a:p>
+        </p:txBody>
+      </p:sp>
+    </p:spTree>
+    <p:extLst>
+      <p:ext uri="{BB962C8B-B14F-4D97-AF65-F5344CB8AC3E}">
+        <p14:creationId xmlns:p14="http://schemas.microsoft.com/office/powerpoint/2010/main" val="2141611788"/>
+      </p:ext>
+    </p:extLst>
+  </p:cSld>
+  <p:clrMapOvr>
+    <a:masterClrMapping/>
+  </p:clrMapOvr>
+</p:notes>
+</file>
+
 <file path=ppt/slideLayouts/slideLayout1.xml><?xml version="1.0" encoding="utf-8"?>
 <p:sldLayout xmlns:a="http://schemas.openxmlformats.org/drawingml/2006/main" xmlns:r="http://schemas.openxmlformats.org/officeDocument/2006/relationships" xmlns:p="http://schemas.openxmlformats.org/presentationml/2006/main" preserve="1" userDrawn="1">
   <p:cSld name="Title Slide">
@@ -803,7 +5049,7 @@
           <a:p>
             <a:fld id="{F2CC31B8-D55E-3142-A1F8-FCFE86EBD46B}" type="datetime1">
               <a:rPr lang="en-US" smtClean="0"/>
-              <a:t>5/12/2016</a:t>
+              <a:t>5/16/2016</a:t>
             </a:fld>
             <a:endParaRPr lang="en-US" dirty="0"/>
           </a:p>
@@ -1011,7 +5257,7 @@
           <a:p>
             <a:fld id="{EA0B2E4C-09A0-1C47-AC04-653E7CA38318}" type="datetime1">
               <a:rPr lang="en-US" smtClean="0"/>
-              <a:t>5/12/2016</a:t>
+              <a:t>5/16/2016</a:t>
             </a:fld>
             <a:endParaRPr lang="en-US"/>
           </a:p>
@@ -1303,7 +5549,7 @@
           <a:p>
             <a:fld id="{8BA5FDB6-C8E1-CA43-986D-07A95846BEF8}" type="datetime1">
               <a:rPr lang="en-US" smtClean="0"/>
-              <a:t>5/12/2016</a:t>
+              <a:t>5/16/2016</a:t>
             </a:fld>
             <a:endParaRPr lang="en-US" dirty="0"/>
           </a:p>
@@ -1554,7 +5800,7 @@
           <a:p>
             <a:fld id="{D181DAD3-920B-5943-A25F-8EE8A165768D}" type="datetime1">
               <a:rPr lang="en-US" smtClean="0"/>
-              <a:t>5/12/2016</a:t>
+              <a:t>5/16/2016</a:t>
             </a:fld>
             <a:endParaRPr lang="en-US"/>
           </a:p>
@@ -1825,7 +6071,7 @@
           <a:p>
             <a:fld id="{E6DFEB03-8AE6-F64E-A2BF-5A3C6EB89D07}" type="datetime1">
               <a:rPr lang="en-US" smtClean="0"/>
-              <a:t>5/12/2016</a:t>
+              <a:t>5/16/2016</a:t>
             </a:fld>
             <a:endParaRPr lang="en-US" dirty="0"/>
           </a:p>
@@ -2034,7 +6280,7 @@
           <a:p>
             <a:fld id="{E6DFEB03-8AE6-F64E-A2BF-5A3C6EB89D07}" type="datetime1">
               <a:rPr lang="en-US" smtClean="0"/>
-              <a:t>5/12/2016</a:t>
+              <a:t>5/16/2016</a:t>
             </a:fld>
             <a:endParaRPr lang="en-US" dirty="0"/>
           </a:p>
@@ -2143,7 +6389,7 @@
           <a:p>
             <a:fld id="{095AFE96-DCFC-C64E-95A7-05B2CB393A95}" type="datetime1">
               <a:rPr lang="en-US" smtClean="0"/>
-              <a:t>5/12/2016</a:t>
+              <a:t>5/16/2016</a:t>
             </a:fld>
             <a:endParaRPr lang="en-US"/>
           </a:p>
@@ -2369,7 +6615,7 @@
             <a:fld id="{C7FD4294-2665-F444-8DA7-9FAAB9092A2E}" type="datetime1">
               <a:rPr lang="en-US" smtClean="0"/>
               <a:pPr/>
-              <a:t>5/12/2016</a:t>
+              <a:t>5/16/2016</a:t>
             </a:fld>
             <a:endParaRPr lang="en-US" dirty="0"/>
           </a:p>
@@ -2820,7 +7066,7 @@
           <a:p>
             <a:fld id="{F2CC31B8-D55E-3142-A1F8-FCFE86EBD46B}" type="datetime1">
               <a:rPr lang="en-US" smtClean="0"/>
-              <a:t>5/12/2016</a:t>
+              <a:t>5/16/2016</a:t>
             </a:fld>
             <a:endParaRPr lang="en-US" dirty="0"/>
           </a:p>
@@ -3116,68 +7362,32 @@
           </a:p>
         </p:txBody>
       </p:sp>
-      <p:sp>
-        <p:nvSpPr>
-          <p:cNvPr id="3" name="Content Placeholder 2"/>
-          <p:cNvSpPr>
-            <a:spLocks noGrp="1"/>
-          </p:cNvSpPr>
+      <p:pic>
+        <p:nvPicPr>
+          <p:cNvPr id="6" name="Content Placeholder 5"/>
+          <p:cNvPicPr>
+            <a:picLocks noGrp="1" noChangeAspect="1"/>
+          </p:cNvPicPr>
           <p:nvPr>
             <p:ph idx="1"/>
           </p:nvPr>
-        </p:nvSpPr>
-        <p:spPr/>
-        <p:txBody>
-          <a:bodyPr/>
-          <a:lstStyle/>
-          <a:p>
-            <a:r>
-              <a:rPr lang="pt-PT" dirty="0"/>
-              <a:t>A classe Generic Function tem como atributos uma string correspondente ao nome da função e 4 </a:t>
-            </a:r>
-            <a:r>
-              <a:rPr lang="pt-PT" i="1" dirty="0"/>
-              <a:t>handlers</a:t>
-            </a:r>
-            <a:r>
-              <a:rPr lang="pt-PT" dirty="0"/>
-              <a:t>, um correspondente aos metodos </a:t>
-            </a:r>
-            <a:r>
-              <a:rPr lang="pt-PT" b="1" i="1" dirty="0"/>
-              <a:t>primários</a:t>
-            </a:r>
-            <a:r>
-              <a:rPr lang="pt-PT" dirty="0"/>
-              <a:t>, outro aos metodos </a:t>
-            </a:r>
-            <a:r>
-              <a:rPr lang="pt-PT" b="1" i="1" dirty="0"/>
-              <a:t>around</a:t>
-            </a:r>
-            <a:r>
-              <a:rPr lang="pt-PT" dirty="0"/>
-              <a:t>, outro aos </a:t>
-            </a:r>
-            <a:r>
-              <a:rPr lang="pt-PT" b="1" i="1" dirty="0"/>
-              <a:t>after</a:t>
-            </a:r>
-            <a:r>
-              <a:rPr lang="pt-PT" dirty="0"/>
-              <a:t> e outro aos </a:t>
-            </a:r>
-            <a:r>
-              <a:rPr lang="pt-PT" b="1" i="1" dirty="0"/>
-              <a:t>before</a:t>
-            </a:r>
-            <a:r>
-              <a:rPr lang="pt-PT" i="1" dirty="0"/>
-              <a:t>.</a:t>
-            </a:r>
-          </a:p>
-        </p:txBody>
-      </p:sp>
+        </p:nvPicPr>
+        <p:blipFill>
+          <a:blip r:embed="rId3"/>
+          <a:stretch>
+            <a:fillRect/>
+          </a:stretch>
+        </p:blipFill>
+        <p:spPr>
+          <a:xfrm>
+            <a:off x="3217862" y="2485654"/>
+            <a:ext cx="2705100" cy="1638300"/>
+          </a:xfrm>
+          <a:prstGeom prst="rect">
+            <a:avLst/>
+          </a:prstGeom>
+        </p:spPr>
+      </p:pic>
       <p:sp>
         <p:nvSpPr>
           <p:cNvPr id="4" name="Date Placeholder 3"/>
@@ -3195,7 +7405,7 @@
           <a:p>
             <a:fld id="{EA0B2E4C-09A0-1C47-AC04-653E7CA38318}" type="datetime1">
               <a:rPr lang="en-US" smtClean="0"/>
-              <a:t>5/12/2016</a:t>
+              <a:t>5/16/2016</a:t>
             </a:fld>
             <a:endParaRPr lang="en-US"/>
           </a:p>
@@ -3221,6 +7431,113 @@
               <a:t>Instituto Superior Técnico </a:t>
             </a:r>
             <a:endParaRPr lang="en-US"/>
+          </a:p>
+        </p:txBody>
+      </p:sp>
+      <p:sp>
+        <p:nvSpPr>
+          <p:cNvPr id="7" name="TextBox 6"/>
+          <p:cNvSpPr txBox="1"/>
+          <p:nvPr/>
+        </p:nvSpPr>
+        <p:spPr>
+          <a:xfrm>
+            <a:off x="503853" y="4683967"/>
+            <a:ext cx="8322906" cy="1569660"/>
+          </a:xfrm>
+          <a:prstGeom prst="rect">
+            <a:avLst/>
+          </a:prstGeom>
+          <a:noFill/>
+        </p:spPr>
+        <p:txBody>
+          <a:bodyPr wrap="square" rtlCol="0">
+            <a:spAutoFit/>
+          </a:bodyPr>
+          <a:lstStyle/>
+          <a:p>
+            <a:pPr marL="285750" indent="-285750">
+              <a:buFont typeface="Arial" panose="020B0604020202020204" pitchFamily="34" charset="0"/>
+              <a:buChar char="•"/>
+            </a:pPr>
+            <a:r>
+              <a:rPr lang="en-GB" sz="2400" dirty="0" err="1"/>
+              <a:t>GFName</a:t>
+            </a:r>
+            <a:r>
+              <a:rPr lang="en-GB" sz="2400" dirty="0"/>
+              <a:t> – string </a:t>
+            </a:r>
+            <a:r>
+              <a:rPr lang="en-GB" sz="2400" dirty="0" err="1"/>
+              <a:t>representativo</a:t>
+            </a:r>
+            <a:r>
+              <a:rPr lang="en-GB" sz="2400" dirty="0"/>
+              <a:t> do </a:t>
+            </a:r>
+            <a:r>
+              <a:rPr lang="en-GB" sz="2400" dirty="0" err="1"/>
+              <a:t>nome</a:t>
+            </a:r>
+            <a:r>
+              <a:rPr lang="en-GB" sz="2400" dirty="0"/>
+              <a:t> da </a:t>
+            </a:r>
+            <a:r>
+              <a:rPr lang="en-GB" sz="2400" dirty="0" err="1"/>
+              <a:t>função</a:t>
+            </a:r>
+            <a:r>
+              <a:rPr lang="en-GB" sz="2400" dirty="0"/>
+              <a:t>.</a:t>
+            </a:r>
+          </a:p>
+          <a:p>
+            <a:pPr marL="285750" indent="-285750">
+              <a:buFont typeface="Arial" panose="020B0604020202020204" pitchFamily="34" charset="0"/>
+              <a:buChar char="•"/>
+            </a:pPr>
+            <a:r>
+              <a:rPr lang="pt-PT" sz="2400" dirty="0"/>
+              <a:t>3 </a:t>
+            </a:r>
+            <a:r>
+              <a:rPr lang="pt-PT" sz="2400" i="1" dirty="0"/>
+              <a:t>handlers</a:t>
+            </a:r>
+            <a:r>
+              <a:rPr lang="pt-PT" sz="2400" dirty="0"/>
+              <a:t>, um correspondente aos métodos </a:t>
+            </a:r>
+            <a:r>
+              <a:rPr lang="pt-PT" sz="2400" b="1" i="1" dirty="0"/>
+              <a:t>primários</a:t>
+            </a:r>
+            <a:r>
+              <a:rPr lang="pt-PT" sz="2400" dirty="0"/>
+              <a:t>,  outro aos </a:t>
+            </a:r>
+            <a:r>
+              <a:rPr lang="pt-PT" sz="2400" b="1" i="1" dirty="0"/>
+              <a:t>after</a:t>
+            </a:r>
+            <a:r>
+              <a:rPr lang="pt-PT" sz="2400" dirty="0"/>
+              <a:t> e outro aos </a:t>
+            </a:r>
+            <a:r>
+              <a:rPr lang="pt-PT" sz="2400" b="1" i="1" dirty="0"/>
+              <a:t>before</a:t>
+            </a:r>
+            <a:r>
+              <a:rPr lang="pt-PT" sz="2400" i="1" dirty="0"/>
+              <a:t>.</a:t>
+            </a:r>
+            <a:endParaRPr lang="en-GB" sz="2400" dirty="0"/>
+          </a:p>
+          <a:p>
+            <a:endParaRPr lang="en-GB" sz="2400" dirty="0"/>
           </a:p>
         </p:txBody>
       </p:sp>
@@ -3294,9 +7611,10 @@
           </a:bodyPr>
           <a:lstStyle/>
           <a:p>
+            <a:pPr algn="just"/>
             <a:r>
               <a:rPr lang="en-US" noProof="1"/>
-              <a:t>Para ser executada a função generic é necessário calcular o </a:t>
+              <a:t>Para ser executada a função generic é calculado </a:t>
             </a:r>
             <a:r>
               <a:rPr lang="en-US" b="1" i="1" noProof="1"/>
@@ -3327,7 +7645,7 @@
           <a:p>
             <a:fld id="{EA0B2E4C-09A0-1C47-AC04-653E7CA38318}" type="datetime1">
               <a:rPr lang="en-US" smtClean="0"/>
-              <a:t>5/12/2016</a:t>
+              <a:t>5/16/2016</a:t>
             </a:fld>
             <a:endParaRPr lang="en-US"/>
           </a:p>
@@ -3419,59 +7737,22 @@
             <p:ph idx="1"/>
           </p:nvPr>
         </p:nvSpPr>
-        <p:spPr/>
+        <p:spPr>
+          <a:xfrm>
+            <a:off x="743284" y="2440611"/>
+            <a:ext cx="7655237" cy="619830"/>
+          </a:xfrm>
+        </p:spPr>
         <p:txBody>
           <a:bodyPr>
-            <a:normAutofit lnSpcReduction="10000"/>
+            <a:normAutofit/>
           </a:bodyPr>
           <a:lstStyle/>
           <a:p>
             <a:r>
-              <a:rPr lang="en-US" noProof="1"/>
-              <a:t>O </a:t>
-            </a:r>
-            <a:r>
               <a:rPr lang="en-US" b="1" i="1" noProof="1"/>
-              <a:t>effective method</a:t>
-            </a:r>
-            <a:r>
-              <a:rPr lang="en-US" noProof="1"/>
-              <a:t> consiste na execução sequencial do(s) metodo(s) aplicaveis </a:t>
-            </a:r>
-            <a:r>
-              <a:rPr lang="en-US" b="1" i="1" noProof="1"/>
-              <a:t>around</a:t>
-            </a:r>
-            <a:r>
-              <a:rPr lang="en-US" noProof="1"/>
-              <a:t> mais especifico(s) e/ou metodos </a:t>
-            </a:r>
-            <a:r>
-              <a:rPr lang="en-US" b="1" i="1" noProof="1"/>
-              <a:t>before</a:t>
-            </a:r>
-            <a:r>
-              <a:rPr lang="en-US" noProof="1"/>
-              <a:t>(executados do mais especifico para o menos) , metodo </a:t>
-            </a:r>
-            <a:r>
-              <a:rPr lang="en-US" b="1" i="1" noProof="1"/>
-              <a:t>primário</a:t>
-            </a:r>
-            <a:r>
-              <a:rPr lang="en-US" noProof="1"/>
-              <a:t> mais especifico e metodos </a:t>
-            </a:r>
-            <a:r>
-              <a:rPr lang="en-US" b="1" i="1" noProof="1"/>
-              <a:t>after</a:t>
-            </a:r>
-            <a:r>
-              <a:rPr lang="en-US" noProof="1"/>
-              <a:t>(executados do menos especifico para o mais) </a:t>
-            </a:r>
-          </a:p>
-          <a:p>
+              <a:t>Effective method </a:t>
+            </a:r>
             <a:endParaRPr lang="pt-PT" dirty="0"/>
           </a:p>
         </p:txBody>
@@ -3493,7 +7774,7 @@
           <a:p>
             <a:fld id="{EA0B2E4C-09A0-1C47-AC04-653E7CA38318}" type="datetime1">
               <a:rPr lang="en-US" smtClean="0"/>
-              <a:t>5/12/2016</a:t>
+              <a:t>5/16/2016</a:t>
             </a:fld>
             <a:endParaRPr lang="en-US"/>
           </a:p>
@@ -3522,6 +7803,28 @@
           </a:p>
         </p:txBody>
       </p:sp>
+      <p:graphicFrame>
+        <p:nvGraphicFramePr>
+          <p:cNvPr id="6" name="Diagram 5"/>
+          <p:cNvGraphicFramePr/>
+          <p:nvPr>
+            <p:extLst>
+              <p:ext uri="{D42A27DB-BD31-4B8C-83A1-F6EECF244321}">
+                <p14:modId xmlns:p14="http://schemas.microsoft.com/office/powerpoint/2010/main" val="2796059236"/>
+              </p:ext>
+            </p:extLst>
+          </p:nvPr>
+        </p:nvGraphicFramePr>
+        <p:xfrm>
+          <a:off x="0" y="2317703"/>
+          <a:ext cx="9144000" cy="4064000"/>
+        </p:xfrm>
+        <a:graphic>
+          <a:graphicData uri="http://schemas.openxmlformats.org/drawingml/2006/diagram">
+            <dgm:relIds xmlns:dgm="http://schemas.openxmlformats.org/drawingml/2006/diagram" xmlns:r="http://schemas.openxmlformats.org/officeDocument/2006/relationships" r:dm="rId3" r:lo="rId4" r:qs="rId5" r:cs="rId6"/>
+          </a:graphicData>
+        </a:graphic>
+      </p:graphicFrame>
     </p:spTree>
     <p:extLst>
       <p:ext uri="{BB962C8B-B14F-4D97-AF65-F5344CB8AC3E}">
@@ -3622,7 +7925,7 @@
           <a:p>
             <a:fld id="{EA0B2E4C-09A0-1C47-AC04-653E7CA38318}" type="datetime1">
               <a:rPr lang="en-US" smtClean="0"/>
-              <a:t>5/12/2016</a:t>
+              <a:t>5/16/2016</a:t>
             </a:fld>
             <a:endParaRPr lang="en-US"/>
           </a:p>
@@ -3708,25 +8011,6 @@
       </p:sp>
       <p:sp>
         <p:nvSpPr>
-          <p:cNvPr id="3" name="Content Placeholder 2"/>
-          <p:cNvSpPr>
-            <a:spLocks noGrp="1"/>
-          </p:cNvSpPr>
-          <p:nvPr>
-            <p:ph idx="1"/>
-          </p:nvPr>
-        </p:nvSpPr>
-        <p:spPr/>
-        <p:txBody>
-          <a:bodyPr/>
-          <a:lstStyle/>
-          <a:p>
-            <a:endParaRPr lang="pt-PT"/>
-          </a:p>
-        </p:txBody>
-      </p:sp>
-      <p:sp>
-        <p:nvSpPr>
           <p:cNvPr id="4" name="Date Placeholder 3"/>
           <p:cNvSpPr>
             <a:spLocks noGrp="1"/>
@@ -3742,7 +8026,7 @@
           <a:p>
             <a:fld id="{EA0B2E4C-09A0-1C47-AC04-653E7CA38318}" type="datetime1">
               <a:rPr lang="en-US" smtClean="0"/>
-              <a:t>5/12/2016</a:t>
+              <a:t>5/16/2016</a:t>
             </a:fld>
             <a:endParaRPr lang="en-US"/>
           </a:p>
@@ -3771,6 +8055,29 @@
           </a:p>
         </p:txBody>
       </p:sp>
+      <p:pic>
+        <p:nvPicPr>
+          <p:cNvPr id="7" name="Content Placeholder 6"/>
+          <p:cNvPicPr>
+            <a:picLocks noGrp="1" noChangeAspect="1"/>
+          </p:cNvPicPr>
+          <p:nvPr>
+            <p:ph idx="1"/>
+          </p:nvPr>
+        </p:nvPicPr>
+        <p:blipFill>
+          <a:blip r:embed="rId2"/>
+          <a:stretch>
+            <a:fillRect/>
+          </a:stretch>
+        </p:blipFill>
+        <p:spPr>
+          <a:xfrm>
+            <a:off x="0" y="2146041"/>
+            <a:ext cx="9144000" cy="4105469"/>
+          </a:xfrm>
+        </p:spPr>
+      </p:pic>
     </p:spTree>
     <p:extLst>
       <p:ext uri="{BB962C8B-B14F-4D97-AF65-F5344CB8AC3E}">
@@ -3836,26 +8143,41 @@
             <p:ph idx="1"/>
           </p:nvPr>
         </p:nvSpPr>
-        <p:spPr/>
-        <p:txBody>
-          <a:bodyPr/>
+        <p:spPr>
+          <a:xfrm>
+            <a:off x="874869" y="2427717"/>
+            <a:ext cx="8269131" cy="1248544"/>
+          </a:xfrm>
+        </p:spPr>
+        <p:txBody>
+          <a:bodyPr>
+            <a:normAutofit/>
+          </a:bodyPr>
           <a:lstStyle/>
           <a:p>
             <a:r>
               <a:rPr lang="en-US" dirty="0" err="1"/>
-              <a:t>Foi</a:t>
-            </a:r>
-            <a:r>
-              <a:rPr lang="en-US" dirty="0"/>
-              <a:t> </a:t>
+              <a:t>Guarda</a:t>
+            </a:r>
+            <a:r>
+              <a:rPr lang="en-US" dirty="0"/>
+              <a:t> o </a:t>
             </a:r>
             <a:r>
               <a:rPr lang="en-US" dirty="0" err="1"/>
-              <a:t>implementada</a:t>
-            </a:r>
-            <a:r>
-              <a:rPr lang="en-US" dirty="0"/>
-              <a:t> </a:t>
+              <a:t>cálculo</a:t>
+            </a:r>
+            <a:r>
+              <a:rPr lang="en-US" dirty="0"/>
+              <a:t> do </a:t>
+            </a:r>
+            <a:r>
+              <a:rPr lang="en-US" dirty="0" err="1"/>
+              <a:t>effectiveMethod</a:t>
+            </a:r>
+            <a:r>
+              <a:rPr lang="en-US" dirty="0"/>
+              <a:t> para </a:t>
             </a:r>
             <a:r>
               <a:rPr lang="en-US" dirty="0" err="1"/>
@@ -3863,15 +8185,7 @@
             </a:r>
             <a:r>
               <a:rPr lang="en-US" dirty="0"/>
-              <a:t> cache que </a:t>
-            </a:r>
-            <a:r>
-              <a:rPr lang="en-US" dirty="0" err="1"/>
-              <a:t>guarda</a:t>
-            </a:r>
-            <a:r>
-              <a:rPr lang="en-US" dirty="0"/>
-              <a:t> a </a:t>
+              <a:t> dada </a:t>
             </a:r>
             <a:r>
               <a:rPr lang="en-US" dirty="0" err="1"/>
@@ -3879,58 +8193,13 @@
             </a:r>
             <a:r>
               <a:rPr lang="en-US" dirty="0"/>
-              <a:t> para um dado </a:t>
-            </a:r>
-            <a:r>
-              <a:rPr lang="en-US" dirty="0" err="1"/>
-              <a:t>conjunto</a:t>
-            </a:r>
-            <a:r>
-              <a:rPr lang="en-US" dirty="0"/>
-              <a:t> de </a:t>
-            </a:r>
-            <a:r>
-              <a:rPr lang="en-US" dirty="0" err="1"/>
-              <a:t>argumentos</a:t>
-            </a:r>
-            <a:r>
-              <a:rPr lang="en-US" dirty="0"/>
-              <a:t>. </a:t>
-            </a:r>
-          </a:p>
-          <a:p>
-            <a:r>
-              <a:rPr lang="en-US" dirty="0" err="1"/>
-              <a:t>Esta</a:t>
-            </a:r>
-            <a:r>
-              <a:rPr lang="en-US" dirty="0"/>
-              <a:t> cache </a:t>
-            </a:r>
-            <a:r>
-              <a:rPr lang="en-US" dirty="0" err="1"/>
-              <a:t>guarda</a:t>
-            </a:r>
-            <a:r>
-              <a:rPr lang="en-US" dirty="0"/>
-              <a:t> um </a:t>
-            </a:r>
-            <a:r>
-              <a:rPr lang="en-US" dirty="0" err="1"/>
-              <a:t>objecto</a:t>
-            </a:r>
-            <a:r>
-              <a:rPr lang="en-US" dirty="0"/>
-              <a:t> </a:t>
-            </a:r>
-            <a:r>
-              <a:rPr lang="pt-PT" b="1" i="1" dirty="0"/>
-              <a:t>EffectiveMethodCacheItem </a:t>
-            </a:r>
-            <a:r>
-              <a:rPr lang="pt-PT" dirty="0"/>
-              <a:t>que contem o metodo efectivo respectivo aos argumentos da chamada.</a:t>
-            </a:r>
+              <a:t>.</a:t>
+            </a:r>
+          </a:p>
+          <a:p>
+            <a:pPr marL="0" indent="0">
+              <a:buNone/>
+            </a:pPr>
             <a:endParaRPr lang="pt-PT" b="1" i="1" dirty="0"/>
           </a:p>
         </p:txBody>
@@ -3952,7 +8221,7 @@
           <a:p>
             <a:fld id="{EA0B2E4C-09A0-1C47-AC04-653E7CA38318}" type="datetime1">
               <a:rPr lang="en-US" smtClean="0"/>
-              <a:t>5/12/2016</a:t>
+              <a:t>5/16/2016</a:t>
             </a:fld>
             <a:endParaRPr lang="en-US"/>
           </a:p>
@@ -3981,6 +8250,54 @@
           </a:p>
         </p:txBody>
       </p:sp>
+      <p:pic>
+        <p:nvPicPr>
+          <p:cNvPr id="6" name="Picture 5"/>
+          <p:cNvPicPr>
+            <a:picLocks noChangeAspect="1"/>
+          </p:cNvPicPr>
+          <p:nvPr/>
+        </p:nvPicPr>
+        <p:blipFill>
+          <a:blip r:embed="rId3"/>
+          <a:stretch>
+            <a:fillRect/>
+          </a:stretch>
+        </p:blipFill>
+        <p:spPr>
+          <a:xfrm>
+            <a:off x="5849697" y="4105262"/>
+            <a:ext cx="3079844" cy="2098235"/>
+          </a:xfrm>
+          <a:prstGeom prst="rect">
+            <a:avLst/>
+          </a:prstGeom>
+        </p:spPr>
+      </p:pic>
+      <p:pic>
+        <p:nvPicPr>
+          <p:cNvPr id="7" name="Picture 6"/>
+          <p:cNvPicPr>
+            <a:picLocks noChangeAspect="1"/>
+          </p:cNvPicPr>
+          <p:nvPr/>
+        </p:nvPicPr>
+        <p:blipFill>
+          <a:blip r:embed="rId4"/>
+          <a:stretch>
+            <a:fillRect/>
+          </a:stretch>
+        </p:blipFill>
+        <p:spPr>
+          <a:xfrm>
+            <a:off x="355239" y="4706687"/>
+            <a:ext cx="5214031" cy="1200053"/>
+          </a:xfrm>
+          <a:prstGeom prst="rect">
+            <a:avLst/>
+          </a:prstGeom>
+        </p:spPr>
+      </p:pic>
     </p:spTree>
     <p:extLst>
       <p:ext uri="{BB962C8B-B14F-4D97-AF65-F5344CB8AC3E}">
@@ -4030,7 +8347,7 @@
           <a:p>
             <a:r>
               <a:rPr lang="en-US" dirty="0" err="1"/>
-              <a:t>Metodos</a:t>
+              <a:t>Métodos</a:t>
             </a:r>
             <a:r>
               <a:rPr lang="en-US" dirty="0"/>
@@ -4050,13 +8367,19 @@
             <p:ph idx="1"/>
           </p:nvPr>
         </p:nvSpPr>
-        <p:spPr/>
+        <p:spPr>
+          <a:xfrm>
+            <a:off x="743284" y="2999152"/>
+            <a:ext cx="7655237" cy="3685552"/>
+          </a:xfrm>
+        </p:spPr>
         <p:txBody>
           <a:bodyPr>
-            <a:normAutofit fontScale="92500" lnSpcReduction="10000"/>
+            <a:normAutofit/>
           </a:bodyPr>
           <a:lstStyle/>
           <a:p>
+            <a:pPr algn="just"/>
             <a:r>
               <a:rPr lang="en-US" dirty="0" err="1"/>
               <a:t>Foi</a:t>
@@ -4091,7 +8414,7 @@
             </a:r>
             <a:r>
               <a:rPr lang="en-US" dirty="0" err="1"/>
-              <a:t>metodos</a:t>
+              <a:t>métodos</a:t>
             </a:r>
             <a:r>
               <a:rPr lang="en-US" dirty="0"/>
@@ -4103,7 +8426,47 @@
             </a:r>
             <a:r>
               <a:rPr lang="en-US" dirty="0"/>
-              <a:t> com </a:t>
+              <a:t>, </a:t>
+            </a:r>
+            <a:r>
+              <a:rPr lang="en-US" dirty="0" err="1"/>
+              <a:t>bem</a:t>
+            </a:r>
+            <a:r>
+              <a:rPr lang="en-US" dirty="0"/>
+              <a:t> </a:t>
+            </a:r>
+            <a:r>
+              <a:rPr lang="en-US" dirty="0" err="1"/>
+              <a:t>como</a:t>
+            </a:r>
+            <a:r>
+              <a:rPr lang="en-US" dirty="0"/>
+              <a:t> </a:t>
+            </a:r>
+            <a:r>
+              <a:rPr lang="en-US" b="1" i="1" dirty="0"/>
+              <a:t>call-next-method</a:t>
+            </a:r>
+            <a:r>
+              <a:rPr lang="en-US" dirty="0"/>
+              <a:t> </a:t>
+            </a:r>
+            <a:r>
+              <a:rPr lang="en-US" dirty="0" err="1"/>
+              <a:t>nos</a:t>
+            </a:r>
+            <a:r>
+              <a:rPr lang="en-US" dirty="0"/>
+              <a:t> </a:t>
+            </a:r>
+            <a:r>
+              <a:rPr lang="en-US" dirty="0" err="1"/>
+              <a:t>métodos</a:t>
+            </a:r>
+            <a:r>
+              <a:rPr lang="en-US" dirty="0"/>
+              <a:t> around com </a:t>
             </a:r>
             <a:r>
               <a:rPr lang="en-US" dirty="0" err="1"/>
@@ -4127,131 +8490,8 @@
             </a:r>
             <a:r>
               <a:rPr lang="en-US" dirty="0"/>
-              <a:t> do CLOS</a:t>
-            </a:r>
-          </a:p>
-          <a:p>
-            <a:r>
-              <a:rPr lang="en-US" dirty="0" err="1"/>
-              <a:t>Tambem</a:t>
-            </a:r>
-            <a:r>
-              <a:rPr lang="en-US" dirty="0"/>
-              <a:t> </a:t>
-            </a:r>
-            <a:r>
-              <a:rPr lang="en-US" dirty="0" err="1"/>
-              <a:t>implementamos</a:t>
-            </a:r>
-            <a:r>
-              <a:rPr lang="en-US" dirty="0"/>
-              <a:t> a </a:t>
-            </a:r>
-            <a:r>
-              <a:rPr lang="en-US" dirty="0" err="1"/>
-              <a:t>possibilidade</a:t>
-            </a:r>
-            <a:r>
-              <a:rPr lang="en-US" dirty="0"/>
-              <a:t> de </a:t>
-            </a:r>
-            <a:r>
-              <a:rPr lang="en-US" dirty="0" err="1"/>
-              <a:t>ser</a:t>
-            </a:r>
-            <a:r>
-              <a:rPr lang="en-US" dirty="0"/>
-              <a:t> </a:t>
-            </a:r>
-            <a:r>
-              <a:rPr lang="en-US" dirty="0" err="1"/>
-              <a:t>chamado</a:t>
-            </a:r>
-            <a:r>
-              <a:rPr lang="en-US" dirty="0"/>
-              <a:t> o </a:t>
-            </a:r>
-            <a:r>
-              <a:rPr lang="en-US" b="1" i="1" dirty="0"/>
-              <a:t>call-next-method</a:t>
-            </a:r>
-            <a:r>
-              <a:rPr lang="en-US" dirty="0"/>
-              <a:t> </a:t>
-            </a:r>
-            <a:r>
-              <a:rPr lang="en-US" dirty="0" err="1"/>
-              <a:t>nos</a:t>
-            </a:r>
-            <a:r>
-              <a:rPr lang="en-US" dirty="0"/>
-              <a:t> </a:t>
-            </a:r>
-            <a:r>
-              <a:rPr lang="en-US" dirty="0" err="1"/>
-              <a:t>metodos</a:t>
-            </a:r>
-            <a:r>
-              <a:rPr lang="en-US" dirty="0"/>
-              <a:t> around de forma a </a:t>
-            </a:r>
-            <a:r>
-              <a:rPr lang="en-US" dirty="0" err="1"/>
-              <a:t>permitir</a:t>
-            </a:r>
-            <a:r>
-              <a:rPr lang="en-US" dirty="0"/>
-              <a:t> </a:t>
-            </a:r>
-            <a:r>
-              <a:rPr lang="en-US" dirty="0" err="1"/>
-              <a:t>chamar</a:t>
-            </a:r>
-            <a:r>
-              <a:rPr lang="en-US" dirty="0"/>
-              <a:t> o </a:t>
-            </a:r>
-            <a:r>
-              <a:rPr lang="en-US" dirty="0" err="1"/>
-              <a:t>proximo</a:t>
-            </a:r>
-            <a:r>
-              <a:rPr lang="en-US" dirty="0"/>
-              <a:t> </a:t>
-            </a:r>
-            <a:r>
-              <a:rPr lang="en-US" dirty="0" err="1"/>
-              <a:t>metodo</a:t>
-            </a:r>
-            <a:r>
-              <a:rPr lang="en-US" dirty="0"/>
-              <a:t> </a:t>
-            </a:r>
-            <a:r>
-              <a:rPr lang="en-US" dirty="0" err="1"/>
-              <a:t>mais</a:t>
-            </a:r>
-            <a:r>
-              <a:rPr lang="en-US" dirty="0"/>
-              <a:t> </a:t>
-            </a:r>
-            <a:r>
-              <a:rPr lang="en-US" dirty="0" err="1"/>
-              <a:t>especifico</a:t>
-            </a:r>
-            <a:r>
-              <a:rPr lang="en-US" dirty="0"/>
-              <a:t> </a:t>
-            </a:r>
-            <a:r>
-              <a:rPr lang="en-US" dirty="0" err="1"/>
-              <a:t>aplicavel</a:t>
-            </a:r>
-            <a:r>
-              <a:rPr lang="en-US" dirty="0"/>
-              <a:t>.</a:t>
-            </a:r>
-            <a:endParaRPr lang="pt-PT" dirty="0"/>
+              <a:t> do CLOS.</a:t>
+            </a:r>
           </a:p>
         </p:txBody>
       </p:sp>
@@ -4272,7 +8512,7 @@
           <a:p>
             <a:fld id="{EA0B2E4C-09A0-1C47-AC04-653E7CA38318}" type="datetime1">
               <a:rPr lang="en-US" smtClean="0"/>
-              <a:t>5/12/2016</a:t>
+              <a:t>5/16/2016</a:t>
             </a:fld>
             <a:endParaRPr lang="en-US"/>
           </a:p>
@@ -4405,7 +8645,7 @@
           <a:p>
             <a:fld id="{EA0B2E4C-09A0-1C47-AC04-653E7CA38318}" type="datetime1">
               <a:rPr lang="en-US" smtClean="0"/>
-              <a:t>5/12/2016</a:t>
+              <a:t>5/16/2016</a:t>
             </a:fld>
             <a:endParaRPr lang="en-US"/>
           </a:p>
@@ -4483,28 +8723,9 @@
               <a:rPr lang="en-US" dirty="0" err="1"/>
               <a:t>Introdução</a:t>
             </a:r>
-            <a:endParaRPr lang="pt-PT" dirty="0"/>
-          </a:p>
-        </p:txBody>
-      </p:sp>
-      <p:sp>
-        <p:nvSpPr>
-          <p:cNvPr id="3" name="Content Placeholder 2"/>
-          <p:cNvSpPr>
-            <a:spLocks noGrp="1"/>
-          </p:cNvSpPr>
-          <p:nvPr>
-            <p:ph idx="1"/>
-          </p:nvPr>
-        </p:nvSpPr>
-        <p:spPr/>
-        <p:txBody>
-          <a:bodyPr/>
-          <a:lstStyle/>
-          <a:p>
-            <a:r>
-              <a:rPr lang="en-US" dirty="0"/>
-              <a:t>No CLOS(Common Lisp Object System) </a:t>
+            <a:r>
+              <a:rPr lang="en-US" dirty="0"/>
+              <a:t> </a:t>
             </a:r>
             <a:r>
               <a:rPr lang="en-US" dirty="0" err="1"/>
@@ -4516,77 +8737,59 @@
             </a:r>
             <a:r>
               <a:rPr lang="en-US" dirty="0" err="1"/>
-              <a:t>contrário</a:t>
-            </a:r>
-            <a:r>
-              <a:rPr lang="en-US" dirty="0"/>
-              <a:t> do Java </a:t>
-            </a:r>
-            <a:r>
-              <a:rPr lang="en-US" dirty="0" err="1"/>
-              <a:t>existe</a:t>
-            </a:r>
-            <a:r>
-              <a:rPr lang="en-US" dirty="0"/>
-              <a:t> a </a:t>
-            </a:r>
-            <a:r>
-              <a:rPr lang="en-US" dirty="0" err="1"/>
-              <a:t>possibilidade</a:t>
-            </a:r>
-            <a:r>
-              <a:rPr lang="en-US" dirty="0"/>
-              <a:t> de utilizer Multiple Dispatch. No Java </a:t>
-            </a:r>
-            <a:r>
-              <a:rPr lang="en-US" dirty="0" err="1"/>
-              <a:t>apenas</a:t>
-            </a:r>
-            <a:r>
-              <a:rPr lang="en-US" dirty="0"/>
-              <a:t> </a:t>
-            </a:r>
-            <a:r>
-              <a:rPr lang="en-US" dirty="0" err="1"/>
-              <a:t>existe</a:t>
-            </a:r>
-            <a:r>
-              <a:rPr lang="en-US" dirty="0"/>
-              <a:t> Single Dispatch + Overloading o que </a:t>
-            </a:r>
-            <a:r>
-              <a:rPr lang="en-US" dirty="0" err="1"/>
-              <a:t>consiste</a:t>
-            </a:r>
-            <a:r>
-              <a:rPr lang="en-US" dirty="0"/>
-              <a:t> </a:t>
-            </a:r>
-            <a:r>
-              <a:rPr lang="en-US" dirty="0" err="1"/>
-              <a:t>numa</a:t>
-            </a:r>
-            <a:r>
-              <a:rPr lang="en-US" dirty="0"/>
-              <a:t> </a:t>
-            </a:r>
-            <a:r>
-              <a:rPr lang="en-US" dirty="0" err="1"/>
-              <a:t>limitação</a:t>
-            </a:r>
-            <a:r>
-              <a:rPr lang="en-US" dirty="0"/>
-              <a:t> </a:t>
-            </a:r>
-            <a:r>
-              <a:rPr lang="en-US" dirty="0" err="1"/>
-              <a:t>comparativamente</a:t>
-            </a:r>
-            <a:r>
-              <a:rPr lang="en-US" dirty="0"/>
-              <a:t> com o CLOS</a:t>
+              <a:t>problema</a:t>
             </a:r>
             <a:endParaRPr lang="pt-PT" dirty="0"/>
+          </a:p>
+        </p:txBody>
+      </p:sp>
+      <p:sp>
+        <p:nvSpPr>
+          <p:cNvPr id="3" name="Content Placeholder 2"/>
+          <p:cNvSpPr>
+            <a:spLocks noGrp="1"/>
+          </p:cNvSpPr>
+          <p:nvPr>
+            <p:ph idx="1"/>
+          </p:nvPr>
+        </p:nvSpPr>
+        <p:spPr/>
+        <p:txBody>
+          <a:bodyPr>
+            <a:normAutofit/>
+          </a:bodyPr>
+          <a:lstStyle/>
+          <a:p>
+            <a:r>
+              <a:rPr lang="en-US" dirty="0"/>
+              <a:t>CLOS</a:t>
+            </a:r>
+          </a:p>
+          <a:p>
+            <a:pPr lvl="1"/>
+            <a:r>
+              <a:rPr lang="en-US" dirty="0"/>
+              <a:t>Multiple dispatch </a:t>
+            </a:r>
+          </a:p>
+          <a:p>
+            <a:pPr marL="457200" lvl="1" indent="0">
+              <a:buNone/>
+            </a:pPr>
+            <a:endParaRPr lang="en-US" dirty="0"/>
+          </a:p>
+          <a:p>
+            <a:r>
+              <a:rPr lang="en-US" dirty="0"/>
+              <a:t>Java</a:t>
+            </a:r>
+          </a:p>
+          <a:p>
+            <a:pPr lvl="1"/>
+            <a:r>
+              <a:rPr lang="en-US" dirty="0"/>
+              <a:t>Single dispatch + overloading</a:t>
+            </a:r>
           </a:p>
         </p:txBody>
       </p:sp>
@@ -4607,7 +8810,7 @@
           <a:p>
             <a:fld id="{EA0B2E4C-09A0-1C47-AC04-653E7CA38318}" type="datetime1">
               <a:rPr lang="en-US" smtClean="0"/>
-              <a:t>5/12/2016</a:t>
+              <a:t>5/16/2016</a:t>
             </a:fld>
             <a:endParaRPr lang="en-US"/>
           </a:p>
@@ -4704,6 +8907,7 @@
           <a:bodyPr/>
           <a:lstStyle/>
           <a:p>
+            <a:pPr algn="ctr"/>
             <a:r>
               <a:rPr lang="en-US" dirty="0" err="1"/>
               <a:t>Permitir</a:t>
@@ -4718,7 +8922,7 @@
             </a:r>
             <a:r>
               <a:rPr lang="en-US" dirty="0"/>
-              <a:t> Java</a:t>
+              <a:t> java.</a:t>
             </a:r>
           </a:p>
         </p:txBody>
@@ -4740,7 +8944,7 @@
           <a:p>
             <a:fld id="{EA0B2E4C-09A0-1C47-AC04-653E7CA38318}" type="datetime1">
               <a:rPr lang="en-US" smtClean="0"/>
-              <a:t>5/12/2016</a:t>
+              <a:t>5/16/2016</a:t>
             </a:fld>
             <a:endParaRPr lang="en-US"/>
           </a:p>
@@ -4869,7 +9073,7 @@
           <a:p>
             <a:fld id="{EA0B2E4C-09A0-1C47-AC04-653E7CA38318}" type="datetime1">
               <a:rPr lang="en-US" smtClean="0"/>
-              <a:t>5/12/2016</a:t>
+              <a:t>5/16/2016</a:t>
             </a:fld>
             <a:endParaRPr lang="en-US"/>
           </a:p>
@@ -4953,25 +9157,6 @@
       </p:sp>
       <p:sp>
         <p:nvSpPr>
-          <p:cNvPr id="3" name="Content Placeholder 2"/>
-          <p:cNvSpPr>
-            <a:spLocks noGrp="1"/>
-          </p:cNvSpPr>
-          <p:nvPr>
-            <p:ph idx="1"/>
-          </p:nvPr>
-        </p:nvSpPr>
-        <p:spPr/>
-        <p:txBody>
-          <a:bodyPr/>
-          <a:lstStyle/>
-          <a:p>
-            <a:endParaRPr lang="pt-PT"/>
-          </a:p>
-        </p:txBody>
-      </p:sp>
-      <p:sp>
-        <p:nvSpPr>
           <p:cNvPr id="4" name="Date Placeholder 3"/>
           <p:cNvSpPr>
             <a:spLocks noGrp="1"/>
@@ -4987,7 +9172,7 @@
           <a:p>
             <a:fld id="{EA0B2E4C-09A0-1C47-AC04-653E7CA38318}" type="datetime1">
               <a:rPr lang="en-US" smtClean="0"/>
-              <a:t>5/12/2016</a:t>
+              <a:t>5/16/2016</a:t>
             </a:fld>
             <a:endParaRPr lang="en-US"/>
           </a:p>
@@ -5016,6 +9201,29 @@
           </a:p>
         </p:txBody>
       </p:sp>
+      <p:pic>
+        <p:nvPicPr>
+          <p:cNvPr id="8" name="Content Placeholder 7"/>
+          <p:cNvPicPr>
+            <a:picLocks noGrp="1" noChangeAspect="1"/>
+          </p:cNvPicPr>
+          <p:nvPr>
+            <p:ph idx="1"/>
+          </p:nvPr>
+        </p:nvPicPr>
+        <p:blipFill>
+          <a:blip r:embed="rId2"/>
+          <a:stretch>
+            <a:fillRect/>
+          </a:stretch>
+        </p:blipFill>
+        <p:spPr>
+          <a:xfrm>
+            <a:off x="223935" y="2183363"/>
+            <a:ext cx="8714791" cy="4068147"/>
+          </a:xfrm>
+        </p:spPr>
+      </p:pic>
     </p:spTree>
     <p:extLst>
       <p:ext uri="{BB962C8B-B14F-4D97-AF65-F5344CB8AC3E}">
@@ -5056,7 +9264,12 @@
             <p:ph type="title"/>
           </p:nvPr>
         </p:nvSpPr>
-        <p:spPr/>
+        <p:spPr>
+          <a:xfrm>
+            <a:off x="772832" y="1474082"/>
+            <a:ext cx="7655237" cy="868363"/>
+          </a:xfrm>
+        </p:spPr>
         <p:txBody>
           <a:bodyPr/>
           <a:lstStyle/>
@@ -5079,102 +9292,22 @@
             <p:ph idx="1"/>
           </p:nvPr>
         </p:nvSpPr>
-        <p:spPr/>
-        <p:txBody>
-          <a:bodyPr/>
-          <a:lstStyle/>
-          <a:p>
+        <p:spPr>
+          <a:xfrm>
+            <a:off x="743285" y="2440611"/>
+            <a:ext cx="4985711" cy="3685552"/>
+          </a:xfrm>
+        </p:spPr>
+        <p:txBody>
+          <a:bodyPr>
+            <a:normAutofit fontScale="85000" lnSpcReduction="10000"/>
+          </a:bodyPr>
+          <a:lstStyle/>
+          <a:p>
+            <a:pPr algn="just"/>
             <a:r>
               <a:rPr lang="en-US" dirty="0" err="1"/>
-              <a:t>Foram</a:t>
-            </a:r>
-            <a:r>
-              <a:rPr lang="en-US" dirty="0"/>
-              <a:t> </a:t>
-            </a:r>
-            <a:r>
-              <a:rPr lang="en-US" dirty="0" err="1"/>
-              <a:t>criadas</a:t>
-            </a:r>
-            <a:r>
-              <a:rPr lang="en-US" dirty="0"/>
-              <a:t> Classes a que </a:t>
-            </a:r>
-            <a:r>
-              <a:rPr lang="en-US" dirty="0" err="1"/>
-              <a:t>chamamos</a:t>
-            </a:r>
-            <a:r>
-              <a:rPr lang="en-US" dirty="0"/>
-              <a:t> de Function Handlers, que </a:t>
-            </a:r>
-            <a:r>
-              <a:rPr lang="en-US" dirty="0" err="1"/>
-              <a:t>herdam</a:t>
-            </a:r>
-            <a:r>
-              <a:rPr lang="en-US" dirty="0"/>
-              <a:t> da </a:t>
-            </a:r>
-            <a:r>
-              <a:rPr lang="en-US" dirty="0" err="1"/>
-              <a:t>classe</a:t>
-            </a:r>
-            <a:r>
-              <a:rPr lang="en-US" dirty="0"/>
-              <a:t> </a:t>
-            </a:r>
-            <a:r>
-              <a:rPr lang="en-US" dirty="0" err="1"/>
-              <a:t>abstracta</a:t>
-            </a:r>
-            <a:r>
-              <a:rPr lang="en-US" dirty="0"/>
-              <a:t> </a:t>
-            </a:r>
-            <a:r>
-              <a:rPr lang="en-US" dirty="0" err="1"/>
-              <a:t>FunctionHandler</a:t>
-            </a:r>
-            <a:r>
-              <a:rPr lang="en-US" dirty="0"/>
-              <a:t>. </a:t>
-            </a:r>
-            <a:r>
-              <a:rPr lang="en-US" dirty="0" err="1"/>
-              <a:t>Estas</a:t>
-            </a:r>
-            <a:r>
-              <a:rPr lang="en-US" dirty="0"/>
-              <a:t> </a:t>
-            </a:r>
-            <a:r>
-              <a:rPr lang="en-US" dirty="0" err="1"/>
-              <a:t>têm</a:t>
-            </a:r>
-            <a:r>
-              <a:rPr lang="en-US" dirty="0"/>
-              <a:t> </a:t>
-            </a:r>
-            <a:r>
-              <a:rPr lang="en-US" dirty="0" err="1"/>
-              <a:t>como</a:t>
-            </a:r>
-            <a:r>
-              <a:rPr lang="en-US" dirty="0"/>
-              <a:t> </a:t>
-            </a:r>
-            <a:r>
-              <a:rPr lang="en-US" dirty="0" err="1"/>
-              <a:t>objectivo</a:t>
-            </a:r>
-            <a:r>
-              <a:rPr lang="en-US" dirty="0"/>
-              <a:t> </a:t>
-            </a:r>
-            <a:r>
-              <a:rPr lang="en-US" dirty="0" err="1"/>
-              <a:t>guardar</a:t>
+              <a:t>Guarda</a:t>
             </a:r>
             <a:r>
               <a:rPr lang="en-US" dirty="0"/>
@@ -5190,19 +9323,11 @@
             </a:r>
             <a:r>
               <a:rPr lang="en-US" dirty="0" err="1"/>
-              <a:t>metodos</a:t>
-            </a:r>
-            <a:r>
-              <a:rPr lang="en-US" dirty="0"/>
-              <a:t> de </a:t>
-            </a:r>
-            <a:r>
-              <a:rPr lang="en-US" dirty="0" err="1"/>
-              <a:t>cada</a:t>
-            </a:r>
-            <a:r>
-              <a:rPr lang="en-US" dirty="0"/>
-              <a:t> </a:t>
+              <a:t>métodos</a:t>
+            </a:r>
+            <a:r>
+              <a:rPr lang="en-US" dirty="0"/>
+              <a:t> de um </a:t>
             </a:r>
             <a:r>
               <a:rPr lang="en-US" dirty="0" err="1"/>
@@ -5210,7 +9335,7 @@
             </a:r>
             <a:r>
               <a:rPr lang="en-US" dirty="0"/>
-              <a:t>(</a:t>
+              <a:t> (</a:t>
             </a:r>
             <a:r>
               <a:rPr lang="en-US" b="1" i="1" dirty="0"/>
@@ -5246,7 +9371,7 @@
             </a:r>
             <a:r>
               <a:rPr lang="en-US" dirty="0" err="1"/>
-              <a:t>cada</a:t>
+              <a:t>uma</a:t>
             </a:r>
             <a:r>
               <a:rPr lang="en-US" dirty="0"/>
@@ -5269,6 +9394,79 @@
               <a:t>.</a:t>
             </a:r>
           </a:p>
+          <a:p>
+            <a:pPr marL="0" indent="0" algn="just">
+              <a:buNone/>
+            </a:pPr>
+            <a:endParaRPr lang="en-US" dirty="0"/>
+          </a:p>
+          <a:p>
+            <a:pPr algn="just"/>
+            <a:r>
+              <a:rPr lang="en-US" dirty="0" err="1"/>
+              <a:t>Selecciona</a:t>
+            </a:r>
+            <a:r>
+              <a:rPr lang="en-US" dirty="0"/>
+              <a:t> </a:t>
+            </a:r>
+            <a:r>
+              <a:rPr lang="en-US" dirty="0" err="1"/>
+              <a:t>os</a:t>
+            </a:r>
+            <a:r>
+              <a:rPr lang="en-US" dirty="0"/>
+              <a:t> </a:t>
+            </a:r>
+            <a:r>
+              <a:rPr lang="en-US" dirty="0" err="1"/>
+              <a:t>métodos</a:t>
+            </a:r>
+            <a:r>
+              <a:rPr lang="en-US" dirty="0"/>
+              <a:t> </a:t>
+            </a:r>
+            <a:r>
+              <a:rPr lang="en-US" dirty="0" err="1"/>
+              <a:t>aplicáveis</a:t>
+            </a:r>
+            <a:r>
+              <a:rPr lang="en-US" dirty="0"/>
+              <a:t> e </a:t>
+            </a:r>
+            <a:r>
+              <a:rPr lang="en-US" dirty="0" err="1"/>
+              <a:t>ordena-os</a:t>
+            </a:r>
+            <a:r>
+              <a:rPr lang="en-US" dirty="0"/>
+              <a:t>  de </a:t>
+            </a:r>
+            <a:r>
+              <a:rPr lang="en-US" dirty="0" err="1"/>
+              <a:t>acordo</a:t>
+            </a:r>
+            <a:r>
+              <a:rPr lang="en-US" dirty="0"/>
+              <a:t> com a </a:t>
+            </a:r>
+            <a:r>
+              <a:rPr lang="en-US" dirty="0" err="1"/>
+              <a:t>chamada</a:t>
+            </a:r>
+            <a:r>
+              <a:rPr lang="en-US" dirty="0"/>
+              <a:t> </a:t>
+            </a:r>
+            <a:r>
+              <a:rPr lang="en-US" dirty="0" err="1"/>
+              <a:t>efectuada</a:t>
+            </a:r>
+            <a:r>
+              <a:rPr lang="en-US" dirty="0"/>
+              <a:t>.</a:t>
+            </a:r>
+          </a:p>
         </p:txBody>
       </p:sp>
       <p:sp>
@@ -5288,7 +9486,7 @@
           <a:p>
             <a:fld id="{EA0B2E4C-09A0-1C47-AC04-653E7CA38318}" type="datetime1">
               <a:rPr lang="en-US" smtClean="0"/>
-              <a:t>5/12/2016</a:t>
+              <a:t>5/16/2016</a:t>
             </a:fld>
             <a:endParaRPr lang="en-US"/>
           </a:p>
@@ -5317,6 +9515,54 @@
           </a:p>
         </p:txBody>
       </p:sp>
+      <p:pic>
+        <p:nvPicPr>
+          <p:cNvPr id="6" name="Picture 5"/>
+          <p:cNvPicPr>
+            <a:picLocks noChangeAspect="1"/>
+          </p:cNvPicPr>
+          <p:nvPr/>
+        </p:nvPicPr>
+        <p:blipFill>
+          <a:blip r:embed="rId2"/>
+          <a:stretch>
+            <a:fillRect/>
+          </a:stretch>
+        </p:blipFill>
+        <p:spPr>
+          <a:xfrm>
+            <a:off x="6175198" y="2114591"/>
+            <a:ext cx="2700741" cy="1244429"/>
+          </a:xfrm>
+          <a:prstGeom prst="rect">
+            <a:avLst/>
+          </a:prstGeom>
+        </p:spPr>
+      </p:pic>
+      <p:pic>
+        <p:nvPicPr>
+          <p:cNvPr id="7" name="Picture 6"/>
+          <p:cNvPicPr>
+            <a:picLocks noChangeAspect="1"/>
+          </p:cNvPicPr>
+          <p:nvPr/>
+        </p:nvPicPr>
+        <p:blipFill>
+          <a:blip r:embed="rId3"/>
+          <a:stretch>
+            <a:fillRect/>
+          </a:stretch>
+        </p:blipFill>
+        <p:spPr>
+          <a:xfrm>
+            <a:off x="6175198" y="3716077"/>
+            <a:ext cx="2700741" cy="2236853"/>
+          </a:xfrm>
+          <a:prstGeom prst="rect">
+            <a:avLst/>
+          </a:prstGeom>
+        </p:spPr>
+      </p:pic>
     </p:spTree>
     <p:extLst>
       <p:ext uri="{BB962C8B-B14F-4D97-AF65-F5344CB8AC3E}">
@@ -5393,7 +9639,7 @@
           <a:p>
             <a:r>
               <a:rPr lang="en-US" noProof="1"/>
-              <a:t>Para gerar a lista de precedencias das classes utilizamos uma procura </a:t>
+              <a:t>Foi utilizada uma procura </a:t>
             </a:r>
             <a:r>
               <a:rPr lang="en-US" b="1" i="1" noProof="1"/>
@@ -5401,7 +9647,7 @@
             </a:r>
             <a:r>
               <a:rPr lang="en-US" noProof="1"/>
-              <a:t> começando na classe que temos como argumento e subindo pelas respectivas super-classes e super-interfaces.</a:t>
+              <a:t> para gerar a lista de precendias de classes</a:t>
             </a:r>
           </a:p>
         </p:txBody>
@@ -5423,7 +9669,7 @@
           <a:p>
             <a:fld id="{EA0B2E4C-09A0-1C47-AC04-653E7CA38318}" type="datetime1">
               <a:rPr lang="en-US" smtClean="0"/>
-              <a:t>5/12/2016</a:t>
+              <a:t>5/16/2016</a:t>
             </a:fld>
             <a:endParaRPr lang="en-US"/>
           </a:p>
@@ -5517,25 +9763,6 @@
       </p:sp>
       <p:sp>
         <p:nvSpPr>
-          <p:cNvPr id="3" name="Content Placeholder 2"/>
-          <p:cNvSpPr>
-            <a:spLocks noGrp="1"/>
-          </p:cNvSpPr>
-          <p:nvPr>
-            <p:ph idx="1"/>
-          </p:nvPr>
-        </p:nvSpPr>
-        <p:spPr/>
-        <p:txBody>
-          <a:bodyPr/>
-          <a:lstStyle/>
-          <a:p>
-            <a:endParaRPr lang="pt-PT" dirty="0"/>
-          </a:p>
-        </p:txBody>
-      </p:sp>
-      <p:sp>
-        <p:nvSpPr>
           <p:cNvPr id="4" name="Date Placeholder 3"/>
           <p:cNvSpPr>
             <a:spLocks noGrp="1"/>
@@ -5551,7 +9778,7 @@
           <a:p>
             <a:fld id="{EA0B2E4C-09A0-1C47-AC04-653E7CA38318}" type="datetime1">
               <a:rPr lang="en-US" smtClean="0"/>
-              <a:t>5/12/2016</a:t>
+              <a:t>5/16/2016</a:t>
             </a:fld>
             <a:endParaRPr lang="en-US"/>
           </a:p>
@@ -5577,6 +9804,58 @@
               <a:t>Instituto Superior Técnico </a:t>
             </a:r>
             <a:endParaRPr lang="en-US"/>
+          </a:p>
+        </p:txBody>
+      </p:sp>
+      <p:pic>
+        <p:nvPicPr>
+          <p:cNvPr id="8" name="Content Placeholder 7"/>
+          <p:cNvPicPr>
+            <a:picLocks noGrp="1" noChangeAspect="1"/>
+          </p:cNvPicPr>
+          <p:nvPr>
+            <p:ph idx="1"/>
+          </p:nvPr>
+        </p:nvPicPr>
+        <p:blipFill>
+          <a:blip r:embed="rId2"/>
+          <a:stretch>
+            <a:fillRect/>
+          </a:stretch>
+        </p:blipFill>
+        <p:spPr>
+          <a:xfrm>
+            <a:off x="1517321" y="2439988"/>
+            <a:ext cx="6107162" cy="2691849"/>
+          </a:xfrm>
+        </p:spPr>
+      </p:pic>
+      <p:sp>
+        <p:nvSpPr>
+          <p:cNvPr id="9" name="TextBox 8"/>
+          <p:cNvSpPr txBox="1"/>
+          <p:nvPr/>
+        </p:nvSpPr>
+        <p:spPr>
+          <a:xfrm>
+            <a:off x="1096071" y="5254122"/>
+            <a:ext cx="6958828" cy="769441"/>
+          </a:xfrm>
+          <a:prstGeom prst="rect">
+            <a:avLst/>
+          </a:prstGeom>
+          <a:noFill/>
+        </p:spPr>
+        <p:txBody>
+          <a:bodyPr wrap="none" rtlCol="0">
+            <a:spAutoFit/>
+          </a:bodyPr>
+          <a:lstStyle/>
+          <a:p>
+            <a:r>
+              <a:rPr lang="en-GB" sz="4400" b="1" dirty="0"/>
+              <a:t>A -&gt; B -&gt; I1 -&gt; I2 -&gt; C -&gt; I3</a:t>
+            </a:r>
           </a:p>
         </p:txBody>
       </p:sp>
@@ -5649,15 +9928,26 @@
         </p:nvSpPr>
         <p:spPr/>
         <p:txBody>
-          <a:bodyPr/>
-          <a:lstStyle/>
-          <a:p>
+          <a:bodyPr>
+            <a:normAutofit/>
+          </a:bodyPr>
+          <a:lstStyle/>
+          <a:p>
+            <a:pPr marL="0" indent="0">
+              <a:buNone/>
+            </a:pPr>
             <a:r>
               <a:rPr lang="en-US" noProof="1"/>
-              <a:t>Como critério de desempate entre classes e interfaces ao mesmo nivel de hierarquia decidimos que classes têm precedencia sobre as interfaces e a ordem das interfaces é aquela pela qual sao declaradas quando elas sao implementadas.</a:t>
-            </a:r>
-          </a:p>
-          <a:p>
+              <a:t>Critério de desempate entre classes e interfaces ao mesmo nivel de hierarquia:</a:t>
+            </a:r>
+          </a:p>
+          <a:p>
+            <a:endParaRPr lang="en-US" noProof="1"/>
+          </a:p>
+          <a:p>
+            <a:pPr marL="0" indent="0">
+              <a:buNone/>
+            </a:pPr>
             <a:endParaRPr lang="pt-PT" dirty="0"/>
           </a:p>
         </p:txBody>
@@ -5679,7 +9969,7 @@
           <a:p>
             <a:fld id="{EA0B2E4C-09A0-1C47-AC04-653E7CA38318}" type="datetime1">
               <a:rPr lang="en-US" smtClean="0"/>
-              <a:t>5/12/2016</a:t>
+              <a:t>5/16/2016</a:t>
             </a:fld>
             <a:endParaRPr lang="en-US"/>
           </a:p>
@@ -5705,6 +9995,75 @@
               <a:t>Instituto Superior Técnico </a:t>
             </a:r>
             <a:endParaRPr lang="en-US"/>
+          </a:p>
+        </p:txBody>
+      </p:sp>
+      <p:sp>
+        <p:nvSpPr>
+          <p:cNvPr id="6" name="Down Arrow 5"/>
+          <p:cNvSpPr/>
+          <p:nvPr/>
+        </p:nvSpPr>
+        <p:spPr>
+          <a:xfrm>
+            <a:off x="3591188" y="3826187"/>
+            <a:ext cx="1548881" cy="914400"/>
+          </a:xfrm>
+          <a:prstGeom prst="downArrow">
+            <a:avLst/>
+          </a:prstGeom>
+        </p:spPr>
+        <p:style>
+          <a:lnRef idx="1">
+            <a:schemeClr val="dk1"/>
+          </a:lnRef>
+          <a:fillRef idx="3">
+            <a:schemeClr val="dk1"/>
+          </a:fillRef>
+          <a:effectRef idx="2">
+            <a:schemeClr val="dk1"/>
+          </a:effectRef>
+          <a:fontRef idx="minor">
+            <a:schemeClr val="lt1"/>
+          </a:fontRef>
+        </p:style>
+        <p:txBody>
+          <a:bodyPr rtlCol="0" anchor="ctr"/>
+          <a:lstStyle/>
+          <a:p>
+            <a:pPr algn="ctr"/>
+            <a:endParaRPr lang="en-GB"/>
+          </a:p>
+        </p:txBody>
+      </p:sp>
+      <p:sp>
+        <p:nvSpPr>
+          <p:cNvPr id="8" name="TextBox 7"/>
+          <p:cNvSpPr txBox="1"/>
+          <p:nvPr/>
+        </p:nvSpPr>
+        <p:spPr>
+          <a:xfrm>
+            <a:off x="743284" y="4963886"/>
+            <a:ext cx="7896863" cy="1384995"/>
+          </a:xfrm>
+          <a:prstGeom prst="rect">
+            <a:avLst/>
+          </a:prstGeom>
+          <a:noFill/>
+        </p:spPr>
+        <p:txBody>
+          <a:bodyPr wrap="square" rtlCol="0">
+            <a:spAutoFit/>
+          </a:bodyPr>
+          <a:lstStyle/>
+          <a:p>
+            <a:pPr algn="just"/>
+            <a:r>
+              <a:rPr lang="en-US" sz="2800" noProof="1"/>
+              <a:t>As classes têm precedência sobre as interfaces e a ordem das interfaces é aquela pela qual sao declaradas.</a:t>
+            </a:r>
+            <a:endParaRPr lang="en-GB" dirty="0"/>
           </a:p>
         </p:txBody>
       </p:sp>
